--- a/프론트엔드기초(PPT)/CSS3 6강_CSS 포지션.pptx
+++ b/프론트엔드기초(PPT)/CSS3 6강_CSS 포지션.pptx
@@ -9,12 +9,18 @@
     <p:sldId id="262" r:id="rId3"/>
     <p:sldId id="257" r:id="rId4"/>
     <p:sldId id="318" r:id="rId5"/>
-    <p:sldId id="321" r:id="rId6"/>
-    <p:sldId id="324" r:id="rId7"/>
-    <p:sldId id="323" r:id="rId8"/>
-    <p:sldId id="325" r:id="rId9"/>
-    <p:sldId id="322" r:id="rId10"/>
-    <p:sldId id="263" r:id="rId11"/>
+    <p:sldId id="326" r:id="rId6"/>
+    <p:sldId id="328" r:id="rId7"/>
+    <p:sldId id="321" r:id="rId8"/>
+    <p:sldId id="327" r:id="rId9"/>
+    <p:sldId id="329" r:id="rId10"/>
+    <p:sldId id="324" r:id="rId11"/>
+    <p:sldId id="323" r:id="rId12"/>
+    <p:sldId id="325" r:id="rId13"/>
+    <p:sldId id="330" r:id="rId14"/>
+    <p:sldId id="331" r:id="rId15"/>
+    <p:sldId id="322" r:id="rId16"/>
+    <p:sldId id="263" r:id="rId17"/>
   </p:sldIdLst>
   <p:sldSz cx="9144000" cy="6858000" type="screen4x3"/>
   <p:notesSz cx="6858000" cy="9144000"/>
@@ -113,6 +119,22 @@
       </a:defRPr>
     </a:lvl9pPr>
   </p:defaultTextStyle>
+  <p:extLst>
+    <p:ext uri="{EFAFB233-063F-42B5-8137-9DF3F51BA10A}">
+      <p15:sldGuideLst xmlns:p15="http://schemas.microsoft.com/office/powerpoint/2012/main">
+        <p15:guide id="1" orient="horz" pos="2160">
+          <p15:clr>
+            <a:srgbClr val="A4A3A4"/>
+          </p15:clr>
+        </p15:guide>
+        <p15:guide id="2" pos="2880">
+          <p15:clr>
+            <a:srgbClr val="A4A3A4"/>
+          </p15:clr>
+        </p15:guide>
+      </p15:sldGuideLst>
+    </p:ext>
+  </p:extLst>
 </p:presentation>
 </file>
 
@@ -154,10 +176,9 @@
           <a:lstStyle/>
           <a:p>
             <a:r>
-              <a:rPr lang="ko-KR" altLang="en-US" smtClean="0"/>
+              <a:rPr lang="ko-KR" altLang="en-US"/>
               <a:t>마스터 제목 스타일 편집</a:t>
             </a:r>
-            <a:endParaRPr lang="ko-KR" altLang="en-US"/>
           </a:p>
         </p:txBody>
       </p:sp>
@@ -273,10 +294,9 @@
           </a:lstStyle>
           <a:p>
             <a:r>
-              <a:rPr lang="ko-KR" altLang="en-US" smtClean="0"/>
+              <a:rPr lang="ko-KR" altLang="en-US"/>
               <a:t>마스터 부제목 스타일 편집</a:t>
             </a:r>
-            <a:endParaRPr lang="ko-KR" altLang="en-US"/>
           </a:p>
         </p:txBody>
       </p:sp>
@@ -297,7 +317,7 @@
           <a:p>
             <a:fld id="{FB30EDBD-1C2D-4C1E-B459-B60219FAB484}" type="datetimeFigureOut">
               <a:rPr lang="ko-KR" altLang="en-US" smtClean="0"/>
-              <a:t>2020-10-02</a:t>
+              <a:t>2020-11-02</a:t>
             </a:fld>
             <a:endParaRPr lang="ko-KR" altLang="en-US"/>
           </a:p>
@@ -386,10 +406,9 @@
           <a:lstStyle/>
           <a:p>
             <a:r>
-              <a:rPr lang="ko-KR" altLang="en-US" smtClean="0"/>
+              <a:rPr lang="ko-KR" altLang="en-US"/>
               <a:t>마스터 제목 스타일 편집</a:t>
             </a:r>
-            <a:endParaRPr lang="ko-KR" altLang="en-US"/>
           </a:p>
         </p:txBody>
       </p:sp>
@@ -410,38 +429,37 @@
           <a:p>
             <a:pPr lvl="0"/>
             <a:r>
-              <a:rPr lang="ko-KR" altLang="en-US" smtClean="0"/>
+              <a:rPr lang="ko-KR" altLang="en-US"/>
               <a:t>마스터 텍스트 스타일을 편집합니다</a:t>
             </a:r>
           </a:p>
           <a:p>
             <a:pPr lvl="1"/>
             <a:r>
-              <a:rPr lang="ko-KR" altLang="en-US" smtClean="0"/>
+              <a:rPr lang="ko-KR" altLang="en-US"/>
               <a:t>둘째 수준</a:t>
             </a:r>
           </a:p>
           <a:p>
             <a:pPr lvl="2"/>
             <a:r>
-              <a:rPr lang="ko-KR" altLang="en-US" smtClean="0"/>
+              <a:rPr lang="ko-KR" altLang="en-US"/>
               <a:t>셋째 수준</a:t>
             </a:r>
           </a:p>
           <a:p>
             <a:pPr lvl="3"/>
             <a:r>
-              <a:rPr lang="ko-KR" altLang="en-US" smtClean="0"/>
+              <a:rPr lang="ko-KR" altLang="en-US"/>
               <a:t>넷째 수준</a:t>
             </a:r>
           </a:p>
           <a:p>
             <a:pPr lvl="4"/>
             <a:r>
-              <a:rPr lang="ko-KR" altLang="en-US" smtClean="0"/>
+              <a:rPr lang="ko-KR" altLang="en-US"/>
               <a:t>다섯째 수준</a:t>
             </a:r>
-            <a:endParaRPr lang="ko-KR" altLang="en-US"/>
           </a:p>
         </p:txBody>
       </p:sp>
@@ -462,7 +480,7 @@
           <a:p>
             <a:fld id="{FB30EDBD-1C2D-4C1E-B459-B60219FAB484}" type="datetimeFigureOut">
               <a:rPr lang="ko-KR" altLang="en-US" smtClean="0"/>
-              <a:t>2020-10-02</a:t>
+              <a:t>2020-11-02</a:t>
             </a:fld>
             <a:endParaRPr lang="ko-KR" altLang="en-US"/>
           </a:p>
@@ -556,10 +574,9 @@
           <a:lstStyle/>
           <a:p>
             <a:r>
-              <a:rPr lang="ko-KR" altLang="en-US" smtClean="0"/>
+              <a:rPr lang="ko-KR" altLang="en-US"/>
               <a:t>마스터 제목 스타일 편집</a:t>
             </a:r>
-            <a:endParaRPr lang="ko-KR" altLang="en-US"/>
           </a:p>
         </p:txBody>
       </p:sp>
@@ -585,38 +602,37 @@
           <a:p>
             <a:pPr lvl="0"/>
             <a:r>
-              <a:rPr lang="ko-KR" altLang="en-US" smtClean="0"/>
+              <a:rPr lang="ko-KR" altLang="en-US"/>
               <a:t>마스터 텍스트 스타일을 편집합니다</a:t>
             </a:r>
           </a:p>
           <a:p>
             <a:pPr lvl="1"/>
             <a:r>
-              <a:rPr lang="ko-KR" altLang="en-US" smtClean="0"/>
+              <a:rPr lang="ko-KR" altLang="en-US"/>
               <a:t>둘째 수준</a:t>
             </a:r>
           </a:p>
           <a:p>
             <a:pPr lvl="2"/>
             <a:r>
-              <a:rPr lang="ko-KR" altLang="en-US" smtClean="0"/>
+              <a:rPr lang="ko-KR" altLang="en-US"/>
               <a:t>셋째 수준</a:t>
             </a:r>
           </a:p>
           <a:p>
             <a:pPr lvl="3"/>
             <a:r>
-              <a:rPr lang="ko-KR" altLang="en-US" smtClean="0"/>
+              <a:rPr lang="ko-KR" altLang="en-US"/>
               <a:t>넷째 수준</a:t>
             </a:r>
           </a:p>
           <a:p>
             <a:pPr lvl="4"/>
             <a:r>
-              <a:rPr lang="ko-KR" altLang="en-US" smtClean="0"/>
+              <a:rPr lang="ko-KR" altLang="en-US"/>
               <a:t>다섯째 수준</a:t>
             </a:r>
-            <a:endParaRPr lang="ko-KR" altLang="en-US"/>
           </a:p>
         </p:txBody>
       </p:sp>
@@ -637,7 +653,7 @@
           <a:p>
             <a:fld id="{FB30EDBD-1C2D-4C1E-B459-B60219FAB484}" type="datetimeFigureOut">
               <a:rPr lang="ko-KR" altLang="en-US" smtClean="0"/>
-              <a:t>2020-10-02</a:t>
+              <a:t>2020-11-02</a:t>
             </a:fld>
             <a:endParaRPr lang="ko-KR" altLang="en-US"/>
           </a:p>
@@ -726,10 +742,9 @@
           <a:lstStyle/>
           <a:p>
             <a:r>
-              <a:rPr lang="ko-KR" altLang="en-US" smtClean="0"/>
+              <a:rPr lang="ko-KR" altLang="en-US"/>
               <a:t>마스터 제목 스타일 편집</a:t>
             </a:r>
-            <a:endParaRPr lang="ko-KR" altLang="en-US"/>
           </a:p>
         </p:txBody>
       </p:sp>
@@ -750,38 +765,37 @@
           <a:p>
             <a:pPr lvl="0"/>
             <a:r>
-              <a:rPr lang="ko-KR" altLang="en-US" smtClean="0"/>
+              <a:rPr lang="ko-KR" altLang="en-US"/>
               <a:t>마스터 텍스트 스타일을 편집합니다</a:t>
             </a:r>
           </a:p>
           <a:p>
             <a:pPr lvl="1"/>
             <a:r>
-              <a:rPr lang="ko-KR" altLang="en-US" smtClean="0"/>
+              <a:rPr lang="ko-KR" altLang="en-US"/>
               <a:t>둘째 수준</a:t>
             </a:r>
           </a:p>
           <a:p>
             <a:pPr lvl="2"/>
             <a:r>
-              <a:rPr lang="ko-KR" altLang="en-US" smtClean="0"/>
+              <a:rPr lang="ko-KR" altLang="en-US"/>
               <a:t>셋째 수준</a:t>
             </a:r>
           </a:p>
           <a:p>
             <a:pPr lvl="3"/>
             <a:r>
-              <a:rPr lang="ko-KR" altLang="en-US" smtClean="0"/>
+              <a:rPr lang="ko-KR" altLang="en-US"/>
               <a:t>넷째 수준</a:t>
             </a:r>
           </a:p>
           <a:p>
             <a:pPr lvl="4"/>
             <a:r>
-              <a:rPr lang="ko-KR" altLang="en-US" smtClean="0"/>
+              <a:rPr lang="ko-KR" altLang="en-US"/>
               <a:t>다섯째 수준</a:t>
             </a:r>
-            <a:endParaRPr lang="ko-KR" altLang="en-US"/>
           </a:p>
         </p:txBody>
       </p:sp>
@@ -802,7 +816,7 @@
           <a:p>
             <a:fld id="{FB30EDBD-1C2D-4C1E-B459-B60219FAB484}" type="datetimeFigureOut">
               <a:rPr lang="ko-KR" altLang="en-US" smtClean="0"/>
-              <a:t>2020-10-02</a:t>
+              <a:t>2020-11-02</a:t>
             </a:fld>
             <a:endParaRPr lang="ko-KR" altLang="en-US"/>
           </a:p>
@@ -900,10 +914,9 @@
           </a:lstStyle>
           <a:p>
             <a:r>
-              <a:rPr lang="ko-KR" altLang="en-US" smtClean="0"/>
+              <a:rPr lang="ko-KR" altLang="en-US"/>
               <a:t>마스터 제목 스타일 편집</a:t>
             </a:r>
-            <a:endParaRPr lang="ko-KR" altLang="en-US"/>
           </a:p>
         </p:txBody>
       </p:sp>
@@ -1020,7 +1033,7 @@
           <a:p>
             <a:pPr lvl="0"/>
             <a:r>
-              <a:rPr lang="ko-KR" altLang="en-US" smtClean="0"/>
+              <a:rPr lang="ko-KR" altLang="en-US"/>
               <a:t>마스터 텍스트 스타일을 편집합니다</a:t>
             </a:r>
           </a:p>
@@ -1043,7 +1056,7 @@
           <a:p>
             <a:fld id="{FB30EDBD-1C2D-4C1E-B459-B60219FAB484}" type="datetimeFigureOut">
               <a:rPr lang="ko-KR" altLang="en-US" smtClean="0"/>
-              <a:t>2020-10-02</a:t>
+              <a:t>2020-11-02</a:t>
             </a:fld>
             <a:endParaRPr lang="ko-KR" altLang="en-US"/>
           </a:p>
@@ -1132,10 +1145,9 @@
           <a:lstStyle/>
           <a:p>
             <a:r>
-              <a:rPr lang="ko-KR" altLang="en-US" smtClean="0"/>
+              <a:rPr lang="ko-KR" altLang="en-US"/>
               <a:t>마스터 제목 스타일 편집</a:t>
             </a:r>
-            <a:endParaRPr lang="ko-KR" altLang="en-US"/>
           </a:p>
         </p:txBody>
       </p:sp>
@@ -1189,38 +1201,37 @@
           <a:p>
             <a:pPr lvl="0"/>
             <a:r>
-              <a:rPr lang="ko-KR" altLang="en-US" smtClean="0"/>
+              <a:rPr lang="ko-KR" altLang="en-US"/>
               <a:t>마스터 텍스트 스타일을 편집합니다</a:t>
             </a:r>
           </a:p>
           <a:p>
             <a:pPr lvl="1"/>
             <a:r>
-              <a:rPr lang="ko-KR" altLang="en-US" smtClean="0"/>
+              <a:rPr lang="ko-KR" altLang="en-US"/>
               <a:t>둘째 수준</a:t>
             </a:r>
           </a:p>
           <a:p>
             <a:pPr lvl="2"/>
             <a:r>
-              <a:rPr lang="ko-KR" altLang="en-US" smtClean="0"/>
+              <a:rPr lang="ko-KR" altLang="en-US"/>
               <a:t>셋째 수준</a:t>
             </a:r>
           </a:p>
           <a:p>
             <a:pPr lvl="3"/>
             <a:r>
-              <a:rPr lang="ko-KR" altLang="en-US" smtClean="0"/>
+              <a:rPr lang="ko-KR" altLang="en-US"/>
               <a:t>넷째 수준</a:t>
             </a:r>
           </a:p>
           <a:p>
             <a:pPr lvl="4"/>
             <a:r>
-              <a:rPr lang="ko-KR" altLang="en-US" smtClean="0"/>
+              <a:rPr lang="ko-KR" altLang="en-US"/>
               <a:t>다섯째 수준</a:t>
             </a:r>
-            <a:endParaRPr lang="ko-KR" altLang="en-US"/>
           </a:p>
         </p:txBody>
       </p:sp>
@@ -1274,38 +1285,37 @@
           <a:p>
             <a:pPr lvl="0"/>
             <a:r>
-              <a:rPr lang="ko-KR" altLang="en-US" smtClean="0"/>
+              <a:rPr lang="ko-KR" altLang="en-US"/>
               <a:t>마스터 텍스트 스타일을 편집합니다</a:t>
             </a:r>
           </a:p>
           <a:p>
             <a:pPr lvl="1"/>
             <a:r>
-              <a:rPr lang="ko-KR" altLang="en-US" smtClean="0"/>
+              <a:rPr lang="ko-KR" altLang="en-US"/>
               <a:t>둘째 수준</a:t>
             </a:r>
           </a:p>
           <a:p>
             <a:pPr lvl="2"/>
             <a:r>
-              <a:rPr lang="ko-KR" altLang="en-US" smtClean="0"/>
+              <a:rPr lang="ko-KR" altLang="en-US"/>
               <a:t>셋째 수준</a:t>
             </a:r>
           </a:p>
           <a:p>
             <a:pPr lvl="3"/>
             <a:r>
-              <a:rPr lang="ko-KR" altLang="en-US" smtClean="0"/>
+              <a:rPr lang="ko-KR" altLang="en-US"/>
               <a:t>넷째 수준</a:t>
             </a:r>
           </a:p>
           <a:p>
             <a:pPr lvl="4"/>
             <a:r>
-              <a:rPr lang="ko-KR" altLang="en-US" smtClean="0"/>
+              <a:rPr lang="ko-KR" altLang="en-US"/>
               <a:t>다섯째 수준</a:t>
             </a:r>
-            <a:endParaRPr lang="ko-KR" altLang="en-US"/>
           </a:p>
         </p:txBody>
       </p:sp>
@@ -1326,7 +1336,7 @@
           <a:p>
             <a:fld id="{FB30EDBD-1C2D-4C1E-B459-B60219FAB484}" type="datetimeFigureOut">
               <a:rPr lang="ko-KR" altLang="en-US" smtClean="0"/>
-              <a:t>2020-10-02</a:t>
+              <a:t>2020-11-02</a:t>
             </a:fld>
             <a:endParaRPr lang="ko-KR" altLang="en-US"/>
           </a:p>
@@ -1419,10 +1429,9 @@
           </a:lstStyle>
           <a:p>
             <a:r>
-              <a:rPr lang="ko-KR" altLang="en-US" smtClean="0"/>
+              <a:rPr lang="ko-KR" altLang="en-US"/>
               <a:t>마스터 제목 스타일 편집</a:t>
             </a:r>
-            <a:endParaRPr lang="ko-KR" altLang="en-US"/>
           </a:p>
         </p:txBody>
       </p:sp>
@@ -1485,7 +1494,7 @@
           <a:p>
             <a:pPr lvl="0"/>
             <a:r>
-              <a:rPr lang="ko-KR" altLang="en-US" smtClean="0"/>
+              <a:rPr lang="ko-KR" altLang="en-US"/>
               <a:t>마스터 텍스트 스타일을 편집합니다</a:t>
             </a:r>
           </a:p>
@@ -1541,38 +1550,37 @@
           <a:p>
             <a:pPr lvl="0"/>
             <a:r>
-              <a:rPr lang="ko-KR" altLang="en-US" smtClean="0"/>
+              <a:rPr lang="ko-KR" altLang="en-US"/>
               <a:t>마스터 텍스트 스타일을 편집합니다</a:t>
             </a:r>
           </a:p>
           <a:p>
             <a:pPr lvl="1"/>
             <a:r>
-              <a:rPr lang="ko-KR" altLang="en-US" smtClean="0"/>
+              <a:rPr lang="ko-KR" altLang="en-US"/>
               <a:t>둘째 수준</a:t>
             </a:r>
           </a:p>
           <a:p>
             <a:pPr lvl="2"/>
             <a:r>
-              <a:rPr lang="ko-KR" altLang="en-US" smtClean="0"/>
+              <a:rPr lang="ko-KR" altLang="en-US"/>
               <a:t>셋째 수준</a:t>
             </a:r>
           </a:p>
           <a:p>
             <a:pPr lvl="3"/>
             <a:r>
-              <a:rPr lang="ko-KR" altLang="en-US" smtClean="0"/>
+              <a:rPr lang="ko-KR" altLang="en-US"/>
               <a:t>넷째 수준</a:t>
             </a:r>
           </a:p>
           <a:p>
             <a:pPr lvl="4"/>
             <a:r>
-              <a:rPr lang="ko-KR" altLang="en-US" smtClean="0"/>
+              <a:rPr lang="ko-KR" altLang="en-US"/>
               <a:t>다섯째 수준</a:t>
             </a:r>
-            <a:endParaRPr lang="ko-KR" altLang="en-US"/>
           </a:p>
         </p:txBody>
       </p:sp>
@@ -1635,7 +1643,7 @@
           <a:p>
             <a:pPr lvl="0"/>
             <a:r>
-              <a:rPr lang="ko-KR" altLang="en-US" smtClean="0"/>
+              <a:rPr lang="ko-KR" altLang="en-US"/>
               <a:t>마스터 텍스트 스타일을 편집합니다</a:t>
             </a:r>
           </a:p>
@@ -1691,38 +1699,37 @@
           <a:p>
             <a:pPr lvl="0"/>
             <a:r>
-              <a:rPr lang="ko-KR" altLang="en-US" smtClean="0"/>
+              <a:rPr lang="ko-KR" altLang="en-US"/>
               <a:t>마스터 텍스트 스타일을 편집합니다</a:t>
             </a:r>
           </a:p>
           <a:p>
             <a:pPr lvl="1"/>
             <a:r>
-              <a:rPr lang="ko-KR" altLang="en-US" smtClean="0"/>
+              <a:rPr lang="ko-KR" altLang="en-US"/>
               <a:t>둘째 수준</a:t>
             </a:r>
           </a:p>
           <a:p>
             <a:pPr lvl="2"/>
             <a:r>
-              <a:rPr lang="ko-KR" altLang="en-US" smtClean="0"/>
+              <a:rPr lang="ko-KR" altLang="en-US"/>
               <a:t>셋째 수준</a:t>
             </a:r>
           </a:p>
           <a:p>
             <a:pPr lvl="3"/>
             <a:r>
-              <a:rPr lang="ko-KR" altLang="en-US" smtClean="0"/>
+              <a:rPr lang="ko-KR" altLang="en-US"/>
               <a:t>넷째 수준</a:t>
             </a:r>
           </a:p>
           <a:p>
             <a:pPr lvl="4"/>
             <a:r>
-              <a:rPr lang="ko-KR" altLang="en-US" smtClean="0"/>
+              <a:rPr lang="ko-KR" altLang="en-US"/>
               <a:t>다섯째 수준</a:t>
             </a:r>
-            <a:endParaRPr lang="ko-KR" altLang="en-US"/>
           </a:p>
         </p:txBody>
       </p:sp>
@@ -1743,7 +1750,7 @@
           <a:p>
             <a:fld id="{FB30EDBD-1C2D-4C1E-B459-B60219FAB484}" type="datetimeFigureOut">
               <a:rPr lang="ko-KR" altLang="en-US" smtClean="0"/>
-              <a:t>2020-10-02</a:t>
+              <a:t>2020-11-02</a:t>
             </a:fld>
             <a:endParaRPr lang="ko-KR" altLang="en-US"/>
           </a:p>
@@ -1832,10 +1839,9 @@
           <a:lstStyle/>
           <a:p>
             <a:r>
-              <a:rPr lang="ko-KR" altLang="en-US" smtClean="0"/>
+              <a:rPr lang="ko-KR" altLang="en-US"/>
               <a:t>마스터 제목 스타일 편집</a:t>
             </a:r>
-            <a:endParaRPr lang="ko-KR" altLang="en-US"/>
           </a:p>
         </p:txBody>
       </p:sp>
@@ -1856,7 +1862,7 @@
           <a:p>
             <a:fld id="{FB30EDBD-1C2D-4C1E-B459-B60219FAB484}" type="datetimeFigureOut">
               <a:rPr lang="ko-KR" altLang="en-US" smtClean="0"/>
-              <a:t>2020-10-02</a:t>
+              <a:t>2020-11-02</a:t>
             </a:fld>
             <a:endParaRPr lang="ko-KR" altLang="en-US"/>
           </a:p>
@@ -1946,7 +1952,7 @@
           <a:p>
             <a:fld id="{FB30EDBD-1C2D-4C1E-B459-B60219FAB484}" type="datetimeFigureOut">
               <a:rPr lang="ko-KR" altLang="en-US" smtClean="0"/>
-              <a:t>2020-10-02</a:t>
+              <a:t>2020-11-02</a:t>
             </a:fld>
             <a:endParaRPr lang="ko-KR" altLang="en-US"/>
           </a:p>
@@ -2044,10 +2050,9 @@
           </a:lstStyle>
           <a:p>
             <a:r>
-              <a:rPr lang="ko-KR" altLang="en-US" smtClean="0"/>
+              <a:rPr lang="ko-KR" altLang="en-US"/>
               <a:t>마스터 제목 스타일 편집</a:t>
             </a:r>
-            <a:endParaRPr lang="ko-KR" altLang="en-US"/>
           </a:p>
         </p:txBody>
       </p:sp>
@@ -2101,38 +2106,37 @@
           <a:p>
             <a:pPr lvl="0"/>
             <a:r>
-              <a:rPr lang="ko-KR" altLang="en-US" smtClean="0"/>
+              <a:rPr lang="ko-KR" altLang="en-US"/>
               <a:t>마스터 텍스트 스타일을 편집합니다</a:t>
             </a:r>
           </a:p>
           <a:p>
             <a:pPr lvl="1"/>
             <a:r>
-              <a:rPr lang="ko-KR" altLang="en-US" smtClean="0"/>
+              <a:rPr lang="ko-KR" altLang="en-US"/>
               <a:t>둘째 수준</a:t>
             </a:r>
           </a:p>
           <a:p>
             <a:pPr lvl="2"/>
             <a:r>
-              <a:rPr lang="ko-KR" altLang="en-US" smtClean="0"/>
+              <a:rPr lang="ko-KR" altLang="en-US"/>
               <a:t>셋째 수준</a:t>
             </a:r>
           </a:p>
           <a:p>
             <a:pPr lvl="3"/>
             <a:r>
-              <a:rPr lang="ko-KR" altLang="en-US" smtClean="0"/>
+              <a:rPr lang="ko-KR" altLang="en-US"/>
               <a:t>넷째 수준</a:t>
             </a:r>
           </a:p>
           <a:p>
             <a:pPr lvl="4"/>
             <a:r>
-              <a:rPr lang="ko-KR" altLang="en-US" smtClean="0"/>
+              <a:rPr lang="ko-KR" altLang="en-US"/>
               <a:t>다섯째 수준</a:t>
             </a:r>
-            <a:endParaRPr lang="ko-KR" altLang="en-US"/>
           </a:p>
         </p:txBody>
       </p:sp>
@@ -2195,7 +2199,7 @@
           <a:p>
             <a:pPr lvl="0"/>
             <a:r>
-              <a:rPr lang="ko-KR" altLang="en-US" smtClean="0"/>
+              <a:rPr lang="ko-KR" altLang="en-US"/>
               <a:t>마스터 텍스트 스타일을 편집합니다</a:t>
             </a:r>
           </a:p>
@@ -2218,7 +2222,7 @@
           <a:p>
             <a:fld id="{FB30EDBD-1C2D-4C1E-B459-B60219FAB484}" type="datetimeFigureOut">
               <a:rPr lang="ko-KR" altLang="en-US" smtClean="0"/>
-              <a:t>2020-10-02</a:t>
+              <a:t>2020-11-02</a:t>
             </a:fld>
             <a:endParaRPr lang="ko-KR" altLang="en-US"/>
           </a:p>
@@ -2316,10 +2320,9 @@
           </a:lstStyle>
           <a:p>
             <a:r>
-              <a:rPr lang="ko-KR" altLang="en-US" smtClean="0"/>
+              <a:rPr lang="ko-KR" altLang="en-US"/>
               <a:t>마스터 제목 스타일 편집</a:t>
             </a:r>
-            <a:endParaRPr lang="ko-KR" altLang="en-US"/>
           </a:p>
         </p:txBody>
       </p:sp>
@@ -2443,7 +2446,7 @@
           <a:p>
             <a:pPr lvl="0"/>
             <a:r>
-              <a:rPr lang="ko-KR" altLang="en-US" smtClean="0"/>
+              <a:rPr lang="ko-KR" altLang="en-US"/>
               <a:t>마스터 텍스트 스타일을 편집합니다</a:t>
             </a:r>
           </a:p>
@@ -2466,7 +2469,7 @@
           <a:p>
             <a:fld id="{FB30EDBD-1C2D-4C1E-B459-B60219FAB484}" type="datetimeFigureOut">
               <a:rPr lang="ko-KR" altLang="en-US" smtClean="0"/>
-              <a:t>2020-10-02</a:t>
+              <a:t>2020-11-02</a:t>
             </a:fld>
             <a:endParaRPr lang="ko-KR" altLang="en-US"/>
           </a:p>
@@ -2570,10 +2573,9 @@
           <a:lstStyle/>
           <a:p>
             <a:r>
-              <a:rPr lang="ko-KR" altLang="en-US" smtClean="0"/>
+              <a:rPr lang="ko-KR" altLang="en-US"/>
               <a:t>마스터 제목 스타일 편집</a:t>
             </a:r>
-            <a:endParaRPr lang="ko-KR" altLang="en-US"/>
           </a:p>
         </p:txBody>
       </p:sp>
@@ -2604,38 +2606,37 @@
           <a:p>
             <a:pPr lvl="0"/>
             <a:r>
-              <a:rPr lang="ko-KR" altLang="en-US" smtClean="0"/>
+              <a:rPr lang="ko-KR" altLang="en-US"/>
               <a:t>마스터 텍스트 스타일을 편집합니다</a:t>
             </a:r>
           </a:p>
           <a:p>
             <a:pPr lvl="1"/>
             <a:r>
-              <a:rPr lang="ko-KR" altLang="en-US" smtClean="0"/>
+              <a:rPr lang="ko-KR" altLang="en-US"/>
               <a:t>둘째 수준</a:t>
             </a:r>
           </a:p>
           <a:p>
             <a:pPr lvl="2"/>
             <a:r>
-              <a:rPr lang="ko-KR" altLang="en-US" smtClean="0"/>
+              <a:rPr lang="ko-KR" altLang="en-US"/>
               <a:t>셋째 수준</a:t>
             </a:r>
           </a:p>
           <a:p>
             <a:pPr lvl="3"/>
             <a:r>
-              <a:rPr lang="ko-KR" altLang="en-US" smtClean="0"/>
+              <a:rPr lang="ko-KR" altLang="en-US"/>
               <a:t>넷째 수준</a:t>
             </a:r>
           </a:p>
           <a:p>
             <a:pPr lvl="4"/>
             <a:r>
-              <a:rPr lang="ko-KR" altLang="en-US" smtClean="0"/>
+              <a:rPr lang="ko-KR" altLang="en-US"/>
               <a:t>다섯째 수준</a:t>
             </a:r>
-            <a:endParaRPr lang="ko-KR" altLang="en-US"/>
           </a:p>
         </p:txBody>
       </p:sp>
@@ -2674,7 +2675,7 @@
           <a:p>
             <a:fld id="{FB30EDBD-1C2D-4C1E-B459-B60219FAB484}" type="datetimeFigureOut">
               <a:rPr lang="ko-KR" altLang="en-US" smtClean="0"/>
-              <a:t>2020-10-02</a:t>
+              <a:t>2020-11-02</a:t>
             </a:fld>
             <a:endParaRPr lang="ko-KR" altLang="en-US"/>
           </a:p>
@@ -3070,102 +3071,62 @@
           <a:lstStyle/>
           <a:p>
             <a:r>
-              <a:rPr lang="en-US" altLang="ko-KR" sz="2800" smtClean="0">
+              <a:rPr lang="en-US" altLang="ko-KR" sz="2800">
                 <a:solidFill>
                   <a:schemeClr val="bg1"/>
                 </a:solidFill>
                 <a:latin typeface="배달의민족 주아" pitchFamily="18" charset="-127"/>
                 <a:ea typeface="배달의민족 주아" pitchFamily="18" charset="-127"/>
               </a:rPr>
-              <a:t>CSS3 </a:t>
-            </a:r>
-            <a:r>
-              <a:rPr lang="en-US" altLang="ko-KR" sz="2800" smtClean="0">
+              <a:t>CSS3 6</a:t>
+            </a:r>
+            <a:r>
+              <a:rPr lang="ko-KR" altLang="en-US" sz="2800">
                 <a:solidFill>
                   <a:schemeClr val="bg1"/>
                 </a:solidFill>
                 <a:latin typeface="배달의민족 주아" pitchFamily="18" charset="-127"/>
                 <a:ea typeface="배달의민족 주아" pitchFamily="18" charset="-127"/>
               </a:rPr>
-              <a:t>6</a:t>
-            </a:r>
-            <a:r>
-              <a:rPr lang="ko-KR" altLang="en-US" sz="2800" smtClean="0">
+              <a:t>강</a:t>
+            </a:r>
+            <a:br>
+              <a:rPr lang="en-US" altLang="ko-KR" sz="2800" dirty="0">
                 <a:solidFill>
                   <a:schemeClr val="bg1"/>
                 </a:solidFill>
                 <a:latin typeface="배달의민족 주아" pitchFamily="18" charset="-127"/>
                 <a:ea typeface="배달의민족 주아" pitchFamily="18" charset="-127"/>
               </a:rPr>
-              <a:t>강</a:t>
-            </a:r>
-            <a:r>
-              <a:rPr lang="en-US" altLang="ko-KR" sz="2800" dirty="0" smtClean="0">
+            </a:br>
+            <a:br>
+              <a:rPr lang="en-US" altLang="ko-KR" dirty="0">
                 <a:solidFill>
                   <a:schemeClr val="bg1"/>
                 </a:solidFill>
                 <a:latin typeface="배달의민족 주아" pitchFamily="18" charset="-127"/>
                 <a:ea typeface="배달의민족 주아" pitchFamily="18" charset="-127"/>
               </a:rPr>
-              <a:t/>
-            </a:r>
-            <a:br>
-              <a:rPr lang="en-US" altLang="ko-KR" sz="2800" dirty="0" smtClean="0">
+            </a:br>
+            <a:r>
+              <a:rPr lang="en-US" altLang="ko-KR" dirty="0">
                 <a:solidFill>
                   <a:schemeClr val="bg1"/>
                 </a:solidFill>
                 <a:latin typeface="배달의민족 주아" pitchFamily="18" charset="-127"/>
                 <a:ea typeface="배달의민족 주아" pitchFamily="18" charset="-127"/>
               </a:rPr>
-            </a:br>
-            <a:r>
-              <a:rPr lang="en-US" altLang="ko-KR" dirty="0" smtClean="0">
+              <a:t>CSS </a:t>
+            </a:r>
+            <a:r>
+              <a:rPr lang="ko-KR" altLang="en-US" dirty="0">
                 <a:solidFill>
                   <a:schemeClr val="bg1"/>
                 </a:solidFill>
                 <a:latin typeface="배달의민족 주아" pitchFamily="18" charset="-127"/>
                 <a:ea typeface="배달의민족 주아" pitchFamily="18" charset="-127"/>
               </a:rPr>
-              <a:t/>
-            </a:r>
-            <a:br>
-              <a:rPr lang="en-US" altLang="ko-KR" dirty="0" smtClean="0">
-                <a:solidFill>
-                  <a:schemeClr val="bg1"/>
-                </a:solidFill>
-                <a:latin typeface="배달의민족 주아" pitchFamily="18" charset="-127"/>
-                <a:ea typeface="배달의민족 주아" pitchFamily="18" charset="-127"/>
-              </a:rPr>
-            </a:br>
-            <a:r>
-              <a:rPr lang="en-US" altLang="ko-KR" dirty="0" smtClean="0">
-                <a:solidFill>
-                  <a:schemeClr val="bg1"/>
-                </a:solidFill>
-                <a:latin typeface="배달의민족 주아" pitchFamily="18" charset="-127"/>
-                <a:ea typeface="배달의민족 주아" pitchFamily="18" charset="-127"/>
-              </a:rPr>
-              <a:t>CSS </a:t>
-            </a:r>
-            <a:r>
-              <a:rPr lang="ko-KR" altLang="en-US" dirty="0" smtClean="0">
-                <a:solidFill>
-                  <a:schemeClr val="bg1"/>
-                </a:solidFill>
-                <a:latin typeface="배달의민족 주아" pitchFamily="18" charset="-127"/>
-                <a:ea typeface="배달의민족 주아" pitchFamily="18" charset="-127"/>
-              </a:rPr>
-              <a:t>포지</a:t>
-            </a:r>
-            <a:r>
-              <a:rPr lang="ko-KR" altLang="en-US" dirty="0">
-                <a:solidFill>
-                  <a:schemeClr val="bg1"/>
-                </a:solidFill>
-                <a:latin typeface="배달의민족 주아" pitchFamily="18" charset="-127"/>
-                <a:ea typeface="배달의민족 주아" pitchFamily="18" charset="-127"/>
-              </a:rPr>
-              <a:t>션</a:t>
+              <a:t>포지션</a:t>
             </a:r>
           </a:p>
         </p:txBody>
@@ -3287,7 +3248,7 @@
           </a:lstStyle>
           <a:p>
             <a:r>
-              <a:rPr lang="en-US" altLang="ko-KR" dirty="0" smtClean="0">
+              <a:rPr lang="en-US" altLang="ko-KR" dirty="0">
                 <a:solidFill>
                   <a:schemeClr val="bg1"/>
                 </a:solidFill>
@@ -3297,14 +3258,14 @@
               <a:t>S</a:t>
             </a:r>
             <a:r>
-              <a:rPr lang="en-US" altLang="ko-KR" dirty="0" smtClean="0">
+              <a:rPr lang="en-US" altLang="ko-KR" dirty="0">
                 <a:latin typeface="배달의민족 도현" pitchFamily="50" charset="-127"/>
                 <a:ea typeface="배달의민족 도현" pitchFamily="50" charset="-127"/>
               </a:rPr>
               <a:t>TART</a:t>
             </a:r>
             <a:r>
-              <a:rPr lang="en-US" altLang="ko-KR" dirty="0" smtClean="0">
+              <a:rPr lang="en-US" altLang="ko-KR" dirty="0">
                 <a:solidFill>
                   <a:schemeClr val="bg1"/>
                 </a:solidFill>
@@ -3314,7 +3275,7 @@
               <a:t>C</a:t>
             </a:r>
             <a:r>
-              <a:rPr lang="en-US" altLang="ko-KR" dirty="0" smtClean="0">
+              <a:rPr lang="en-US" altLang="ko-KR" dirty="0">
                 <a:latin typeface="배달의민족 도현" pitchFamily="50" charset="-127"/>
                 <a:ea typeface="배달의민족 도현" pitchFamily="50" charset="-127"/>
               </a:rPr>
@@ -3337,17 +3298,3293 @@
   <p:clrMapOvr>
     <a:masterClrMapping/>
   </p:clrMapOvr>
+</p:sld>
+</file>
+
+<file path=ppt/slides/slide10.xml><?xml version="1.0" encoding="utf-8"?>
+<p:sld xmlns:a="http://schemas.openxmlformats.org/drawingml/2006/main" xmlns:r="http://schemas.openxmlformats.org/officeDocument/2006/relationships" xmlns:p="http://schemas.openxmlformats.org/presentationml/2006/main">
+  <p:cSld>
+    <p:spTree>
+      <p:nvGrpSpPr>
+        <p:cNvPr id="1" name=""/>
+        <p:cNvGrpSpPr/>
+        <p:nvPr/>
+      </p:nvGrpSpPr>
+      <p:grpSpPr>
+        <a:xfrm>
+          <a:off x="0" y="0"/>
+          <a:ext cx="0" cy="0"/>
+          <a:chOff x="0" y="0"/>
+          <a:chExt cx="0" cy="0"/>
+        </a:xfrm>
+      </p:grpSpPr>
+      <p:sp>
+        <p:nvSpPr>
+          <p:cNvPr id="2" name="제목 1"/>
+          <p:cNvSpPr>
+            <a:spLocks noGrp="1"/>
+          </p:cNvSpPr>
+          <p:nvPr>
+            <p:ph type="ctrTitle"/>
+          </p:nvPr>
+        </p:nvSpPr>
+        <p:spPr/>
+        <p:txBody>
+          <a:bodyPr/>
+          <a:lstStyle/>
+          <a:p>
+            <a:r>
+              <a:rPr lang="en-US" altLang="ko-KR" dirty="0">
+                <a:latin typeface="배달의민족 주아" pitchFamily="18" charset="-127"/>
+                <a:ea typeface="배달의민족 주아" pitchFamily="18" charset="-127"/>
+              </a:rPr>
+              <a:t>position : relative</a:t>
+            </a:r>
+            <a:endParaRPr lang="ko-KR" altLang="en-US" dirty="0">
+              <a:latin typeface="배달의민족 주아" pitchFamily="18" charset="-127"/>
+              <a:ea typeface="배달의민족 주아" pitchFamily="18" charset="-127"/>
+            </a:endParaRPr>
+          </a:p>
+        </p:txBody>
+      </p:sp>
+      <p:sp>
+        <p:nvSpPr>
+          <p:cNvPr id="3" name="TextBox 2"/>
+          <p:cNvSpPr txBox="1"/>
+          <p:nvPr/>
+        </p:nvSpPr>
+        <p:spPr>
+          <a:xfrm>
+            <a:off x="6948264" y="6093296"/>
+            <a:ext cx="1838965" cy="369332"/>
+          </a:xfrm>
+          <a:prstGeom prst="rect">
+            <a:avLst/>
+          </a:prstGeom>
+          <a:noFill/>
+        </p:spPr>
+        <p:txBody>
+          <a:bodyPr wrap="none" rtlCol="0">
+            <a:spAutoFit/>
+          </a:bodyPr>
+          <a:lstStyle>
+            <a:defPPr>
+              <a:defRPr lang="ko-KR"/>
+            </a:defPPr>
+            <a:lvl1pPr marL="0" algn="l" defTabSz="914400" rtl="0" eaLnBrk="1" latinLnBrk="1" hangingPunct="1">
+              <a:defRPr sz="1800" kern="1200">
+                <a:solidFill>
+                  <a:schemeClr val="tx1"/>
+                </a:solidFill>
+                <a:latin typeface="+mn-lt"/>
+                <a:ea typeface="+mn-ea"/>
+                <a:cs typeface="+mn-cs"/>
+              </a:defRPr>
+            </a:lvl1pPr>
+            <a:lvl2pPr marL="457200" algn="l" defTabSz="914400" rtl="0" eaLnBrk="1" latinLnBrk="1" hangingPunct="1">
+              <a:defRPr sz="1800" kern="1200">
+                <a:solidFill>
+                  <a:schemeClr val="tx1"/>
+                </a:solidFill>
+                <a:latin typeface="+mn-lt"/>
+                <a:ea typeface="+mn-ea"/>
+                <a:cs typeface="+mn-cs"/>
+              </a:defRPr>
+            </a:lvl2pPr>
+            <a:lvl3pPr marL="914400" algn="l" defTabSz="914400" rtl="0" eaLnBrk="1" latinLnBrk="1" hangingPunct="1">
+              <a:defRPr sz="1800" kern="1200">
+                <a:solidFill>
+                  <a:schemeClr val="tx1"/>
+                </a:solidFill>
+                <a:latin typeface="+mn-lt"/>
+                <a:ea typeface="+mn-ea"/>
+                <a:cs typeface="+mn-cs"/>
+              </a:defRPr>
+            </a:lvl3pPr>
+            <a:lvl4pPr marL="1371600" algn="l" defTabSz="914400" rtl="0" eaLnBrk="1" latinLnBrk="1" hangingPunct="1">
+              <a:defRPr sz="1800" kern="1200">
+                <a:solidFill>
+                  <a:schemeClr val="tx1"/>
+                </a:solidFill>
+                <a:latin typeface="+mn-lt"/>
+                <a:ea typeface="+mn-ea"/>
+                <a:cs typeface="+mn-cs"/>
+              </a:defRPr>
+            </a:lvl4pPr>
+            <a:lvl5pPr marL="1828800" algn="l" defTabSz="914400" rtl="0" eaLnBrk="1" latinLnBrk="1" hangingPunct="1">
+              <a:defRPr sz="1800" kern="1200">
+                <a:solidFill>
+                  <a:schemeClr val="tx1"/>
+                </a:solidFill>
+                <a:latin typeface="+mn-lt"/>
+                <a:ea typeface="+mn-ea"/>
+                <a:cs typeface="+mn-cs"/>
+              </a:defRPr>
+            </a:lvl5pPr>
+            <a:lvl6pPr marL="2286000" algn="l" defTabSz="914400" rtl="0" eaLnBrk="1" latinLnBrk="1" hangingPunct="1">
+              <a:defRPr sz="1800" kern="1200">
+                <a:solidFill>
+                  <a:schemeClr val="tx1"/>
+                </a:solidFill>
+                <a:latin typeface="+mn-lt"/>
+                <a:ea typeface="+mn-ea"/>
+                <a:cs typeface="+mn-cs"/>
+              </a:defRPr>
+            </a:lvl6pPr>
+            <a:lvl7pPr marL="2743200" algn="l" defTabSz="914400" rtl="0" eaLnBrk="1" latinLnBrk="1" hangingPunct="1">
+              <a:defRPr sz="1800" kern="1200">
+                <a:solidFill>
+                  <a:schemeClr val="tx1"/>
+                </a:solidFill>
+                <a:latin typeface="+mn-lt"/>
+                <a:ea typeface="+mn-ea"/>
+                <a:cs typeface="+mn-cs"/>
+              </a:defRPr>
+            </a:lvl7pPr>
+            <a:lvl8pPr marL="3200400" algn="l" defTabSz="914400" rtl="0" eaLnBrk="1" latinLnBrk="1" hangingPunct="1">
+              <a:defRPr sz="1800" kern="1200">
+                <a:solidFill>
+                  <a:schemeClr val="tx1"/>
+                </a:solidFill>
+                <a:latin typeface="+mn-lt"/>
+                <a:ea typeface="+mn-ea"/>
+                <a:cs typeface="+mn-cs"/>
+              </a:defRPr>
+            </a:lvl8pPr>
+            <a:lvl9pPr marL="3657600" algn="l" defTabSz="914400" rtl="0" eaLnBrk="1" latinLnBrk="1" hangingPunct="1">
+              <a:defRPr sz="1800" kern="1200">
+                <a:solidFill>
+                  <a:schemeClr val="tx1"/>
+                </a:solidFill>
+                <a:latin typeface="+mn-lt"/>
+                <a:ea typeface="+mn-ea"/>
+                <a:cs typeface="+mn-cs"/>
+              </a:defRPr>
+            </a:lvl9pPr>
+          </a:lstStyle>
+          <a:p>
+            <a:r>
+              <a:rPr lang="en-US" altLang="ko-KR" dirty="0">
+                <a:solidFill>
+                  <a:schemeClr val="accent5"/>
+                </a:solidFill>
+                <a:latin typeface="배달의민족 도현" pitchFamily="50" charset="-127"/>
+                <a:ea typeface="배달의민족 도현" pitchFamily="50" charset="-127"/>
+              </a:rPr>
+              <a:t>S</a:t>
+            </a:r>
+            <a:r>
+              <a:rPr lang="en-US" altLang="ko-KR" dirty="0">
+                <a:latin typeface="배달의민족 도현" pitchFamily="50" charset="-127"/>
+                <a:ea typeface="배달의민족 도현" pitchFamily="50" charset="-127"/>
+              </a:rPr>
+              <a:t>TART</a:t>
+            </a:r>
+            <a:r>
+              <a:rPr lang="en-US" altLang="ko-KR" dirty="0">
+                <a:solidFill>
+                  <a:schemeClr val="accent5"/>
+                </a:solidFill>
+                <a:latin typeface="배달의민족 도현" pitchFamily="50" charset="-127"/>
+                <a:ea typeface="배달의민족 도현" pitchFamily="50" charset="-127"/>
+              </a:rPr>
+              <a:t>C</a:t>
+            </a:r>
+            <a:r>
+              <a:rPr lang="en-US" altLang="ko-KR" dirty="0">
+                <a:latin typeface="배달의민족 도현" pitchFamily="50" charset="-127"/>
+                <a:ea typeface="배달의민족 도현" pitchFamily="50" charset="-127"/>
+              </a:rPr>
+              <a:t>ODING</a:t>
+            </a:r>
+            <a:endParaRPr lang="ko-KR" altLang="en-US" dirty="0">
+              <a:latin typeface="배달의민족 도현" pitchFamily="50" charset="-127"/>
+              <a:ea typeface="배달의민족 도현" pitchFamily="50" charset="-127"/>
+            </a:endParaRPr>
+          </a:p>
+        </p:txBody>
+      </p:sp>
+      <p:sp>
+        <p:nvSpPr>
+          <p:cNvPr id="4" name="제목 1"/>
+          <p:cNvSpPr txBox="1">
+            <a:spLocks/>
+          </p:cNvSpPr>
+          <p:nvPr/>
+        </p:nvSpPr>
+        <p:spPr>
+          <a:xfrm>
+            <a:off x="755576" y="3573016"/>
+            <a:ext cx="7344816" cy="1080120"/>
+          </a:xfrm>
+          <a:prstGeom prst="rect">
+            <a:avLst/>
+          </a:prstGeom>
+        </p:spPr>
+        <p:txBody>
+          <a:bodyPr vert="horz" lIns="91440" tIns="45720" rIns="91440" bIns="45720" rtlCol="0" anchor="ctr">
+            <a:normAutofit/>
+          </a:bodyPr>
+          <a:lstStyle>
+            <a:lvl1pPr algn="ctr" defTabSz="914400" rtl="0" eaLnBrk="1" latinLnBrk="1" hangingPunct="1">
+              <a:spcBef>
+                <a:spcPct val="0"/>
+              </a:spcBef>
+              <a:buNone/>
+              <a:defRPr sz="4400" kern="1200">
+                <a:solidFill>
+                  <a:schemeClr val="tx1"/>
+                </a:solidFill>
+                <a:latin typeface="+mj-lt"/>
+                <a:ea typeface="+mj-ea"/>
+                <a:cs typeface="+mj-cs"/>
+              </a:defRPr>
+            </a:lvl1pPr>
+          </a:lstStyle>
+          <a:p>
+            <a:r>
+              <a:rPr lang="ko-KR" altLang="en-US" sz="2800" dirty="0">
+                <a:latin typeface="배달의민족 주아" pitchFamily="18" charset="-127"/>
+                <a:ea typeface="배달의민족 주아" pitchFamily="18" charset="-127"/>
+              </a:rPr>
+              <a:t>실습</a:t>
+            </a:r>
+            <a:r>
+              <a:rPr lang="en-US" altLang="ko-KR" sz="2800" dirty="0">
+                <a:latin typeface="배달의민족 주아" pitchFamily="18" charset="-127"/>
+                <a:ea typeface="배달의민족 주아" pitchFamily="18" charset="-127"/>
+              </a:rPr>
+              <a:t>) </a:t>
+            </a:r>
+            <a:r>
+              <a:rPr lang="ko-KR" altLang="en-US" sz="2800" dirty="0">
+                <a:solidFill>
+                  <a:schemeClr val="accent6"/>
+                </a:solidFill>
+                <a:latin typeface="배달의민족 주아" pitchFamily="18" charset="-127"/>
+                <a:ea typeface="배달의민족 주아" pitchFamily="18" charset="-127"/>
+              </a:rPr>
+              <a:t>이미지태그 두 개를 겹치게 만들어보자</a:t>
+            </a:r>
+            <a:endParaRPr lang="en-US" altLang="ko-KR" sz="2800" dirty="0">
+              <a:solidFill>
+                <a:schemeClr val="accent6"/>
+              </a:solidFill>
+              <a:latin typeface="배달의민족 주아" pitchFamily="18" charset="-127"/>
+              <a:ea typeface="배달의민족 주아" pitchFamily="18" charset="-127"/>
+            </a:endParaRPr>
+          </a:p>
+        </p:txBody>
+      </p:sp>
+    </p:spTree>
+    <p:extLst>
+      <p:ext uri="{BB962C8B-B14F-4D97-AF65-F5344CB8AC3E}">
+        <p14:creationId xmlns:p14="http://schemas.microsoft.com/office/powerpoint/2010/main" val="484745589"/>
+      </p:ext>
+    </p:extLst>
+  </p:cSld>
+  <p:clrMapOvr>
+    <a:masterClrMapping/>
+  </p:clrMapOvr>
   <p:timing>
     <p:tnLst>
       <p:par>
-        <p:cTn id="1" dur="indefinite" restart="never" nodeType="tmRoot"/>
+        <p:cTn id="1" dur="indefinite" restart="never" nodeType="tmRoot">
+          <p:childTnLst>
+            <p:seq concurrent="1" nextAc="seek">
+              <p:cTn id="2" dur="indefinite" nodeType="mainSeq">
+                <p:childTnLst>
+                  <p:par>
+                    <p:cTn id="3" fill="hold">
+                      <p:stCondLst>
+                        <p:cond delay="indefinite"/>
+                      </p:stCondLst>
+                      <p:childTnLst>
+                        <p:par>
+                          <p:cTn id="4" fill="hold">
+                            <p:stCondLst>
+                              <p:cond delay="0"/>
+                            </p:stCondLst>
+                            <p:childTnLst>
+                              <p:par>
+                                <p:cTn id="5" presetID="10" presetClass="entr" presetSubtype="0" fill="hold" grpId="0" nodeType="clickEffect">
+                                  <p:stCondLst>
+                                    <p:cond delay="0"/>
+                                  </p:stCondLst>
+                                  <p:childTnLst>
+                                    <p:set>
+                                      <p:cBhvr>
+                                        <p:cTn id="6" dur="1" fill="hold">
+                                          <p:stCondLst>
+                                            <p:cond delay="0"/>
+                                          </p:stCondLst>
+                                        </p:cTn>
+                                        <p:tgtEl>
+                                          <p:spTgt spid="4"/>
+                                        </p:tgtEl>
+                                        <p:attrNameLst>
+                                          <p:attrName>style.visibility</p:attrName>
+                                        </p:attrNameLst>
+                                      </p:cBhvr>
+                                      <p:to>
+                                        <p:strVal val="visible"/>
+                                      </p:to>
+                                    </p:set>
+                                    <p:animEffect transition="in" filter="fade">
+                                      <p:cBhvr>
+                                        <p:cTn id="7" dur="500"/>
+                                        <p:tgtEl>
+                                          <p:spTgt spid="4"/>
+                                        </p:tgtEl>
+                                      </p:cBhvr>
+                                    </p:animEffect>
+                                  </p:childTnLst>
+                                </p:cTn>
+                              </p:par>
+                            </p:childTnLst>
+                          </p:cTn>
+                        </p:par>
+                      </p:childTnLst>
+                    </p:cTn>
+                  </p:par>
+                </p:childTnLst>
+              </p:cTn>
+              <p:prevCondLst>
+                <p:cond evt="onPrev" delay="0">
+                  <p:tgtEl>
+                    <p:sldTgt/>
+                  </p:tgtEl>
+                </p:cond>
+              </p:prevCondLst>
+              <p:nextCondLst>
+                <p:cond evt="onNext" delay="0">
+                  <p:tgtEl>
+                    <p:sldTgt/>
+                  </p:tgtEl>
+                </p:cond>
+              </p:nextCondLst>
+            </p:seq>
+          </p:childTnLst>
+        </p:cTn>
       </p:par>
     </p:tnLst>
+    <p:bldLst>
+      <p:bldP spid="4" grpId="0"/>
+    </p:bldLst>
   </p:timing>
 </p:sld>
 </file>
 
-<file path=ppt/slides/slide10.xml><?xml version="1.0" encoding="utf-8"?>
+<file path=ppt/slides/slide11.xml><?xml version="1.0" encoding="utf-8"?>
+<p:sld xmlns:a="http://schemas.openxmlformats.org/drawingml/2006/main" xmlns:r="http://schemas.openxmlformats.org/officeDocument/2006/relationships" xmlns:p="http://schemas.openxmlformats.org/presentationml/2006/main">
+  <p:cSld>
+    <p:spTree>
+      <p:nvGrpSpPr>
+        <p:cNvPr id="1" name=""/>
+        <p:cNvGrpSpPr/>
+        <p:nvPr/>
+      </p:nvGrpSpPr>
+      <p:grpSpPr>
+        <a:xfrm>
+          <a:off x="0" y="0"/>
+          <a:ext cx="0" cy="0"/>
+          <a:chOff x="0" y="0"/>
+          <a:chExt cx="0" cy="0"/>
+        </a:xfrm>
+      </p:grpSpPr>
+      <p:sp>
+        <p:nvSpPr>
+          <p:cNvPr id="2" name="제목 1"/>
+          <p:cNvSpPr>
+            <a:spLocks noGrp="1"/>
+          </p:cNvSpPr>
+          <p:nvPr>
+            <p:ph type="ctrTitle"/>
+          </p:nvPr>
+        </p:nvSpPr>
+        <p:spPr/>
+        <p:txBody>
+          <a:bodyPr/>
+          <a:lstStyle/>
+          <a:p>
+            <a:r>
+              <a:rPr lang="en-US" altLang="ko-KR" dirty="0">
+                <a:latin typeface="배달의민족 주아" pitchFamily="18" charset="-127"/>
+                <a:ea typeface="배달의민족 주아" pitchFamily="18" charset="-127"/>
+              </a:rPr>
+              <a:t>position : fixed</a:t>
+            </a:r>
+            <a:endParaRPr lang="ko-KR" altLang="en-US" dirty="0">
+              <a:latin typeface="배달의민족 주아" pitchFamily="18" charset="-127"/>
+              <a:ea typeface="배달의민족 주아" pitchFamily="18" charset="-127"/>
+            </a:endParaRPr>
+          </a:p>
+        </p:txBody>
+      </p:sp>
+      <p:sp>
+        <p:nvSpPr>
+          <p:cNvPr id="3" name="TextBox 2"/>
+          <p:cNvSpPr txBox="1"/>
+          <p:nvPr/>
+        </p:nvSpPr>
+        <p:spPr>
+          <a:xfrm>
+            <a:off x="6948264" y="6093296"/>
+            <a:ext cx="1838965" cy="369332"/>
+          </a:xfrm>
+          <a:prstGeom prst="rect">
+            <a:avLst/>
+          </a:prstGeom>
+          <a:noFill/>
+        </p:spPr>
+        <p:txBody>
+          <a:bodyPr wrap="none" rtlCol="0">
+            <a:spAutoFit/>
+          </a:bodyPr>
+          <a:lstStyle>
+            <a:defPPr>
+              <a:defRPr lang="ko-KR"/>
+            </a:defPPr>
+            <a:lvl1pPr marL="0" algn="l" defTabSz="914400" rtl="0" eaLnBrk="1" latinLnBrk="1" hangingPunct="1">
+              <a:defRPr sz="1800" kern="1200">
+                <a:solidFill>
+                  <a:schemeClr val="tx1"/>
+                </a:solidFill>
+                <a:latin typeface="+mn-lt"/>
+                <a:ea typeface="+mn-ea"/>
+                <a:cs typeface="+mn-cs"/>
+              </a:defRPr>
+            </a:lvl1pPr>
+            <a:lvl2pPr marL="457200" algn="l" defTabSz="914400" rtl="0" eaLnBrk="1" latinLnBrk="1" hangingPunct="1">
+              <a:defRPr sz="1800" kern="1200">
+                <a:solidFill>
+                  <a:schemeClr val="tx1"/>
+                </a:solidFill>
+                <a:latin typeface="+mn-lt"/>
+                <a:ea typeface="+mn-ea"/>
+                <a:cs typeface="+mn-cs"/>
+              </a:defRPr>
+            </a:lvl2pPr>
+            <a:lvl3pPr marL="914400" algn="l" defTabSz="914400" rtl="0" eaLnBrk="1" latinLnBrk="1" hangingPunct="1">
+              <a:defRPr sz="1800" kern="1200">
+                <a:solidFill>
+                  <a:schemeClr val="tx1"/>
+                </a:solidFill>
+                <a:latin typeface="+mn-lt"/>
+                <a:ea typeface="+mn-ea"/>
+                <a:cs typeface="+mn-cs"/>
+              </a:defRPr>
+            </a:lvl3pPr>
+            <a:lvl4pPr marL="1371600" algn="l" defTabSz="914400" rtl="0" eaLnBrk="1" latinLnBrk="1" hangingPunct="1">
+              <a:defRPr sz="1800" kern="1200">
+                <a:solidFill>
+                  <a:schemeClr val="tx1"/>
+                </a:solidFill>
+                <a:latin typeface="+mn-lt"/>
+                <a:ea typeface="+mn-ea"/>
+                <a:cs typeface="+mn-cs"/>
+              </a:defRPr>
+            </a:lvl4pPr>
+            <a:lvl5pPr marL="1828800" algn="l" defTabSz="914400" rtl="0" eaLnBrk="1" latinLnBrk="1" hangingPunct="1">
+              <a:defRPr sz="1800" kern="1200">
+                <a:solidFill>
+                  <a:schemeClr val="tx1"/>
+                </a:solidFill>
+                <a:latin typeface="+mn-lt"/>
+                <a:ea typeface="+mn-ea"/>
+                <a:cs typeface="+mn-cs"/>
+              </a:defRPr>
+            </a:lvl5pPr>
+            <a:lvl6pPr marL="2286000" algn="l" defTabSz="914400" rtl="0" eaLnBrk="1" latinLnBrk="1" hangingPunct="1">
+              <a:defRPr sz="1800" kern="1200">
+                <a:solidFill>
+                  <a:schemeClr val="tx1"/>
+                </a:solidFill>
+                <a:latin typeface="+mn-lt"/>
+                <a:ea typeface="+mn-ea"/>
+                <a:cs typeface="+mn-cs"/>
+              </a:defRPr>
+            </a:lvl6pPr>
+            <a:lvl7pPr marL="2743200" algn="l" defTabSz="914400" rtl="0" eaLnBrk="1" latinLnBrk="1" hangingPunct="1">
+              <a:defRPr sz="1800" kern="1200">
+                <a:solidFill>
+                  <a:schemeClr val="tx1"/>
+                </a:solidFill>
+                <a:latin typeface="+mn-lt"/>
+                <a:ea typeface="+mn-ea"/>
+                <a:cs typeface="+mn-cs"/>
+              </a:defRPr>
+            </a:lvl7pPr>
+            <a:lvl8pPr marL="3200400" algn="l" defTabSz="914400" rtl="0" eaLnBrk="1" latinLnBrk="1" hangingPunct="1">
+              <a:defRPr sz="1800" kern="1200">
+                <a:solidFill>
+                  <a:schemeClr val="tx1"/>
+                </a:solidFill>
+                <a:latin typeface="+mn-lt"/>
+                <a:ea typeface="+mn-ea"/>
+                <a:cs typeface="+mn-cs"/>
+              </a:defRPr>
+            </a:lvl8pPr>
+            <a:lvl9pPr marL="3657600" algn="l" defTabSz="914400" rtl="0" eaLnBrk="1" latinLnBrk="1" hangingPunct="1">
+              <a:defRPr sz="1800" kern="1200">
+                <a:solidFill>
+                  <a:schemeClr val="tx1"/>
+                </a:solidFill>
+                <a:latin typeface="+mn-lt"/>
+                <a:ea typeface="+mn-ea"/>
+                <a:cs typeface="+mn-cs"/>
+              </a:defRPr>
+            </a:lvl9pPr>
+          </a:lstStyle>
+          <a:p>
+            <a:r>
+              <a:rPr lang="en-US" altLang="ko-KR" dirty="0">
+                <a:solidFill>
+                  <a:schemeClr val="accent5"/>
+                </a:solidFill>
+                <a:latin typeface="배달의민족 도현" pitchFamily="50" charset="-127"/>
+                <a:ea typeface="배달의민족 도현" pitchFamily="50" charset="-127"/>
+              </a:rPr>
+              <a:t>S</a:t>
+            </a:r>
+            <a:r>
+              <a:rPr lang="en-US" altLang="ko-KR" dirty="0">
+                <a:latin typeface="배달의민족 도현" pitchFamily="50" charset="-127"/>
+                <a:ea typeface="배달의민족 도현" pitchFamily="50" charset="-127"/>
+              </a:rPr>
+              <a:t>TART</a:t>
+            </a:r>
+            <a:r>
+              <a:rPr lang="en-US" altLang="ko-KR" dirty="0">
+                <a:solidFill>
+                  <a:schemeClr val="accent5"/>
+                </a:solidFill>
+                <a:latin typeface="배달의민족 도현" pitchFamily="50" charset="-127"/>
+                <a:ea typeface="배달의민족 도현" pitchFamily="50" charset="-127"/>
+              </a:rPr>
+              <a:t>C</a:t>
+            </a:r>
+            <a:r>
+              <a:rPr lang="en-US" altLang="ko-KR" dirty="0">
+                <a:latin typeface="배달의민족 도현" pitchFamily="50" charset="-127"/>
+                <a:ea typeface="배달의민족 도현" pitchFamily="50" charset="-127"/>
+              </a:rPr>
+              <a:t>ODING</a:t>
+            </a:r>
+            <a:endParaRPr lang="ko-KR" altLang="en-US" dirty="0">
+              <a:latin typeface="배달의민족 도현" pitchFamily="50" charset="-127"/>
+              <a:ea typeface="배달의민족 도현" pitchFamily="50" charset="-127"/>
+            </a:endParaRPr>
+          </a:p>
+        </p:txBody>
+      </p:sp>
+      <p:sp>
+        <p:nvSpPr>
+          <p:cNvPr id="4" name="제목 1"/>
+          <p:cNvSpPr txBox="1">
+            <a:spLocks/>
+          </p:cNvSpPr>
+          <p:nvPr/>
+        </p:nvSpPr>
+        <p:spPr>
+          <a:xfrm>
+            <a:off x="755575" y="3573016"/>
+            <a:ext cx="8031653" cy="1080120"/>
+          </a:xfrm>
+          <a:prstGeom prst="rect">
+            <a:avLst/>
+          </a:prstGeom>
+        </p:spPr>
+        <p:txBody>
+          <a:bodyPr vert="horz" lIns="91440" tIns="45720" rIns="91440" bIns="45720" rtlCol="0" anchor="ctr">
+            <a:normAutofit fontScale="92500" lnSpcReduction="20000"/>
+          </a:bodyPr>
+          <a:lstStyle>
+            <a:lvl1pPr algn="ctr" defTabSz="914400" rtl="0" eaLnBrk="1" latinLnBrk="1" hangingPunct="1">
+              <a:spcBef>
+                <a:spcPct val="0"/>
+              </a:spcBef>
+              <a:buNone/>
+              <a:defRPr sz="4400" kern="1200">
+                <a:solidFill>
+                  <a:schemeClr val="tx1"/>
+                </a:solidFill>
+                <a:latin typeface="+mj-lt"/>
+                <a:ea typeface="+mj-ea"/>
+                <a:cs typeface="+mj-cs"/>
+              </a:defRPr>
+            </a:lvl1pPr>
+          </a:lstStyle>
+          <a:p>
+            <a:r>
+              <a:rPr lang="ko-KR" altLang="en-US" sz="2800" dirty="0">
+                <a:solidFill>
+                  <a:schemeClr val="accent5"/>
+                </a:solidFill>
+                <a:latin typeface="배달의민족 주아" pitchFamily="18" charset="-127"/>
+                <a:ea typeface="배달의민족 주아" pitchFamily="18" charset="-127"/>
+              </a:rPr>
+              <a:t>브라우저의 화면을 기준으로 </a:t>
+            </a:r>
+            <a:endParaRPr lang="en-US" altLang="ko-KR" sz="2800" dirty="0">
+              <a:solidFill>
+                <a:schemeClr val="accent5"/>
+              </a:solidFill>
+              <a:latin typeface="배달의민족 주아" pitchFamily="18" charset="-127"/>
+              <a:ea typeface="배달의민족 주아" pitchFamily="18" charset="-127"/>
+            </a:endParaRPr>
+          </a:p>
+          <a:p>
+            <a:r>
+              <a:rPr lang="ko-KR" altLang="en-US" sz="2800" dirty="0">
+                <a:latin typeface="배달의민족 주아" pitchFamily="18" charset="-127"/>
+                <a:ea typeface="배달의민족 주아" pitchFamily="18" charset="-127"/>
+              </a:rPr>
+              <a:t>좌표속성을 사용하여 위치를 이동시킨다</a:t>
+            </a:r>
+            <a:r>
+              <a:rPr lang="en-US" altLang="ko-KR" sz="2800" dirty="0">
+                <a:latin typeface="배달의민족 주아" pitchFamily="18" charset="-127"/>
+                <a:ea typeface="배달의민족 주아" pitchFamily="18" charset="-127"/>
+              </a:rPr>
+              <a:t>. </a:t>
+            </a:r>
+          </a:p>
+          <a:p>
+            <a:r>
+              <a:rPr lang="en-US" altLang="ko-KR" sz="2800" dirty="0">
+                <a:latin typeface="배달의민족 주아" pitchFamily="18" charset="-127"/>
+                <a:ea typeface="배달의민족 주아" pitchFamily="18" charset="-127"/>
+              </a:rPr>
+              <a:t>(top, bottom, left, right)</a:t>
+            </a:r>
+          </a:p>
+        </p:txBody>
+      </p:sp>
+    </p:spTree>
+    <p:extLst>
+      <p:ext uri="{BB962C8B-B14F-4D97-AF65-F5344CB8AC3E}">
+        <p14:creationId xmlns:p14="http://schemas.microsoft.com/office/powerpoint/2010/main" val="956815271"/>
+      </p:ext>
+    </p:extLst>
+  </p:cSld>
+  <p:clrMapOvr>
+    <a:masterClrMapping/>
+  </p:clrMapOvr>
+  <p:timing>
+    <p:tnLst>
+      <p:par>
+        <p:cTn id="1" dur="indefinite" restart="never" nodeType="tmRoot">
+          <p:childTnLst>
+            <p:seq concurrent="1" nextAc="seek">
+              <p:cTn id="2" dur="indefinite" nodeType="mainSeq">
+                <p:childTnLst>
+                  <p:par>
+                    <p:cTn id="3" fill="hold">
+                      <p:stCondLst>
+                        <p:cond delay="indefinite"/>
+                      </p:stCondLst>
+                      <p:childTnLst>
+                        <p:par>
+                          <p:cTn id="4" fill="hold">
+                            <p:stCondLst>
+                              <p:cond delay="0"/>
+                            </p:stCondLst>
+                            <p:childTnLst>
+                              <p:par>
+                                <p:cTn id="5" presetID="10" presetClass="entr" presetSubtype="0" fill="hold" grpId="0" nodeType="clickEffect">
+                                  <p:stCondLst>
+                                    <p:cond delay="0"/>
+                                  </p:stCondLst>
+                                  <p:childTnLst>
+                                    <p:set>
+                                      <p:cBhvr>
+                                        <p:cTn id="6" dur="1" fill="hold">
+                                          <p:stCondLst>
+                                            <p:cond delay="0"/>
+                                          </p:stCondLst>
+                                        </p:cTn>
+                                        <p:tgtEl>
+                                          <p:spTgt spid="4"/>
+                                        </p:tgtEl>
+                                        <p:attrNameLst>
+                                          <p:attrName>style.visibility</p:attrName>
+                                        </p:attrNameLst>
+                                      </p:cBhvr>
+                                      <p:to>
+                                        <p:strVal val="visible"/>
+                                      </p:to>
+                                    </p:set>
+                                    <p:animEffect transition="in" filter="fade">
+                                      <p:cBhvr>
+                                        <p:cTn id="7" dur="500"/>
+                                        <p:tgtEl>
+                                          <p:spTgt spid="4"/>
+                                        </p:tgtEl>
+                                      </p:cBhvr>
+                                    </p:animEffect>
+                                  </p:childTnLst>
+                                </p:cTn>
+                              </p:par>
+                            </p:childTnLst>
+                          </p:cTn>
+                        </p:par>
+                      </p:childTnLst>
+                    </p:cTn>
+                  </p:par>
+                </p:childTnLst>
+              </p:cTn>
+              <p:prevCondLst>
+                <p:cond evt="onPrev" delay="0">
+                  <p:tgtEl>
+                    <p:sldTgt/>
+                  </p:tgtEl>
+                </p:cond>
+              </p:prevCondLst>
+              <p:nextCondLst>
+                <p:cond evt="onNext" delay="0">
+                  <p:tgtEl>
+                    <p:sldTgt/>
+                  </p:tgtEl>
+                </p:cond>
+              </p:nextCondLst>
+            </p:seq>
+          </p:childTnLst>
+        </p:cTn>
+      </p:par>
+    </p:tnLst>
+    <p:bldLst>
+      <p:bldP spid="4" grpId="0"/>
+    </p:bldLst>
+  </p:timing>
+</p:sld>
+</file>
+
+<file path=ppt/slides/slide12.xml><?xml version="1.0" encoding="utf-8"?>
+<p:sld xmlns:a="http://schemas.openxmlformats.org/drawingml/2006/main" xmlns:r="http://schemas.openxmlformats.org/officeDocument/2006/relationships" xmlns:p="http://schemas.openxmlformats.org/presentationml/2006/main">
+  <p:cSld>
+    <p:spTree>
+      <p:nvGrpSpPr>
+        <p:cNvPr id="1" name=""/>
+        <p:cNvGrpSpPr/>
+        <p:nvPr/>
+      </p:nvGrpSpPr>
+      <p:grpSpPr>
+        <a:xfrm>
+          <a:off x="0" y="0"/>
+          <a:ext cx="0" cy="0"/>
+          <a:chOff x="0" y="0"/>
+          <a:chExt cx="0" cy="0"/>
+        </a:xfrm>
+      </p:grpSpPr>
+      <p:sp>
+        <p:nvSpPr>
+          <p:cNvPr id="2" name="제목 1"/>
+          <p:cNvSpPr>
+            <a:spLocks noGrp="1"/>
+          </p:cNvSpPr>
+          <p:nvPr>
+            <p:ph type="ctrTitle"/>
+          </p:nvPr>
+        </p:nvSpPr>
+        <p:spPr/>
+        <p:txBody>
+          <a:bodyPr/>
+          <a:lstStyle/>
+          <a:p>
+            <a:r>
+              <a:rPr lang="en-US" altLang="ko-KR" dirty="0">
+                <a:latin typeface="배달의민족 주아" pitchFamily="18" charset="-127"/>
+                <a:ea typeface="배달의민족 주아" pitchFamily="18" charset="-127"/>
+              </a:rPr>
+              <a:t>position : fixed</a:t>
+            </a:r>
+            <a:endParaRPr lang="ko-KR" altLang="en-US" dirty="0">
+              <a:latin typeface="배달의민족 주아" pitchFamily="18" charset="-127"/>
+              <a:ea typeface="배달의민족 주아" pitchFamily="18" charset="-127"/>
+            </a:endParaRPr>
+          </a:p>
+        </p:txBody>
+      </p:sp>
+      <p:sp>
+        <p:nvSpPr>
+          <p:cNvPr id="3" name="TextBox 2"/>
+          <p:cNvSpPr txBox="1"/>
+          <p:nvPr/>
+        </p:nvSpPr>
+        <p:spPr>
+          <a:xfrm>
+            <a:off x="6948264" y="6093296"/>
+            <a:ext cx="1838965" cy="369332"/>
+          </a:xfrm>
+          <a:prstGeom prst="rect">
+            <a:avLst/>
+          </a:prstGeom>
+          <a:noFill/>
+        </p:spPr>
+        <p:txBody>
+          <a:bodyPr wrap="none" rtlCol="0">
+            <a:spAutoFit/>
+          </a:bodyPr>
+          <a:lstStyle>
+            <a:defPPr>
+              <a:defRPr lang="ko-KR"/>
+            </a:defPPr>
+            <a:lvl1pPr marL="0" algn="l" defTabSz="914400" rtl="0" eaLnBrk="1" latinLnBrk="1" hangingPunct="1">
+              <a:defRPr sz="1800" kern="1200">
+                <a:solidFill>
+                  <a:schemeClr val="tx1"/>
+                </a:solidFill>
+                <a:latin typeface="+mn-lt"/>
+                <a:ea typeface="+mn-ea"/>
+                <a:cs typeface="+mn-cs"/>
+              </a:defRPr>
+            </a:lvl1pPr>
+            <a:lvl2pPr marL="457200" algn="l" defTabSz="914400" rtl="0" eaLnBrk="1" latinLnBrk="1" hangingPunct="1">
+              <a:defRPr sz="1800" kern="1200">
+                <a:solidFill>
+                  <a:schemeClr val="tx1"/>
+                </a:solidFill>
+                <a:latin typeface="+mn-lt"/>
+                <a:ea typeface="+mn-ea"/>
+                <a:cs typeface="+mn-cs"/>
+              </a:defRPr>
+            </a:lvl2pPr>
+            <a:lvl3pPr marL="914400" algn="l" defTabSz="914400" rtl="0" eaLnBrk="1" latinLnBrk="1" hangingPunct="1">
+              <a:defRPr sz="1800" kern="1200">
+                <a:solidFill>
+                  <a:schemeClr val="tx1"/>
+                </a:solidFill>
+                <a:latin typeface="+mn-lt"/>
+                <a:ea typeface="+mn-ea"/>
+                <a:cs typeface="+mn-cs"/>
+              </a:defRPr>
+            </a:lvl3pPr>
+            <a:lvl4pPr marL="1371600" algn="l" defTabSz="914400" rtl="0" eaLnBrk="1" latinLnBrk="1" hangingPunct="1">
+              <a:defRPr sz="1800" kern="1200">
+                <a:solidFill>
+                  <a:schemeClr val="tx1"/>
+                </a:solidFill>
+                <a:latin typeface="+mn-lt"/>
+                <a:ea typeface="+mn-ea"/>
+                <a:cs typeface="+mn-cs"/>
+              </a:defRPr>
+            </a:lvl4pPr>
+            <a:lvl5pPr marL="1828800" algn="l" defTabSz="914400" rtl="0" eaLnBrk="1" latinLnBrk="1" hangingPunct="1">
+              <a:defRPr sz="1800" kern="1200">
+                <a:solidFill>
+                  <a:schemeClr val="tx1"/>
+                </a:solidFill>
+                <a:latin typeface="+mn-lt"/>
+                <a:ea typeface="+mn-ea"/>
+                <a:cs typeface="+mn-cs"/>
+              </a:defRPr>
+            </a:lvl5pPr>
+            <a:lvl6pPr marL="2286000" algn="l" defTabSz="914400" rtl="0" eaLnBrk="1" latinLnBrk="1" hangingPunct="1">
+              <a:defRPr sz="1800" kern="1200">
+                <a:solidFill>
+                  <a:schemeClr val="tx1"/>
+                </a:solidFill>
+                <a:latin typeface="+mn-lt"/>
+                <a:ea typeface="+mn-ea"/>
+                <a:cs typeface="+mn-cs"/>
+              </a:defRPr>
+            </a:lvl6pPr>
+            <a:lvl7pPr marL="2743200" algn="l" defTabSz="914400" rtl="0" eaLnBrk="1" latinLnBrk="1" hangingPunct="1">
+              <a:defRPr sz="1800" kern="1200">
+                <a:solidFill>
+                  <a:schemeClr val="tx1"/>
+                </a:solidFill>
+                <a:latin typeface="+mn-lt"/>
+                <a:ea typeface="+mn-ea"/>
+                <a:cs typeface="+mn-cs"/>
+              </a:defRPr>
+            </a:lvl7pPr>
+            <a:lvl8pPr marL="3200400" algn="l" defTabSz="914400" rtl="0" eaLnBrk="1" latinLnBrk="1" hangingPunct="1">
+              <a:defRPr sz="1800" kern="1200">
+                <a:solidFill>
+                  <a:schemeClr val="tx1"/>
+                </a:solidFill>
+                <a:latin typeface="+mn-lt"/>
+                <a:ea typeface="+mn-ea"/>
+                <a:cs typeface="+mn-cs"/>
+              </a:defRPr>
+            </a:lvl8pPr>
+            <a:lvl9pPr marL="3657600" algn="l" defTabSz="914400" rtl="0" eaLnBrk="1" latinLnBrk="1" hangingPunct="1">
+              <a:defRPr sz="1800" kern="1200">
+                <a:solidFill>
+                  <a:schemeClr val="tx1"/>
+                </a:solidFill>
+                <a:latin typeface="+mn-lt"/>
+                <a:ea typeface="+mn-ea"/>
+                <a:cs typeface="+mn-cs"/>
+              </a:defRPr>
+            </a:lvl9pPr>
+          </a:lstStyle>
+          <a:p>
+            <a:r>
+              <a:rPr lang="en-US" altLang="ko-KR" dirty="0">
+                <a:solidFill>
+                  <a:schemeClr val="accent5"/>
+                </a:solidFill>
+                <a:latin typeface="배달의민족 도현" pitchFamily="50" charset="-127"/>
+                <a:ea typeface="배달의민족 도현" pitchFamily="50" charset="-127"/>
+              </a:rPr>
+              <a:t>S</a:t>
+            </a:r>
+            <a:r>
+              <a:rPr lang="en-US" altLang="ko-KR" dirty="0">
+                <a:latin typeface="배달의민족 도현" pitchFamily="50" charset="-127"/>
+                <a:ea typeface="배달의민족 도현" pitchFamily="50" charset="-127"/>
+              </a:rPr>
+              <a:t>TART</a:t>
+            </a:r>
+            <a:r>
+              <a:rPr lang="en-US" altLang="ko-KR" dirty="0">
+                <a:solidFill>
+                  <a:schemeClr val="accent5"/>
+                </a:solidFill>
+                <a:latin typeface="배달의민족 도현" pitchFamily="50" charset="-127"/>
+                <a:ea typeface="배달의민족 도현" pitchFamily="50" charset="-127"/>
+              </a:rPr>
+              <a:t>C</a:t>
+            </a:r>
+            <a:r>
+              <a:rPr lang="en-US" altLang="ko-KR" dirty="0">
+                <a:latin typeface="배달의민족 도현" pitchFamily="50" charset="-127"/>
+                <a:ea typeface="배달의민족 도현" pitchFamily="50" charset="-127"/>
+              </a:rPr>
+              <a:t>ODING</a:t>
+            </a:r>
+            <a:endParaRPr lang="ko-KR" altLang="en-US" dirty="0">
+              <a:latin typeface="배달의민족 도현" pitchFamily="50" charset="-127"/>
+              <a:ea typeface="배달의민족 도현" pitchFamily="50" charset="-127"/>
+            </a:endParaRPr>
+          </a:p>
+        </p:txBody>
+      </p:sp>
+      <p:sp>
+        <p:nvSpPr>
+          <p:cNvPr id="4" name="제목 1"/>
+          <p:cNvSpPr txBox="1">
+            <a:spLocks/>
+          </p:cNvSpPr>
+          <p:nvPr/>
+        </p:nvSpPr>
+        <p:spPr>
+          <a:xfrm>
+            <a:off x="755576" y="3573016"/>
+            <a:ext cx="7344816" cy="1080120"/>
+          </a:xfrm>
+          <a:prstGeom prst="rect">
+            <a:avLst/>
+          </a:prstGeom>
+        </p:spPr>
+        <p:txBody>
+          <a:bodyPr vert="horz" lIns="91440" tIns="45720" rIns="91440" bIns="45720" rtlCol="0" anchor="ctr">
+            <a:normAutofit/>
+          </a:bodyPr>
+          <a:lstStyle>
+            <a:lvl1pPr algn="ctr" defTabSz="914400" rtl="0" eaLnBrk="1" latinLnBrk="1" hangingPunct="1">
+              <a:spcBef>
+                <a:spcPct val="0"/>
+              </a:spcBef>
+              <a:buNone/>
+              <a:defRPr sz="4400" kern="1200">
+                <a:solidFill>
+                  <a:schemeClr val="tx1"/>
+                </a:solidFill>
+                <a:latin typeface="+mj-lt"/>
+                <a:ea typeface="+mj-ea"/>
+                <a:cs typeface="+mj-cs"/>
+              </a:defRPr>
+            </a:lvl1pPr>
+          </a:lstStyle>
+          <a:p>
+            <a:r>
+              <a:rPr lang="ko-KR" altLang="en-US" sz="2800" dirty="0">
+                <a:latin typeface="배달의민족 주아" pitchFamily="18" charset="-127"/>
+                <a:ea typeface="배달의민족 주아" pitchFamily="18" charset="-127"/>
+              </a:rPr>
+              <a:t>실습</a:t>
+            </a:r>
+            <a:r>
+              <a:rPr lang="en-US" altLang="ko-KR" sz="2800" dirty="0">
+                <a:latin typeface="배달의민족 주아" pitchFamily="18" charset="-127"/>
+                <a:ea typeface="배달의민족 주아" pitchFamily="18" charset="-127"/>
+              </a:rPr>
+              <a:t>) </a:t>
+            </a:r>
+            <a:r>
+              <a:rPr lang="ko-KR" altLang="en-US" sz="2800" dirty="0" err="1">
+                <a:solidFill>
+                  <a:schemeClr val="accent6"/>
+                </a:solidFill>
+                <a:latin typeface="배달의민족 주아" pitchFamily="18" charset="-127"/>
+                <a:ea typeface="배달의민족 주아" pitchFamily="18" charset="-127"/>
+              </a:rPr>
+              <a:t>스크롤해도</a:t>
+            </a:r>
+            <a:r>
+              <a:rPr lang="ko-KR" altLang="en-US" sz="2800" dirty="0">
+                <a:solidFill>
+                  <a:schemeClr val="accent6"/>
+                </a:solidFill>
+                <a:latin typeface="배달의민족 주아" pitchFamily="18" charset="-127"/>
+                <a:ea typeface="배달의민족 주아" pitchFamily="18" charset="-127"/>
+              </a:rPr>
+              <a:t> 위치가 고정되는 박스 만들기</a:t>
+            </a:r>
+            <a:endParaRPr lang="en-US" altLang="ko-KR" sz="2800" dirty="0">
+              <a:solidFill>
+                <a:schemeClr val="accent6"/>
+              </a:solidFill>
+              <a:latin typeface="배달의민족 주아" pitchFamily="18" charset="-127"/>
+              <a:ea typeface="배달의민족 주아" pitchFamily="18" charset="-127"/>
+            </a:endParaRPr>
+          </a:p>
+        </p:txBody>
+      </p:sp>
+    </p:spTree>
+    <p:extLst>
+      <p:ext uri="{BB962C8B-B14F-4D97-AF65-F5344CB8AC3E}">
+        <p14:creationId xmlns:p14="http://schemas.microsoft.com/office/powerpoint/2010/main" val="4074780532"/>
+      </p:ext>
+    </p:extLst>
+  </p:cSld>
+  <p:clrMapOvr>
+    <a:masterClrMapping/>
+  </p:clrMapOvr>
+  <p:timing>
+    <p:tnLst>
+      <p:par>
+        <p:cTn id="1" dur="indefinite" restart="never" nodeType="tmRoot">
+          <p:childTnLst>
+            <p:seq concurrent="1" nextAc="seek">
+              <p:cTn id="2" dur="indefinite" nodeType="mainSeq">
+                <p:childTnLst>
+                  <p:par>
+                    <p:cTn id="3" fill="hold">
+                      <p:stCondLst>
+                        <p:cond delay="indefinite"/>
+                      </p:stCondLst>
+                      <p:childTnLst>
+                        <p:par>
+                          <p:cTn id="4" fill="hold">
+                            <p:stCondLst>
+                              <p:cond delay="0"/>
+                            </p:stCondLst>
+                            <p:childTnLst>
+                              <p:par>
+                                <p:cTn id="5" presetID="10" presetClass="entr" presetSubtype="0" fill="hold" grpId="0" nodeType="clickEffect">
+                                  <p:stCondLst>
+                                    <p:cond delay="0"/>
+                                  </p:stCondLst>
+                                  <p:childTnLst>
+                                    <p:set>
+                                      <p:cBhvr>
+                                        <p:cTn id="6" dur="1" fill="hold">
+                                          <p:stCondLst>
+                                            <p:cond delay="0"/>
+                                          </p:stCondLst>
+                                        </p:cTn>
+                                        <p:tgtEl>
+                                          <p:spTgt spid="4"/>
+                                        </p:tgtEl>
+                                        <p:attrNameLst>
+                                          <p:attrName>style.visibility</p:attrName>
+                                        </p:attrNameLst>
+                                      </p:cBhvr>
+                                      <p:to>
+                                        <p:strVal val="visible"/>
+                                      </p:to>
+                                    </p:set>
+                                    <p:animEffect transition="in" filter="fade">
+                                      <p:cBhvr>
+                                        <p:cTn id="7" dur="500"/>
+                                        <p:tgtEl>
+                                          <p:spTgt spid="4"/>
+                                        </p:tgtEl>
+                                      </p:cBhvr>
+                                    </p:animEffect>
+                                  </p:childTnLst>
+                                </p:cTn>
+                              </p:par>
+                            </p:childTnLst>
+                          </p:cTn>
+                        </p:par>
+                      </p:childTnLst>
+                    </p:cTn>
+                  </p:par>
+                </p:childTnLst>
+              </p:cTn>
+              <p:prevCondLst>
+                <p:cond evt="onPrev" delay="0">
+                  <p:tgtEl>
+                    <p:sldTgt/>
+                  </p:tgtEl>
+                </p:cond>
+              </p:prevCondLst>
+              <p:nextCondLst>
+                <p:cond evt="onNext" delay="0">
+                  <p:tgtEl>
+                    <p:sldTgt/>
+                  </p:tgtEl>
+                </p:cond>
+              </p:nextCondLst>
+            </p:seq>
+          </p:childTnLst>
+        </p:cTn>
+      </p:par>
+    </p:tnLst>
+    <p:bldLst>
+      <p:bldP spid="4" grpId="0"/>
+    </p:bldLst>
+  </p:timing>
+</p:sld>
+</file>
+
+<file path=ppt/slides/slide13.xml><?xml version="1.0" encoding="utf-8"?>
+<p:sld xmlns:a="http://schemas.openxmlformats.org/drawingml/2006/main" xmlns:r="http://schemas.openxmlformats.org/officeDocument/2006/relationships" xmlns:p="http://schemas.openxmlformats.org/presentationml/2006/main">
+  <p:cSld>
+    <p:spTree>
+      <p:nvGrpSpPr>
+        <p:cNvPr id="1" name=""/>
+        <p:cNvGrpSpPr/>
+        <p:nvPr/>
+      </p:nvGrpSpPr>
+      <p:grpSpPr>
+        <a:xfrm>
+          <a:off x="0" y="0"/>
+          <a:ext cx="0" cy="0"/>
+          <a:chOff x="0" y="0"/>
+          <a:chExt cx="0" cy="0"/>
+        </a:xfrm>
+      </p:grpSpPr>
+      <p:sp>
+        <p:nvSpPr>
+          <p:cNvPr id="5" name="직사각형 4">
+            <a:extLst>
+              <a:ext uri="{FF2B5EF4-FFF2-40B4-BE49-F238E27FC236}">
+                <a16:creationId xmlns:a16="http://schemas.microsoft.com/office/drawing/2014/main" id="{20B88786-F94D-4439-8F03-A16ADE17F253}"/>
+              </a:ext>
+            </a:extLst>
+          </p:cNvPr>
+          <p:cNvSpPr/>
+          <p:nvPr/>
+        </p:nvSpPr>
+        <p:spPr>
+          <a:xfrm>
+            <a:off x="1692796" y="470857"/>
+            <a:ext cx="5759524" cy="6340197"/>
+          </a:xfrm>
+          <a:prstGeom prst="rect">
+            <a:avLst/>
+          </a:prstGeom>
+          <a:solidFill>
+            <a:schemeClr val="tx1"/>
+          </a:solidFill>
+          <a:effectLst>
+            <a:softEdge rad="31750"/>
+          </a:effectLst>
+        </p:spPr>
+        <p:txBody>
+          <a:bodyPr wrap="square">
+            <a:spAutoFit/>
+          </a:bodyPr>
+          <a:lstStyle/>
+          <a:p>
+            <a:r>
+              <a:rPr lang="en-US" altLang="ko-KR" sz="1400" dirty="0">
+                <a:solidFill>
+                  <a:srgbClr val="808080"/>
+                </a:solidFill>
+                <a:latin typeface="Consolas" panose="020B0609020204030204" pitchFamily="49" charset="0"/>
+              </a:rPr>
+              <a:t>&lt;!</a:t>
+            </a:r>
+            <a:r>
+              <a:rPr lang="en-US" altLang="ko-KR" sz="1400" dirty="0">
+                <a:solidFill>
+                  <a:srgbClr val="569CD6"/>
+                </a:solidFill>
+                <a:latin typeface="Consolas" panose="020B0609020204030204" pitchFamily="49" charset="0"/>
+              </a:rPr>
+              <a:t>DOCTYPE</a:t>
+            </a:r>
+            <a:r>
+              <a:rPr lang="en-US" altLang="ko-KR" sz="1400" dirty="0">
+                <a:solidFill>
+                  <a:srgbClr val="D4D4D4"/>
+                </a:solidFill>
+                <a:latin typeface="Consolas" panose="020B0609020204030204" pitchFamily="49" charset="0"/>
+              </a:rPr>
+              <a:t> </a:t>
+            </a:r>
+            <a:r>
+              <a:rPr lang="en-US" altLang="ko-KR" sz="1400" dirty="0">
+                <a:solidFill>
+                  <a:srgbClr val="9CDCFE"/>
+                </a:solidFill>
+                <a:latin typeface="Consolas" panose="020B0609020204030204" pitchFamily="49" charset="0"/>
+              </a:rPr>
+              <a:t>html</a:t>
+            </a:r>
+            <a:r>
+              <a:rPr lang="en-US" altLang="ko-KR" sz="1400" dirty="0">
+                <a:solidFill>
+                  <a:srgbClr val="808080"/>
+                </a:solidFill>
+                <a:latin typeface="Consolas" panose="020B0609020204030204" pitchFamily="49" charset="0"/>
+              </a:rPr>
+              <a:t>&gt;</a:t>
+            </a:r>
+            <a:endParaRPr lang="en-US" altLang="ko-KR" sz="1400" dirty="0">
+              <a:solidFill>
+                <a:srgbClr val="D4D4D4"/>
+              </a:solidFill>
+              <a:latin typeface="Consolas" panose="020B0609020204030204" pitchFamily="49" charset="0"/>
+            </a:endParaRPr>
+          </a:p>
+          <a:p>
+            <a:r>
+              <a:rPr lang="en-US" altLang="ko-KR" sz="1400" dirty="0">
+                <a:solidFill>
+                  <a:srgbClr val="808080"/>
+                </a:solidFill>
+                <a:latin typeface="Consolas" panose="020B0609020204030204" pitchFamily="49" charset="0"/>
+              </a:rPr>
+              <a:t>&lt;</a:t>
+            </a:r>
+            <a:r>
+              <a:rPr lang="en-US" altLang="ko-KR" sz="1400" dirty="0">
+                <a:solidFill>
+                  <a:srgbClr val="569CD6"/>
+                </a:solidFill>
+                <a:latin typeface="Consolas" panose="020B0609020204030204" pitchFamily="49" charset="0"/>
+              </a:rPr>
+              <a:t>html</a:t>
+            </a:r>
+            <a:r>
+              <a:rPr lang="en-US" altLang="ko-KR" sz="1400" dirty="0">
+                <a:solidFill>
+                  <a:srgbClr val="808080"/>
+                </a:solidFill>
+                <a:latin typeface="Consolas" panose="020B0609020204030204" pitchFamily="49" charset="0"/>
+              </a:rPr>
+              <a:t>&gt;</a:t>
+            </a:r>
+            <a:endParaRPr lang="en-US" altLang="ko-KR" sz="1400" dirty="0">
+              <a:solidFill>
+                <a:srgbClr val="D4D4D4"/>
+              </a:solidFill>
+              <a:latin typeface="Consolas" panose="020B0609020204030204" pitchFamily="49" charset="0"/>
+            </a:endParaRPr>
+          </a:p>
+          <a:p>
+            <a:r>
+              <a:rPr lang="en-US" altLang="ko-KR" sz="1400" dirty="0">
+                <a:solidFill>
+                  <a:srgbClr val="808080"/>
+                </a:solidFill>
+                <a:latin typeface="Consolas" panose="020B0609020204030204" pitchFamily="49" charset="0"/>
+              </a:rPr>
+              <a:t>&lt;</a:t>
+            </a:r>
+            <a:r>
+              <a:rPr lang="en-US" altLang="ko-KR" sz="1400" dirty="0">
+                <a:solidFill>
+                  <a:srgbClr val="569CD6"/>
+                </a:solidFill>
+                <a:latin typeface="Consolas" panose="020B0609020204030204" pitchFamily="49" charset="0"/>
+              </a:rPr>
+              <a:t>head</a:t>
+            </a:r>
+            <a:r>
+              <a:rPr lang="en-US" altLang="ko-KR" sz="1400" dirty="0">
+                <a:solidFill>
+                  <a:srgbClr val="808080"/>
+                </a:solidFill>
+                <a:latin typeface="Consolas" panose="020B0609020204030204" pitchFamily="49" charset="0"/>
+              </a:rPr>
+              <a:t>&gt;</a:t>
+            </a:r>
+            <a:endParaRPr lang="en-US" altLang="ko-KR" sz="1400" dirty="0">
+              <a:solidFill>
+                <a:srgbClr val="D4D4D4"/>
+              </a:solidFill>
+              <a:latin typeface="Consolas" panose="020B0609020204030204" pitchFamily="49" charset="0"/>
+            </a:endParaRPr>
+          </a:p>
+          <a:p>
+            <a:r>
+              <a:rPr lang="en-US" altLang="ko-KR" sz="1400" dirty="0">
+                <a:solidFill>
+                  <a:srgbClr val="D4D4D4"/>
+                </a:solidFill>
+                <a:latin typeface="Consolas" panose="020B0609020204030204" pitchFamily="49" charset="0"/>
+              </a:rPr>
+              <a:t>    </a:t>
+            </a:r>
+            <a:r>
+              <a:rPr lang="en-US" altLang="ko-KR" sz="1400" dirty="0">
+                <a:solidFill>
+                  <a:srgbClr val="808080"/>
+                </a:solidFill>
+                <a:latin typeface="Consolas" panose="020B0609020204030204" pitchFamily="49" charset="0"/>
+              </a:rPr>
+              <a:t>&lt;</a:t>
+            </a:r>
+            <a:r>
+              <a:rPr lang="en-US" altLang="ko-KR" sz="1400" dirty="0">
+                <a:solidFill>
+                  <a:srgbClr val="569CD6"/>
+                </a:solidFill>
+                <a:latin typeface="Consolas" panose="020B0609020204030204" pitchFamily="49" charset="0"/>
+              </a:rPr>
+              <a:t>meta</a:t>
+            </a:r>
+            <a:r>
+              <a:rPr lang="en-US" altLang="ko-KR" sz="1400" dirty="0">
+                <a:solidFill>
+                  <a:srgbClr val="D4D4D4"/>
+                </a:solidFill>
+                <a:latin typeface="Consolas" panose="020B0609020204030204" pitchFamily="49" charset="0"/>
+              </a:rPr>
+              <a:t> </a:t>
+            </a:r>
+            <a:r>
+              <a:rPr lang="en-US" altLang="ko-KR" sz="1400" dirty="0">
+                <a:solidFill>
+                  <a:srgbClr val="9CDCFE"/>
+                </a:solidFill>
+                <a:latin typeface="Consolas" panose="020B0609020204030204" pitchFamily="49" charset="0"/>
+              </a:rPr>
+              <a:t>charset</a:t>
+            </a:r>
+            <a:r>
+              <a:rPr lang="en-US" altLang="ko-KR" sz="1400" dirty="0">
+                <a:solidFill>
+                  <a:srgbClr val="D4D4D4"/>
+                </a:solidFill>
+                <a:latin typeface="Consolas" panose="020B0609020204030204" pitchFamily="49" charset="0"/>
+              </a:rPr>
+              <a:t>=</a:t>
+            </a:r>
+            <a:r>
+              <a:rPr lang="en-US" altLang="ko-KR" sz="1400" dirty="0">
+                <a:solidFill>
+                  <a:srgbClr val="CE9178"/>
+                </a:solidFill>
+                <a:latin typeface="Consolas" panose="020B0609020204030204" pitchFamily="49" charset="0"/>
+              </a:rPr>
+              <a:t>"UTF-8"</a:t>
+            </a:r>
+            <a:r>
+              <a:rPr lang="en-US" altLang="ko-KR" sz="1400" dirty="0">
+                <a:solidFill>
+                  <a:srgbClr val="808080"/>
+                </a:solidFill>
+                <a:latin typeface="Consolas" panose="020B0609020204030204" pitchFamily="49" charset="0"/>
+              </a:rPr>
+              <a:t>&gt;</a:t>
+            </a:r>
+            <a:endParaRPr lang="en-US" altLang="ko-KR" sz="1400" dirty="0">
+              <a:solidFill>
+                <a:srgbClr val="D4D4D4"/>
+              </a:solidFill>
+              <a:latin typeface="Consolas" panose="020B0609020204030204" pitchFamily="49" charset="0"/>
+            </a:endParaRPr>
+          </a:p>
+          <a:p>
+            <a:r>
+              <a:rPr lang="en-US" altLang="ko-KR" sz="1400" dirty="0">
+                <a:solidFill>
+                  <a:srgbClr val="D4D4D4"/>
+                </a:solidFill>
+                <a:latin typeface="Consolas" panose="020B0609020204030204" pitchFamily="49" charset="0"/>
+              </a:rPr>
+              <a:t>    </a:t>
+            </a:r>
+            <a:r>
+              <a:rPr lang="en-US" altLang="ko-KR" sz="1400" dirty="0">
+                <a:solidFill>
+                  <a:srgbClr val="808080"/>
+                </a:solidFill>
+                <a:latin typeface="Consolas" panose="020B0609020204030204" pitchFamily="49" charset="0"/>
+              </a:rPr>
+              <a:t>&lt;</a:t>
+            </a:r>
+            <a:r>
+              <a:rPr lang="en-US" altLang="ko-KR" sz="1400" dirty="0">
+                <a:solidFill>
+                  <a:srgbClr val="569CD6"/>
+                </a:solidFill>
+                <a:latin typeface="Consolas" panose="020B0609020204030204" pitchFamily="49" charset="0"/>
+              </a:rPr>
+              <a:t>title</a:t>
+            </a:r>
+            <a:r>
+              <a:rPr lang="en-US" altLang="ko-KR" sz="1400" dirty="0">
+                <a:solidFill>
+                  <a:srgbClr val="808080"/>
+                </a:solidFill>
+                <a:latin typeface="Consolas" panose="020B0609020204030204" pitchFamily="49" charset="0"/>
+              </a:rPr>
+              <a:t>&gt;</a:t>
+            </a:r>
+            <a:r>
+              <a:rPr lang="ko-KR" altLang="en-US" sz="1400" dirty="0">
+                <a:solidFill>
+                  <a:srgbClr val="D4D4D4"/>
+                </a:solidFill>
+                <a:latin typeface="Consolas" panose="020B0609020204030204" pitchFamily="49" charset="0"/>
+              </a:rPr>
+              <a:t>포지션 개념연습</a:t>
+            </a:r>
+            <a:r>
+              <a:rPr lang="en-US" altLang="ko-KR" sz="1400" dirty="0">
+                <a:solidFill>
+                  <a:srgbClr val="808080"/>
+                </a:solidFill>
+                <a:latin typeface="Consolas" panose="020B0609020204030204" pitchFamily="49" charset="0"/>
+              </a:rPr>
+              <a:t>&lt;/</a:t>
+            </a:r>
+            <a:r>
+              <a:rPr lang="en-US" altLang="ko-KR" sz="1400" dirty="0">
+                <a:solidFill>
+                  <a:srgbClr val="569CD6"/>
+                </a:solidFill>
+                <a:latin typeface="Consolas" panose="020B0609020204030204" pitchFamily="49" charset="0"/>
+              </a:rPr>
+              <a:t>title</a:t>
+            </a:r>
+            <a:r>
+              <a:rPr lang="en-US" altLang="ko-KR" sz="1400" dirty="0">
+                <a:solidFill>
+                  <a:srgbClr val="808080"/>
+                </a:solidFill>
+                <a:latin typeface="Consolas" panose="020B0609020204030204" pitchFamily="49" charset="0"/>
+              </a:rPr>
+              <a:t>&gt;</a:t>
+            </a:r>
+            <a:endParaRPr lang="en-US" altLang="ko-KR" sz="1400" dirty="0">
+              <a:solidFill>
+                <a:srgbClr val="D4D4D4"/>
+              </a:solidFill>
+              <a:latin typeface="Consolas" panose="020B0609020204030204" pitchFamily="49" charset="0"/>
+            </a:endParaRPr>
+          </a:p>
+          <a:p>
+            <a:r>
+              <a:rPr lang="en-US" altLang="ko-KR" sz="1400" dirty="0">
+                <a:solidFill>
+                  <a:srgbClr val="D4D4D4"/>
+                </a:solidFill>
+                <a:latin typeface="Consolas" panose="020B0609020204030204" pitchFamily="49" charset="0"/>
+              </a:rPr>
+              <a:t>    </a:t>
+            </a:r>
+            <a:r>
+              <a:rPr lang="en-US" altLang="ko-KR" sz="1400" dirty="0">
+                <a:solidFill>
+                  <a:srgbClr val="808080"/>
+                </a:solidFill>
+                <a:latin typeface="Consolas" panose="020B0609020204030204" pitchFamily="49" charset="0"/>
+              </a:rPr>
+              <a:t>&lt;</a:t>
+            </a:r>
+            <a:r>
+              <a:rPr lang="en-US" altLang="ko-KR" sz="1400" dirty="0">
+                <a:solidFill>
+                  <a:srgbClr val="569CD6"/>
+                </a:solidFill>
+                <a:latin typeface="Consolas" panose="020B0609020204030204" pitchFamily="49" charset="0"/>
+              </a:rPr>
+              <a:t>style</a:t>
+            </a:r>
+            <a:r>
+              <a:rPr lang="en-US" altLang="ko-KR" sz="1400" dirty="0">
+                <a:solidFill>
+                  <a:srgbClr val="808080"/>
+                </a:solidFill>
+                <a:latin typeface="Consolas" panose="020B0609020204030204" pitchFamily="49" charset="0"/>
+              </a:rPr>
+              <a:t>&gt;</a:t>
+            </a:r>
+            <a:endParaRPr lang="en-US" altLang="ko-KR" sz="1400" dirty="0">
+              <a:solidFill>
+                <a:srgbClr val="D4D4D4"/>
+              </a:solidFill>
+              <a:latin typeface="Consolas" panose="020B0609020204030204" pitchFamily="49" charset="0"/>
+            </a:endParaRPr>
+          </a:p>
+          <a:p>
+            <a:r>
+              <a:rPr lang="en-US" altLang="ko-KR" sz="1400" dirty="0">
+                <a:solidFill>
+                  <a:srgbClr val="D4D4D4"/>
+                </a:solidFill>
+                <a:latin typeface="Consolas" panose="020B0609020204030204" pitchFamily="49" charset="0"/>
+              </a:rPr>
+              <a:t>        </a:t>
+            </a:r>
+            <a:r>
+              <a:rPr lang="en-US" altLang="ko-KR" sz="1400" dirty="0">
+                <a:solidFill>
+                  <a:srgbClr val="D7BA7D"/>
+                </a:solidFill>
+                <a:latin typeface="Consolas" panose="020B0609020204030204" pitchFamily="49" charset="0"/>
+              </a:rPr>
+              <a:t>.box</a:t>
+            </a:r>
+            <a:r>
+              <a:rPr lang="en-US" altLang="ko-KR" sz="1400" dirty="0">
+                <a:solidFill>
+                  <a:srgbClr val="D4D4D4"/>
+                </a:solidFill>
+                <a:latin typeface="Consolas" panose="020B0609020204030204" pitchFamily="49" charset="0"/>
+              </a:rPr>
+              <a:t> {</a:t>
+            </a:r>
+          </a:p>
+          <a:p>
+            <a:r>
+              <a:rPr lang="en-US" altLang="ko-KR" sz="1400" dirty="0">
+                <a:solidFill>
+                  <a:srgbClr val="D4D4D4"/>
+                </a:solidFill>
+                <a:latin typeface="Consolas" panose="020B0609020204030204" pitchFamily="49" charset="0"/>
+              </a:rPr>
+              <a:t>            </a:t>
+            </a:r>
+            <a:r>
+              <a:rPr lang="en-US" altLang="ko-KR" sz="1400" dirty="0">
+                <a:solidFill>
+                  <a:srgbClr val="9CDCFE"/>
+                </a:solidFill>
+                <a:latin typeface="Consolas" panose="020B0609020204030204" pitchFamily="49" charset="0"/>
+              </a:rPr>
+              <a:t>position</a:t>
+            </a:r>
+            <a:r>
+              <a:rPr lang="en-US" altLang="ko-KR" sz="1400" dirty="0">
+                <a:solidFill>
+                  <a:srgbClr val="D4D4D4"/>
+                </a:solidFill>
+                <a:latin typeface="Consolas" panose="020B0609020204030204" pitchFamily="49" charset="0"/>
+              </a:rPr>
+              <a:t>: </a:t>
+            </a:r>
+            <a:r>
+              <a:rPr lang="en-US" altLang="ko-KR" sz="1400" dirty="0">
+                <a:solidFill>
+                  <a:srgbClr val="CE9178"/>
+                </a:solidFill>
+                <a:latin typeface="Consolas" panose="020B0609020204030204" pitchFamily="49" charset="0"/>
+              </a:rPr>
+              <a:t>static</a:t>
+            </a:r>
+            <a:r>
+              <a:rPr lang="en-US" altLang="ko-KR" sz="1400" dirty="0">
+                <a:solidFill>
+                  <a:srgbClr val="D4D4D4"/>
+                </a:solidFill>
+                <a:latin typeface="Consolas" panose="020B0609020204030204" pitchFamily="49" charset="0"/>
+              </a:rPr>
+              <a:t>;</a:t>
+            </a:r>
+          </a:p>
+          <a:p>
+            <a:r>
+              <a:rPr lang="en-US" altLang="ko-KR" sz="1400" dirty="0">
+                <a:solidFill>
+                  <a:srgbClr val="D4D4D4"/>
+                </a:solidFill>
+                <a:latin typeface="Consolas" panose="020B0609020204030204" pitchFamily="49" charset="0"/>
+              </a:rPr>
+              <a:t>            </a:t>
+            </a:r>
+            <a:r>
+              <a:rPr lang="en-US" altLang="ko-KR" sz="1400" dirty="0">
+                <a:solidFill>
+                  <a:srgbClr val="9CDCFE"/>
+                </a:solidFill>
+                <a:latin typeface="Consolas" panose="020B0609020204030204" pitchFamily="49" charset="0"/>
+              </a:rPr>
+              <a:t>width</a:t>
+            </a:r>
+            <a:r>
+              <a:rPr lang="en-US" altLang="ko-KR" sz="1400" dirty="0">
+                <a:solidFill>
+                  <a:srgbClr val="D4D4D4"/>
+                </a:solidFill>
+                <a:latin typeface="Consolas" panose="020B0609020204030204" pitchFamily="49" charset="0"/>
+              </a:rPr>
+              <a:t>: </a:t>
+            </a:r>
+            <a:r>
+              <a:rPr lang="en-US" altLang="ko-KR" sz="1400" dirty="0">
+                <a:solidFill>
+                  <a:srgbClr val="B5CEA8"/>
+                </a:solidFill>
+                <a:latin typeface="Consolas" panose="020B0609020204030204" pitchFamily="49" charset="0"/>
+              </a:rPr>
+              <a:t>300px</a:t>
+            </a:r>
+            <a:r>
+              <a:rPr lang="en-US" altLang="ko-KR" sz="1400" dirty="0">
+                <a:solidFill>
+                  <a:srgbClr val="D4D4D4"/>
+                </a:solidFill>
+                <a:latin typeface="Consolas" panose="020B0609020204030204" pitchFamily="49" charset="0"/>
+              </a:rPr>
+              <a:t>;</a:t>
+            </a:r>
+          </a:p>
+          <a:p>
+            <a:r>
+              <a:rPr lang="en-US" altLang="ko-KR" sz="1400" dirty="0">
+                <a:solidFill>
+                  <a:srgbClr val="D4D4D4"/>
+                </a:solidFill>
+                <a:latin typeface="Consolas" panose="020B0609020204030204" pitchFamily="49" charset="0"/>
+              </a:rPr>
+              <a:t>            </a:t>
+            </a:r>
+            <a:r>
+              <a:rPr lang="en-US" altLang="ko-KR" sz="1400" dirty="0">
+                <a:solidFill>
+                  <a:srgbClr val="9CDCFE"/>
+                </a:solidFill>
+                <a:latin typeface="Consolas" panose="020B0609020204030204" pitchFamily="49" charset="0"/>
+              </a:rPr>
+              <a:t>height</a:t>
+            </a:r>
+            <a:r>
+              <a:rPr lang="en-US" altLang="ko-KR" sz="1400" dirty="0">
+                <a:solidFill>
+                  <a:srgbClr val="D4D4D4"/>
+                </a:solidFill>
+                <a:latin typeface="Consolas" panose="020B0609020204030204" pitchFamily="49" charset="0"/>
+              </a:rPr>
+              <a:t> : </a:t>
+            </a:r>
+            <a:r>
+              <a:rPr lang="en-US" altLang="ko-KR" sz="1400" dirty="0">
+                <a:solidFill>
+                  <a:srgbClr val="B5CEA8"/>
+                </a:solidFill>
+                <a:latin typeface="Consolas" panose="020B0609020204030204" pitchFamily="49" charset="0"/>
+              </a:rPr>
+              <a:t>300px</a:t>
+            </a:r>
+            <a:r>
+              <a:rPr lang="en-US" altLang="ko-KR" sz="1400" dirty="0">
+                <a:solidFill>
+                  <a:srgbClr val="D4D4D4"/>
+                </a:solidFill>
+                <a:latin typeface="Consolas" panose="020B0609020204030204" pitchFamily="49" charset="0"/>
+              </a:rPr>
+              <a:t>;</a:t>
+            </a:r>
+          </a:p>
+          <a:p>
+            <a:r>
+              <a:rPr lang="en-US" altLang="ko-KR" sz="1400" dirty="0">
+                <a:solidFill>
+                  <a:srgbClr val="D4D4D4"/>
+                </a:solidFill>
+                <a:latin typeface="Consolas" panose="020B0609020204030204" pitchFamily="49" charset="0"/>
+              </a:rPr>
+              <a:t>            </a:t>
+            </a:r>
+            <a:r>
+              <a:rPr lang="en-US" altLang="ko-KR" sz="1400" dirty="0">
+                <a:solidFill>
+                  <a:srgbClr val="9CDCFE"/>
+                </a:solidFill>
+                <a:latin typeface="Consolas" panose="020B0609020204030204" pitchFamily="49" charset="0"/>
+              </a:rPr>
+              <a:t>margin-bottom</a:t>
+            </a:r>
+            <a:r>
+              <a:rPr lang="en-US" altLang="ko-KR" sz="1400" dirty="0">
+                <a:solidFill>
+                  <a:srgbClr val="D4D4D4"/>
+                </a:solidFill>
+                <a:latin typeface="Consolas" panose="020B0609020204030204" pitchFamily="49" charset="0"/>
+              </a:rPr>
+              <a:t>: </a:t>
+            </a:r>
+            <a:r>
+              <a:rPr lang="en-US" altLang="ko-KR" sz="1400" dirty="0">
+                <a:solidFill>
+                  <a:srgbClr val="B5CEA8"/>
+                </a:solidFill>
+                <a:latin typeface="Consolas" panose="020B0609020204030204" pitchFamily="49" charset="0"/>
+              </a:rPr>
+              <a:t>20px</a:t>
+            </a:r>
+            <a:r>
+              <a:rPr lang="en-US" altLang="ko-KR" sz="1400" dirty="0">
+                <a:solidFill>
+                  <a:srgbClr val="D4D4D4"/>
+                </a:solidFill>
+                <a:latin typeface="Consolas" panose="020B0609020204030204" pitchFamily="49" charset="0"/>
+              </a:rPr>
+              <a:t>;</a:t>
+            </a:r>
+          </a:p>
+          <a:p>
+            <a:r>
+              <a:rPr lang="en-US" altLang="ko-KR" sz="1400" dirty="0">
+                <a:solidFill>
+                  <a:srgbClr val="D4D4D4"/>
+                </a:solidFill>
+                <a:latin typeface="Consolas" panose="020B0609020204030204" pitchFamily="49" charset="0"/>
+              </a:rPr>
+              <a:t>            </a:t>
+            </a:r>
+            <a:r>
+              <a:rPr lang="en-US" altLang="ko-KR" sz="1400" dirty="0">
+                <a:solidFill>
+                  <a:srgbClr val="9CDCFE"/>
+                </a:solidFill>
+                <a:latin typeface="Consolas" panose="020B0609020204030204" pitchFamily="49" charset="0"/>
+              </a:rPr>
+              <a:t>background-color</a:t>
+            </a:r>
+            <a:r>
+              <a:rPr lang="en-US" altLang="ko-KR" sz="1400" dirty="0">
+                <a:solidFill>
+                  <a:srgbClr val="D4D4D4"/>
+                </a:solidFill>
+                <a:latin typeface="Consolas" panose="020B0609020204030204" pitchFamily="49" charset="0"/>
+              </a:rPr>
+              <a:t>: </a:t>
+            </a:r>
+            <a:r>
+              <a:rPr lang="en-US" altLang="ko-KR" sz="1400" dirty="0" err="1">
+                <a:solidFill>
+                  <a:srgbClr val="CE9178"/>
+                </a:solidFill>
+                <a:latin typeface="Consolas" panose="020B0609020204030204" pitchFamily="49" charset="0"/>
+              </a:rPr>
+              <a:t>steelblue</a:t>
+            </a:r>
+            <a:r>
+              <a:rPr lang="en-US" altLang="ko-KR" sz="1400" dirty="0">
+                <a:solidFill>
+                  <a:srgbClr val="D4D4D4"/>
+                </a:solidFill>
+                <a:latin typeface="Consolas" panose="020B0609020204030204" pitchFamily="49" charset="0"/>
+              </a:rPr>
+              <a:t>;</a:t>
+            </a:r>
+          </a:p>
+          <a:p>
+            <a:r>
+              <a:rPr lang="en-US" altLang="ko-KR" sz="1400" dirty="0">
+                <a:solidFill>
+                  <a:srgbClr val="D4D4D4"/>
+                </a:solidFill>
+                <a:latin typeface="Consolas" panose="020B0609020204030204" pitchFamily="49" charset="0"/>
+              </a:rPr>
+              <a:t>        }</a:t>
+            </a:r>
+          </a:p>
+          <a:p>
+            <a:r>
+              <a:rPr lang="en-US" altLang="ko-KR" sz="1400" dirty="0">
+                <a:solidFill>
+                  <a:srgbClr val="D4D4D4"/>
+                </a:solidFill>
+                <a:latin typeface="Consolas" panose="020B0609020204030204" pitchFamily="49" charset="0"/>
+              </a:rPr>
+              <a:t>        </a:t>
+            </a:r>
+            <a:r>
+              <a:rPr lang="en-US" altLang="ko-KR" sz="1400" dirty="0">
+                <a:solidFill>
+                  <a:srgbClr val="D7BA7D"/>
+                </a:solidFill>
+                <a:latin typeface="Consolas" panose="020B0609020204030204" pitchFamily="49" charset="0"/>
+              </a:rPr>
+              <a:t>.</a:t>
+            </a:r>
+            <a:r>
+              <a:rPr lang="en-US" altLang="ko-KR" sz="1400" dirty="0" err="1">
+                <a:solidFill>
+                  <a:srgbClr val="D7BA7D"/>
+                </a:solidFill>
+                <a:latin typeface="Consolas" panose="020B0609020204030204" pitchFamily="49" charset="0"/>
+              </a:rPr>
+              <a:t>box:nth-child</a:t>
+            </a:r>
+            <a:r>
+              <a:rPr lang="en-US" altLang="ko-KR" sz="1400" dirty="0">
+                <a:solidFill>
+                  <a:srgbClr val="D4D4D4"/>
+                </a:solidFill>
+                <a:latin typeface="Consolas" panose="020B0609020204030204" pitchFamily="49" charset="0"/>
+              </a:rPr>
+              <a:t>(</a:t>
+            </a:r>
+            <a:r>
+              <a:rPr lang="en-US" altLang="ko-KR" sz="1400" dirty="0">
+                <a:solidFill>
+                  <a:srgbClr val="B5CEA8"/>
+                </a:solidFill>
+                <a:latin typeface="Consolas" panose="020B0609020204030204" pitchFamily="49" charset="0"/>
+              </a:rPr>
+              <a:t>2</a:t>
+            </a:r>
+            <a:r>
+              <a:rPr lang="en-US" altLang="ko-KR" sz="1400" dirty="0">
+                <a:solidFill>
+                  <a:srgbClr val="D4D4D4"/>
+                </a:solidFill>
+                <a:latin typeface="Consolas" panose="020B0609020204030204" pitchFamily="49" charset="0"/>
+              </a:rPr>
+              <a:t>){</a:t>
+            </a:r>
+          </a:p>
+          <a:p>
+            <a:r>
+              <a:rPr lang="en-US" altLang="ko-KR" sz="1400" dirty="0">
+                <a:solidFill>
+                  <a:srgbClr val="D4D4D4"/>
+                </a:solidFill>
+                <a:latin typeface="Consolas" panose="020B0609020204030204" pitchFamily="49" charset="0"/>
+              </a:rPr>
+              <a:t>            </a:t>
+            </a:r>
+            <a:r>
+              <a:rPr lang="en-US" altLang="ko-KR" sz="1400" dirty="0">
+                <a:solidFill>
+                  <a:srgbClr val="9CDCFE"/>
+                </a:solidFill>
+                <a:latin typeface="Consolas" panose="020B0609020204030204" pitchFamily="49" charset="0"/>
+              </a:rPr>
+              <a:t>position</a:t>
+            </a:r>
+            <a:r>
+              <a:rPr lang="en-US" altLang="ko-KR" sz="1400" dirty="0">
+                <a:solidFill>
+                  <a:srgbClr val="D4D4D4"/>
+                </a:solidFill>
+                <a:latin typeface="Consolas" panose="020B0609020204030204" pitchFamily="49" charset="0"/>
+              </a:rPr>
+              <a:t>: </a:t>
+            </a:r>
+            <a:r>
+              <a:rPr lang="en-US" altLang="ko-KR" sz="1400" dirty="0">
+                <a:solidFill>
+                  <a:srgbClr val="CE9178"/>
+                </a:solidFill>
+                <a:latin typeface="Consolas" panose="020B0609020204030204" pitchFamily="49" charset="0"/>
+              </a:rPr>
+              <a:t>fixed</a:t>
+            </a:r>
+            <a:r>
+              <a:rPr lang="en-US" altLang="ko-KR" sz="1400" dirty="0">
+                <a:solidFill>
+                  <a:srgbClr val="D4D4D4"/>
+                </a:solidFill>
+                <a:latin typeface="Consolas" panose="020B0609020204030204" pitchFamily="49" charset="0"/>
+              </a:rPr>
+              <a:t>;</a:t>
+            </a:r>
+          </a:p>
+          <a:p>
+            <a:r>
+              <a:rPr lang="en-US" altLang="ko-KR" sz="1400" dirty="0">
+                <a:solidFill>
+                  <a:srgbClr val="D4D4D4"/>
+                </a:solidFill>
+                <a:latin typeface="Consolas" panose="020B0609020204030204" pitchFamily="49" charset="0"/>
+              </a:rPr>
+              <a:t>            </a:t>
+            </a:r>
+            <a:r>
+              <a:rPr lang="en-US" altLang="ko-KR" sz="1400" dirty="0">
+                <a:solidFill>
+                  <a:srgbClr val="9CDCFE"/>
+                </a:solidFill>
+                <a:latin typeface="Consolas" panose="020B0609020204030204" pitchFamily="49" charset="0"/>
+              </a:rPr>
+              <a:t>bottom</a:t>
+            </a:r>
+            <a:r>
+              <a:rPr lang="en-US" altLang="ko-KR" sz="1400" dirty="0">
+                <a:solidFill>
+                  <a:srgbClr val="D4D4D4"/>
+                </a:solidFill>
+                <a:latin typeface="Consolas" panose="020B0609020204030204" pitchFamily="49" charset="0"/>
+              </a:rPr>
+              <a:t>: </a:t>
+            </a:r>
+            <a:r>
+              <a:rPr lang="en-US" altLang="ko-KR" sz="1400" dirty="0">
+                <a:solidFill>
+                  <a:srgbClr val="B5CEA8"/>
+                </a:solidFill>
+                <a:latin typeface="Consolas" panose="020B0609020204030204" pitchFamily="49" charset="0"/>
+              </a:rPr>
+              <a:t>0</a:t>
+            </a:r>
+            <a:r>
+              <a:rPr lang="en-US" altLang="ko-KR" sz="1400" dirty="0">
+                <a:solidFill>
+                  <a:srgbClr val="D4D4D4"/>
+                </a:solidFill>
+                <a:latin typeface="Consolas" panose="020B0609020204030204" pitchFamily="49" charset="0"/>
+              </a:rPr>
+              <a:t>;</a:t>
+            </a:r>
+          </a:p>
+          <a:p>
+            <a:r>
+              <a:rPr lang="en-US" altLang="ko-KR" sz="1400" dirty="0">
+                <a:solidFill>
+                  <a:srgbClr val="D4D4D4"/>
+                </a:solidFill>
+                <a:latin typeface="Consolas" panose="020B0609020204030204" pitchFamily="49" charset="0"/>
+              </a:rPr>
+              <a:t>            </a:t>
+            </a:r>
+            <a:r>
+              <a:rPr lang="en-US" altLang="ko-KR" sz="1400" dirty="0">
+                <a:solidFill>
+                  <a:srgbClr val="9CDCFE"/>
+                </a:solidFill>
+                <a:latin typeface="Consolas" panose="020B0609020204030204" pitchFamily="49" charset="0"/>
+              </a:rPr>
+              <a:t>right</a:t>
+            </a:r>
+            <a:r>
+              <a:rPr lang="en-US" altLang="ko-KR" sz="1400" dirty="0">
+                <a:solidFill>
+                  <a:srgbClr val="D4D4D4"/>
+                </a:solidFill>
+                <a:latin typeface="Consolas" panose="020B0609020204030204" pitchFamily="49" charset="0"/>
+              </a:rPr>
+              <a:t>: </a:t>
+            </a:r>
+            <a:r>
+              <a:rPr lang="en-US" altLang="ko-KR" sz="1400" dirty="0">
+                <a:solidFill>
+                  <a:srgbClr val="B5CEA8"/>
+                </a:solidFill>
+                <a:latin typeface="Consolas" panose="020B0609020204030204" pitchFamily="49" charset="0"/>
+              </a:rPr>
+              <a:t>0</a:t>
+            </a:r>
+            <a:r>
+              <a:rPr lang="en-US" altLang="ko-KR" sz="1400" dirty="0">
+                <a:solidFill>
+                  <a:srgbClr val="D4D4D4"/>
+                </a:solidFill>
+                <a:latin typeface="Consolas" panose="020B0609020204030204" pitchFamily="49" charset="0"/>
+              </a:rPr>
+              <a:t>;</a:t>
+            </a:r>
+          </a:p>
+          <a:p>
+            <a:r>
+              <a:rPr lang="en-US" altLang="ko-KR" sz="1400" dirty="0">
+                <a:solidFill>
+                  <a:srgbClr val="D4D4D4"/>
+                </a:solidFill>
+                <a:latin typeface="Consolas" panose="020B0609020204030204" pitchFamily="49" charset="0"/>
+              </a:rPr>
+              <a:t>            </a:t>
+            </a:r>
+            <a:r>
+              <a:rPr lang="en-US" altLang="ko-KR" sz="1400" dirty="0">
+                <a:solidFill>
+                  <a:srgbClr val="9CDCFE"/>
+                </a:solidFill>
+                <a:latin typeface="Consolas" panose="020B0609020204030204" pitchFamily="49" charset="0"/>
+              </a:rPr>
+              <a:t>background-color</a:t>
+            </a:r>
+            <a:r>
+              <a:rPr lang="en-US" altLang="ko-KR" sz="1400" dirty="0">
+                <a:solidFill>
+                  <a:srgbClr val="D4D4D4"/>
+                </a:solidFill>
+                <a:latin typeface="Consolas" panose="020B0609020204030204" pitchFamily="49" charset="0"/>
+              </a:rPr>
+              <a:t>: </a:t>
+            </a:r>
+            <a:r>
+              <a:rPr lang="en-US" altLang="ko-KR" sz="1400" dirty="0">
+                <a:solidFill>
+                  <a:srgbClr val="CE9178"/>
+                </a:solidFill>
+                <a:latin typeface="Consolas" panose="020B0609020204030204" pitchFamily="49" charset="0"/>
+              </a:rPr>
+              <a:t>orange</a:t>
+            </a:r>
+            <a:r>
+              <a:rPr lang="en-US" altLang="ko-KR" sz="1400" dirty="0">
+                <a:solidFill>
+                  <a:srgbClr val="D4D4D4"/>
+                </a:solidFill>
+                <a:latin typeface="Consolas" panose="020B0609020204030204" pitchFamily="49" charset="0"/>
+              </a:rPr>
+              <a:t>;</a:t>
+            </a:r>
+          </a:p>
+          <a:p>
+            <a:r>
+              <a:rPr lang="en-US" altLang="ko-KR" sz="1400" dirty="0">
+                <a:solidFill>
+                  <a:srgbClr val="D4D4D4"/>
+                </a:solidFill>
+                <a:latin typeface="Consolas" panose="020B0609020204030204" pitchFamily="49" charset="0"/>
+              </a:rPr>
+              <a:t>        }</a:t>
+            </a:r>
+          </a:p>
+          <a:p>
+            <a:r>
+              <a:rPr lang="en-US" altLang="ko-KR" sz="1400" dirty="0">
+                <a:solidFill>
+                  <a:srgbClr val="D4D4D4"/>
+                </a:solidFill>
+                <a:latin typeface="Consolas" panose="020B0609020204030204" pitchFamily="49" charset="0"/>
+              </a:rPr>
+              <a:t>    </a:t>
+            </a:r>
+            <a:r>
+              <a:rPr lang="en-US" altLang="ko-KR" sz="1400" dirty="0">
+                <a:solidFill>
+                  <a:srgbClr val="808080"/>
+                </a:solidFill>
+                <a:latin typeface="Consolas" panose="020B0609020204030204" pitchFamily="49" charset="0"/>
+              </a:rPr>
+              <a:t>&lt;/</a:t>
+            </a:r>
+            <a:r>
+              <a:rPr lang="en-US" altLang="ko-KR" sz="1400" dirty="0">
+                <a:solidFill>
+                  <a:srgbClr val="569CD6"/>
+                </a:solidFill>
+                <a:latin typeface="Consolas" panose="020B0609020204030204" pitchFamily="49" charset="0"/>
+              </a:rPr>
+              <a:t>style</a:t>
+            </a:r>
+            <a:r>
+              <a:rPr lang="en-US" altLang="ko-KR" sz="1400" dirty="0">
+                <a:solidFill>
+                  <a:srgbClr val="808080"/>
+                </a:solidFill>
+                <a:latin typeface="Consolas" panose="020B0609020204030204" pitchFamily="49" charset="0"/>
+              </a:rPr>
+              <a:t>&gt;</a:t>
+            </a:r>
+            <a:endParaRPr lang="en-US" altLang="ko-KR" sz="1400" dirty="0">
+              <a:solidFill>
+                <a:srgbClr val="D4D4D4"/>
+              </a:solidFill>
+              <a:latin typeface="Consolas" panose="020B0609020204030204" pitchFamily="49" charset="0"/>
+            </a:endParaRPr>
+          </a:p>
+          <a:p>
+            <a:r>
+              <a:rPr lang="en-US" altLang="ko-KR" sz="1400" dirty="0">
+                <a:solidFill>
+                  <a:srgbClr val="808080"/>
+                </a:solidFill>
+                <a:latin typeface="Consolas" panose="020B0609020204030204" pitchFamily="49" charset="0"/>
+              </a:rPr>
+              <a:t>&lt;/</a:t>
+            </a:r>
+            <a:r>
+              <a:rPr lang="en-US" altLang="ko-KR" sz="1400" dirty="0">
+                <a:solidFill>
+                  <a:srgbClr val="569CD6"/>
+                </a:solidFill>
+                <a:latin typeface="Consolas" panose="020B0609020204030204" pitchFamily="49" charset="0"/>
+              </a:rPr>
+              <a:t>head</a:t>
+            </a:r>
+            <a:r>
+              <a:rPr lang="en-US" altLang="ko-KR" sz="1400" dirty="0">
+                <a:solidFill>
+                  <a:srgbClr val="808080"/>
+                </a:solidFill>
+                <a:latin typeface="Consolas" panose="020B0609020204030204" pitchFamily="49" charset="0"/>
+              </a:rPr>
+              <a:t>&gt;</a:t>
+            </a:r>
+            <a:endParaRPr lang="en-US" altLang="ko-KR" sz="1400" dirty="0">
+              <a:solidFill>
+                <a:srgbClr val="D4D4D4"/>
+              </a:solidFill>
+              <a:latin typeface="Consolas" panose="020B0609020204030204" pitchFamily="49" charset="0"/>
+            </a:endParaRPr>
+          </a:p>
+          <a:p>
+            <a:r>
+              <a:rPr lang="en-US" altLang="ko-KR" sz="1400" dirty="0">
+                <a:solidFill>
+                  <a:srgbClr val="808080"/>
+                </a:solidFill>
+                <a:latin typeface="Consolas" panose="020B0609020204030204" pitchFamily="49" charset="0"/>
+              </a:rPr>
+              <a:t>&lt;</a:t>
+            </a:r>
+            <a:r>
+              <a:rPr lang="en-US" altLang="ko-KR" sz="1400" dirty="0">
+                <a:solidFill>
+                  <a:srgbClr val="569CD6"/>
+                </a:solidFill>
+                <a:latin typeface="Consolas" panose="020B0609020204030204" pitchFamily="49" charset="0"/>
+              </a:rPr>
+              <a:t>body</a:t>
+            </a:r>
+            <a:r>
+              <a:rPr lang="en-US" altLang="ko-KR" sz="1400" dirty="0">
+                <a:solidFill>
+                  <a:srgbClr val="808080"/>
+                </a:solidFill>
+                <a:latin typeface="Consolas" panose="020B0609020204030204" pitchFamily="49" charset="0"/>
+              </a:rPr>
+              <a:t>&gt;</a:t>
+            </a:r>
+            <a:endParaRPr lang="en-US" altLang="ko-KR" sz="1400" dirty="0">
+              <a:solidFill>
+                <a:srgbClr val="D4D4D4"/>
+              </a:solidFill>
+              <a:latin typeface="Consolas" panose="020B0609020204030204" pitchFamily="49" charset="0"/>
+            </a:endParaRPr>
+          </a:p>
+          <a:p>
+            <a:r>
+              <a:rPr lang="en-US" altLang="ko-KR" sz="1400" dirty="0">
+                <a:solidFill>
+                  <a:srgbClr val="D4D4D4"/>
+                </a:solidFill>
+                <a:latin typeface="Consolas" panose="020B0609020204030204" pitchFamily="49" charset="0"/>
+              </a:rPr>
+              <a:t>    </a:t>
+            </a:r>
+            <a:r>
+              <a:rPr lang="en-US" altLang="ko-KR" sz="1400" dirty="0">
+                <a:solidFill>
+                  <a:srgbClr val="808080"/>
+                </a:solidFill>
+                <a:latin typeface="Consolas" panose="020B0609020204030204" pitchFamily="49" charset="0"/>
+              </a:rPr>
+              <a:t>&lt;</a:t>
+            </a:r>
+            <a:r>
+              <a:rPr lang="en-US" altLang="ko-KR" sz="1400" dirty="0">
+                <a:solidFill>
+                  <a:srgbClr val="569CD6"/>
+                </a:solidFill>
+                <a:latin typeface="Consolas" panose="020B0609020204030204" pitchFamily="49" charset="0"/>
+              </a:rPr>
+              <a:t>div</a:t>
+            </a:r>
+            <a:r>
+              <a:rPr lang="en-US" altLang="ko-KR" sz="1400" dirty="0">
+                <a:solidFill>
+                  <a:srgbClr val="D4D4D4"/>
+                </a:solidFill>
+                <a:latin typeface="Consolas" panose="020B0609020204030204" pitchFamily="49" charset="0"/>
+              </a:rPr>
+              <a:t> </a:t>
+            </a:r>
+            <a:r>
+              <a:rPr lang="en-US" altLang="ko-KR" sz="1400" dirty="0">
+                <a:solidFill>
+                  <a:srgbClr val="9CDCFE"/>
+                </a:solidFill>
+                <a:latin typeface="Consolas" panose="020B0609020204030204" pitchFamily="49" charset="0"/>
+              </a:rPr>
+              <a:t>class</a:t>
+            </a:r>
+            <a:r>
+              <a:rPr lang="en-US" altLang="ko-KR" sz="1400" dirty="0">
+                <a:solidFill>
+                  <a:srgbClr val="D4D4D4"/>
+                </a:solidFill>
+                <a:latin typeface="Consolas" panose="020B0609020204030204" pitchFamily="49" charset="0"/>
+              </a:rPr>
+              <a:t>=</a:t>
+            </a:r>
+            <a:r>
+              <a:rPr lang="en-US" altLang="ko-KR" sz="1400" dirty="0">
+                <a:solidFill>
+                  <a:srgbClr val="CE9178"/>
+                </a:solidFill>
+                <a:latin typeface="Consolas" panose="020B0609020204030204" pitchFamily="49" charset="0"/>
+              </a:rPr>
+              <a:t>"box"</a:t>
+            </a:r>
+            <a:r>
+              <a:rPr lang="en-US" altLang="ko-KR" sz="1400" dirty="0">
+                <a:solidFill>
+                  <a:srgbClr val="808080"/>
+                </a:solidFill>
+                <a:latin typeface="Consolas" panose="020B0609020204030204" pitchFamily="49" charset="0"/>
+              </a:rPr>
+              <a:t>&gt;&lt;/</a:t>
+            </a:r>
+            <a:r>
+              <a:rPr lang="en-US" altLang="ko-KR" sz="1400" dirty="0">
+                <a:solidFill>
+                  <a:srgbClr val="569CD6"/>
+                </a:solidFill>
+                <a:latin typeface="Consolas" panose="020B0609020204030204" pitchFamily="49" charset="0"/>
+              </a:rPr>
+              <a:t>div</a:t>
+            </a:r>
+            <a:r>
+              <a:rPr lang="en-US" altLang="ko-KR" sz="1400" dirty="0">
+                <a:solidFill>
+                  <a:srgbClr val="808080"/>
+                </a:solidFill>
+                <a:latin typeface="Consolas" panose="020B0609020204030204" pitchFamily="49" charset="0"/>
+              </a:rPr>
+              <a:t>&gt;</a:t>
+            </a:r>
+            <a:endParaRPr lang="en-US" altLang="ko-KR" sz="1400" dirty="0">
+              <a:solidFill>
+                <a:srgbClr val="D4D4D4"/>
+              </a:solidFill>
+              <a:latin typeface="Consolas" panose="020B0609020204030204" pitchFamily="49" charset="0"/>
+            </a:endParaRPr>
+          </a:p>
+          <a:p>
+            <a:r>
+              <a:rPr lang="en-US" altLang="ko-KR" sz="1400" dirty="0">
+                <a:solidFill>
+                  <a:srgbClr val="D4D4D4"/>
+                </a:solidFill>
+                <a:latin typeface="Consolas" panose="020B0609020204030204" pitchFamily="49" charset="0"/>
+              </a:rPr>
+              <a:t>    </a:t>
+            </a:r>
+            <a:r>
+              <a:rPr lang="en-US" altLang="ko-KR" sz="1400" dirty="0">
+                <a:solidFill>
+                  <a:srgbClr val="808080"/>
+                </a:solidFill>
+                <a:latin typeface="Consolas" panose="020B0609020204030204" pitchFamily="49" charset="0"/>
+              </a:rPr>
+              <a:t>&lt;</a:t>
+            </a:r>
+            <a:r>
+              <a:rPr lang="en-US" altLang="ko-KR" sz="1400" dirty="0">
+                <a:solidFill>
+                  <a:srgbClr val="569CD6"/>
+                </a:solidFill>
+                <a:latin typeface="Consolas" panose="020B0609020204030204" pitchFamily="49" charset="0"/>
+              </a:rPr>
+              <a:t>div</a:t>
+            </a:r>
+            <a:r>
+              <a:rPr lang="en-US" altLang="ko-KR" sz="1400" dirty="0">
+                <a:solidFill>
+                  <a:srgbClr val="D4D4D4"/>
+                </a:solidFill>
+                <a:latin typeface="Consolas" panose="020B0609020204030204" pitchFamily="49" charset="0"/>
+              </a:rPr>
+              <a:t> </a:t>
+            </a:r>
+            <a:r>
+              <a:rPr lang="en-US" altLang="ko-KR" sz="1400" dirty="0">
+                <a:solidFill>
+                  <a:srgbClr val="9CDCFE"/>
+                </a:solidFill>
+                <a:latin typeface="Consolas" panose="020B0609020204030204" pitchFamily="49" charset="0"/>
+              </a:rPr>
+              <a:t>class</a:t>
+            </a:r>
+            <a:r>
+              <a:rPr lang="en-US" altLang="ko-KR" sz="1400" dirty="0">
+                <a:solidFill>
+                  <a:srgbClr val="D4D4D4"/>
+                </a:solidFill>
+                <a:latin typeface="Consolas" panose="020B0609020204030204" pitchFamily="49" charset="0"/>
+              </a:rPr>
+              <a:t>=</a:t>
+            </a:r>
+            <a:r>
+              <a:rPr lang="en-US" altLang="ko-KR" sz="1400" dirty="0">
+                <a:solidFill>
+                  <a:srgbClr val="CE9178"/>
+                </a:solidFill>
+                <a:latin typeface="Consolas" panose="020B0609020204030204" pitchFamily="49" charset="0"/>
+              </a:rPr>
+              <a:t>"box"</a:t>
+            </a:r>
+            <a:r>
+              <a:rPr lang="en-US" altLang="ko-KR" sz="1400" dirty="0">
+                <a:solidFill>
+                  <a:srgbClr val="808080"/>
+                </a:solidFill>
+                <a:latin typeface="Consolas" panose="020B0609020204030204" pitchFamily="49" charset="0"/>
+              </a:rPr>
+              <a:t>&gt;&lt;/</a:t>
+            </a:r>
+            <a:r>
+              <a:rPr lang="en-US" altLang="ko-KR" sz="1400" dirty="0">
+                <a:solidFill>
+                  <a:srgbClr val="569CD6"/>
+                </a:solidFill>
+                <a:latin typeface="Consolas" panose="020B0609020204030204" pitchFamily="49" charset="0"/>
+              </a:rPr>
+              <a:t>div</a:t>
+            </a:r>
+            <a:r>
+              <a:rPr lang="en-US" altLang="ko-KR" sz="1400" dirty="0">
+                <a:solidFill>
+                  <a:srgbClr val="808080"/>
+                </a:solidFill>
+                <a:latin typeface="Consolas" panose="020B0609020204030204" pitchFamily="49" charset="0"/>
+              </a:rPr>
+              <a:t>&gt;</a:t>
+            </a:r>
+            <a:endParaRPr lang="en-US" altLang="ko-KR" sz="1400" dirty="0">
+              <a:solidFill>
+                <a:srgbClr val="D4D4D4"/>
+              </a:solidFill>
+              <a:latin typeface="Consolas" panose="020B0609020204030204" pitchFamily="49" charset="0"/>
+            </a:endParaRPr>
+          </a:p>
+          <a:p>
+            <a:r>
+              <a:rPr lang="en-US" altLang="ko-KR" sz="1400" dirty="0">
+                <a:solidFill>
+                  <a:srgbClr val="D4D4D4"/>
+                </a:solidFill>
+                <a:latin typeface="Consolas" panose="020B0609020204030204" pitchFamily="49" charset="0"/>
+              </a:rPr>
+              <a:t>    </a:t>
+            </a:r>
+            <a:r>
+              <a:rPr lang="en-US" altLang="ko-KR" sz="1400" dirty="0">
+                <a:solidFill>
+                  <a:srgbClr val="808080"/>
+                </a:solidFill>
+                <a:latin typeface="Consolas" panose="020B0609020204030204" pitchFamily="49" charset="0"/>
+              </a:rPr>
+              <a:t>&lt;</a:t>
+            </a:r>
+            <a:r>
+              <a:rPr lang="en-US" altLang="ko-KR" sz="1400" dirty="0">
+                <a:solidFill>
+                  <a:srgbClr val="569CD6"/>
+                </a:solidFill>
+                <a:latin typeface="Consolas" panose="020B0609020204030204" pitchFamily="49" charset="0"/>
+              </a:rPr>
+              <a:t>div</a:t>
+            </a:r>
+            <a:r>
+              <a:rPr lang="en-US" altLang="ko-KR" sz="1400" dirty="0">
+                <a:solidFill>
+                  <a:srgbClr val="D4D4D4"/>
+                </a:solidFill>
+                <a:latin typeface="Consolas" panose="020B0609020204030204" pitchFamily="49" charset="0"/>
+              </a:rPr>
+              <a:t> </a:t>
+            </a:r>
+            <a:r>
+              <a:rPr lang="en-US" altLang="ko-KR" sz="1400" dirty="0">
+                <a:solidFill>
+                  <a:srgbClr val="9CDCFE"/>
+                </a:solidFill>
+                <a:latin typeface="Consolas" panose="020B0609020204030204" pitchFamily="49" charset="0"/>
+              </a:rPr>
+              <a:t>class</a:t>
+            </a:r>
+            <a:r>
+              <a:rPr lang="en-US" altLang="ko-KR" sz="1400" dirty="0">
+                <a:solidFill>
+                  <a:srgbClr val="D4D4D4"/>
+                </a:solidFill>
+                <a:latin typeface="Consolas" panose="020B0609020204030204" pitchFamily="49" charset="0"/>
+              </a:rPr>
+              <a:t>=</a:t>
+            </a:r>
+            <a:r>
+              <a:rPr lang="en-US" altLang="ko-KR" sz="1400" dirty="0">
+                <a:solidFill>
+                  <a:srgbClr val="CE9178"/>
+                </a:solidFill>
+                <a:latin typeface="Consolas" panose="020B0609020204030204" pitchFamily="49" charset="0"/>
+              </a:rPr>
+              <a:t>"box"</a:t>
+            </a:r>
+            <a:r>
+              <a:rPr lang="en-US" altLang="ko-KR" sz="1400" dirty="0">
+                <a:solidFill>
+                  <a:srgbClr val="808080"/>
+                </a:solidFill>
+                <a:latin typeface="Consolas" panose="020B0609020204030204" pitchFamily="49" charset="0"/>
+              </a:rPr>
+              <a:t>&gt;&lt;/</a:t>
+            </a:r>
+            <a:r>
+              <a:rPr lang="en-US" altLang="ko-KR" sz="1400" dirty="0">
+                <a:solidFill>
+                  <a:srgbClr val="569CD6"/>
+                </a:solidFill>
+                <a:latin typeface="Consolas" panose="020B0609020204030204" pitchFamily="49" charset="0"/>
+              </a:rPr>
+              <a:t>div</a:t>
+            </a:r>
+            <a:r>
+              <a:rPr lang="en-US" altLang="ko-KR" sz="1400" dirty="0">
+                <a:solidFill>
+                  <a:srgbClr val="808080"/>
+                </a:solidFill>
+                <a:latin typeface="Consolas" panose="020B0609020204030204" pitchFamily="49" charset="0"/>
+              </a:rPr>
+              <a:t>&gt;</a:t>
+            </a:r>
+            <a:endParaRPr lang="en-US" altLang="ko-KR" sz="1400" dirty="0">
+              <a:solidFill>
+                <a:srgbClr val="D4D4D4"/>
+              </a:solidFill>
+              <a:latin typeface="Consolas" panose="020B0609020204030204" pitchFamily="49" charset="0"/>
+            </a:endParaRPr>
+          </a:p>
+          <a:p>
+            <a:r>
+              <a:rPr lang="en-US" altLang="ko-KR" sz="1400" dirty="0">
+                <a:solidFill>
+                  <a:srgbClr val="D4D4D4"/>
+                </a:solidFill>
+                <a:latin typeface="Consolas" panose="020B0609020204030204" pitchFamily="49" charset="0"/>
+              </a:rPr>
+              <a:t>    </a:t>
+            </a:r>
+            <a:r>
+              <a:rPr lang="en-US" altLang="ko-KR" sz="1400" dirty="0">
+                <a:solidFill>
+                  <a:srgbClr val="808080"/>
+                </a:solidFill>
+                <a:latin typeface="Consolas" panose="020B0609020204030204" pitchFamily="49" charset="0"/>
+              </a:rPr>
+              <a:t>&lt;</a:t>
+            </a:r>
+            <a:r>
+              <a:rPr lang="en-US" altLang="ko-KR" sz="1400" dirty="0">
+                <a:solidFill>
+                  <a:srgbClr val="569CD6"/>
+                </a:solidFill>
+                <a:latin typeface="Consolas" panose="020B0609020204030204" pitchFamily="49" charset="0"/>
+              </a:rPr>
+              <a:t>div</a:t>
+            </a:r>
+            <a:r>
+              <a:rPr lang="en-US" altLang="ko-KR" sz="1400" dirty="0">
+                <a:solidFill>
+                  <a:srgbClr val="D4D4D4"/>
+                </a:solidFill>
+                <a:latin typeface="Consolas" panose="020B0609020204030204" pitchFamily="49" charset="0"/>
+              </a:rPr>
+              <a:t> </a:t>
+            </a:r>
+            <a:r>
+              <a:rPr lang="en-US" altLang="ko-KR" sz="1400" dirty="0">
+                <a:solidFill>
+                  <a:srgbClr val="9CDCFE"/>
+                </a:solidFill>
+                <a:latin typeface="Consolas" panose="020B0609020204030204" pitchFamily="49" charset="0"/>
+              </a:rPr>
+              <a:t>class</a:t>
+            </a:r>
+            <a:r>
+              <a:rPr lang="en-US" altLang="ko-KR" sz="1400" dirty="0">
+                <a:solidFill>
+                  <a:srgbClr val="D4D4D4"/>
+                </a:solidFill>
+                <a:latin typeface="Consolas" panose="020B0609020204030204" pitchFamily="49" charset="0"/>
+              </a:rPr>
+              <a:t>=</a:t>
+            </a:r>
+            <a:r>
+              <a:rPr lang="en-US" altLang="ko-KR" sz="1400" dirty="0">
+                <a:solidFill>
+                  <a:srgbClr val="CE9178"/>
+                </a:solidFill>
+                <a:latin typeface="Consolas" panose="020B0609020204030204" pitchFamily="49" charset="0"/>
+              </a:rPr>
+              <a:t>"box"</a:t>
+            </a:r>
+            <a:r>
+              <a:rPr lang="en-US" altLang="ko-KR" sz="1400" dirty="0">
+                <a:solidFill>
+                  <a:srgbClr val="808080"/>
+                </a:solidFill>
+                <a:latin typeface="Consolas" panose="020B0609020204030204" pitchFamily="49" charset="0"/>
+              </a:rPr>
+              <a:t>&gt;&lt;/</a:t>
+            </a:r>
+            <a:r>
+              <a:rPr lang="en-US" altLang="ko-KR" sz="1400" dirty="0">
+                <a:solidFill>
+                  <a:srgbClr val="569CD6"/>
+                </a:solidFill>
+                <a:latin typeface="Consolas" panose="020B0609020204030204" pitchFamily="49" charset="0"/>
+              </a:rPr>
+              <a:t>div</a:t>
+            </a:r>
+            <a:r>
+              <a:rPr lang="en-US" altLang="ko-KR" sz="1400" dirty="0">
+                <a:solidFill>
+                  <a:srgbClr val="808080"/>
+                </a:solidFill>
+                <a:latin typeface="Consolas" panose="020B0609020204030204" pitchFamily="49" charset="0"/>
+              </a:rPr>
+              <a:t>&gt;</a:t>
+            </a:r>
+            <a:endParaRPr lang="en-US" altLang="ko-KR" sz="1400" dirty="0">
+              <a:solidFill>
+                <a:srgbClr val="D4D4D4"/>
+              </a:solidFill>
+              <a:latin typeface="Consolas" panose="020B0609020204030204" pitchFamily="49" charset="0"/>
+            </a:endParaRPr>
+          </a:p>
+          <a:p>
+            <a:r>
+              <a:rPr lang="en-US" altLang="ko-KR" sz="1400" dirty="0">
+                <a:solidFill>
+                  <a:srgbClr val="D4D4D4"/>
+                </a:solidFill>
+                <a:latin typeface="Consolas" panose="020B0609020204030204" pitchFamily="49" charset="0"/>
+              </a:rPr>
+              <a:t>    </a:t>
+            </a:r>
+            <a:r>
+              <a:rPr lang="en-US" altLang="ko-KR" sz="1400" dirty="0">
+                <a:solidFill>
+                  <a:srgbClr val="808080"/>
+                </a:solidFill>
+                <a:latin typeface="Consolas" panose="020B0609020204030204" pitchFamily="49" charset="0"/>
+              </a:rPr>
+              <a:t>&lt;</a:t>
+            </a:r>
+            <a:r>
+              <a:rPr lang="en-US" altLang="ko-KR" sz="1400" dirty="0">
+                <a:solidFill>
+                  <a:srgbClr val="569CD6"/>
+                </a:solidFill>
+                <a:latin typeface="Consolas" panose="020B0609020204030204" pitchFamily="49" charset="0"/>
+              </a:rPr>
+              <a:t>div</a:t>
+            </a:r>
+            <a:r>
+              <a:rPr lang="en-US" altLang="ko-KR" sz="1400" dirty="0">
+                <a:solidFill>
+                  <a:srgbClr val="D4D4D4"/>
+                </a:solidFill>
+                <a:latin typeface="Consolas" panose="020B0609020204030204" pitchFamily="49" charset="0"/>
+              </a:rPr>
+              <a:t> </a:t>
+            </a:r>
+            <a:r>
+              <a:rPr lang="en-US" altLang="ko-KR" sz="1400" dirty="0">
+                <a:solidFill>
+                  <a:srgbClr val="9CDCFE"/>
+                </a:solidFill>
+                <a:latin typeface="Consolas" panose="020B0609020204030204" pitchFamily="49" charset="0"/>
+              </a:rPr>
+              <a:t>class</a:t>
+            </a:r>
+            <a:r>
+              <a:rPr lang="en-US" altLang="ko-KR" sz="1400" dirty="0">
+                <a:solidFill>
+                  <a:srgbClr val="D4D4D4"/>
+                </a:solidFill>
+                <a:latin typeface="Consolas" panose="020B0609020204030204" pitchFamily="49" charset="0"/>
+              </a:rPr>
+              <a:t>=</a:t>
+            </a:r>
+            <a:r>
+              <a:rPr lang="en-US" altLang="ko-KR" sz="1400" dirty="0">
+                <a:solidFill>
+                  <a:srgbClr val="CE9178"/>
+                </a:solidFill>
+                <a:latin typeface="Consolas" panose="020B0609020204030204" pitchFamily="49" charset="0"/>
+              </a:rPr>
+              <a:t>"box"</a:t>
+            </a:r>
+            <a:r>
+              <a:rPr lang="en-US" altLang="ko-KR" sz="1400" dirty="0">
+                <a:solidFill>
+                  <a:srgbClr val="808080"/>
+                </a:solidFill>
+                <a:latin typeface="Consolas" panose="020B0609020204030204" pitchFamily="49" charset="0"/>
+              </a:rPr>
+              <a:t>&gt;&lt;/</a:t>
+            </a:r>
+            <a:r>
+              <a:rPr lang="en-US" altLang="ko-KR" sz="1400" dirty="0">
+                <a:solidFill>
+                  <a:srgbClr val="569CD6"/>
+                </a:solidFill>
+                <a:latin typeface="Consolas" panose="020B0609020204030204" pitchFamily="49" charset="0"/>
+              </a:rPr>
+              <a:t>div</a:t>
+            </a:r>
+            <a:r>
+              <a:rPr lang="en-US" altLang="ko-KR" sz="1400" dirty="0">
+                <a:solidFill>
+                  <a:srgbClr val="808080"/>
+                </a:solidFill>
+                <a:latin typeface="Consolas" panose="020B0609020204030204" pitchFamily="49" charset="0"/>
+              </a:rPr>
+              <a:t>&gt;</a:t>
+            </a:r>
+            <a:endParaRPr lang="en-US" altLang="ko-KR" sz="1400" dirty="0">
+              <a:solidFill>
+                <a:srgbClr val="D4D4D4"/>
+              </a:solidFill>
+              <a:latin typeface="Consolas" panose="020B0609020204030204" pitchFamily="49" charset="0"/>
+            </a:endParaRPr>
+          </a:p>
+          <a:p>
+            <a:r>
+              <a:rPr lang="en-US" altLang="ko-KR" sz="1400" dirty="0">
+                <a:solidFill>
+                  <a:srgbClr val="808080"/>
+                </a:solidFill>
+                <a:latin typeface="Consolas" panose="020B0609020204030204" pitchFamily="49" charset="0"/>
+              </a:rPr>
+              <a:t>&lt;/</a:t>
+            </a:r>
+            <a:r>
+              <a:rPr lang="en-US" altLang="ko-KR" sz="1400" dirty="0">
+                <a:solidFill>
+                  <a:srgbClr val="569CD6"/>
+                </a:solidFill>
+                <a:latin typeface="Consolas" panose="020B0609020204030204" pitchFamily="49" charset="0"/>
+              </a:rPr>
+              <a:t>body</a:t>
+            </a:r>
+            <a:r>
+              <a:rPr lang="en-US" altLang="ko-KR" sz="1400" dirty="0">
+                <a:solidFill>
+                  <a:srgbClr val="808080"/>
+                </a:solidFill>
+                <a:latin typeface="Consolas" panose="020B0609020204030204" pitchFamily="49" charset="0"/>
+              </a:rPr>
+              <a:t>&gt;</a:t>
+            </a:r>
+            <a:endParaRPr lang="en-US" altLang="ko-KR" sz="1400" dirty="0">
+              <a:solidFill>
+                <a:srgbClr val="D4D4D4"/>
+              </a:solidFill>
+              <a:latin typeface="Consolas" panose="020B0609020204030204" pitchFamily="49" charset="0"/>
+            </a:endParaRPr>
+          </a:p>
+          <a:p>
+            <a:r>
+              <a:rPr lang="en-US" altLang="ko-KR" sz="1400" dirty="0">
+                <a:solidFill>
+                  <a:srgbClr val="808080"/>
+                </a:solidFill>
+                <a:latin typeface="Consolas" panose="020B0609020204030204" pitchFamily="49" charset="0"/>
+              </a:rPr>
+              <a:t>&lt;/</a:t>
+            </a:r>
+            <a:r>
+              <a:rPr lang="en-US" altLang="ko-KR" sz="1400" dirty="0">
+                <a:solidFill>
+                  <a:srgbClr val="569CD6"/>
+                </a:solidFill>
+                <a:latin typeface="Consolas" panose="020B0609020204030204" pitchFamily="49" charset="0"/>
+              </a:rPr>
+              <a:t>html</a:t>
+            </a:r>
+            <a:r>
+              <a:rPr lang="en-US" altLang="ko-KR" sz="1400" dirty="0">
+                <a:solidFill>
+                  <a:srgbClr val="808080"/>
+                </a:solidFill>
+                <a:latin typeface="Consolas" panose="020B0609020204030204" pitchFamily="49" charset="0"/>
+              </a:rPr>
+              <a:t>&gt;</a:t>
+            </a:r>
+            <a:endParaRPr lang="en-US" altLang="ko-KR" sz="1400" dirty="0">
+              <a:solidFill>
+                <a:srgbClr val="D4D4D4"/>
+              </a:solidFill>
+              <a:latin typeface="Consolas" panose="020B0609020204030204" pitchFamily="49" charset="0"/>
+            </a:endParaRPr>
+          </a:p>
+        </p:txBody>
+      </p:sp>
+      <p:sp>
+        <p:nvSpPr>
+          <p:cNvPr id="4" name="제목 1">
+            <a:extLst>
+              <a:ext uri="{FF2B5EF4-FFF2-40B4-BE49-F238E27FC236}">
+                <a16:creationId xmlns:a16="http://schemas.microsoft.com/office/drawing/2014/main" id="{857A5AC4-1DDC-4E5E-9E0E-A4114457B0BE}"/>
+              </a:ext>
+            </a:extLst>
+          </p:cNvPr>
+          <p:cNvSpPr>
+            <a:spLocks noGrp="1"/>
+          </p:cNvSpPr>
+          <p:nvPr>
+            <p:ph type="ctrTitle"/>
+          </p:nvPr>
+        </p:nvSpPr>
+        <p:spPr>
+          <a:xfrm>
+            <a:off x="3131840" y="17190"/>
+            <a:ext cx="2880320" cy="531490"/>
+          </a:xfrm>
+        </p:spPr>
+        <p:txBody>
+          <a:bodyPr>
+            <a:normAutofit/>
+          </a:bodyPr>
+          <a:lstStyle/>
+          <a:p>
+            <a:r>
+              <a:rPr lang="en-US" altLang="ko-KR" sz="2400" dirty="0">
+                <a:latin typeface="배달의민족 주아" pitchFamily="18" charset="-127"/>
+                <a:ea typeface="배달의민족 주아" pitchFamily="18" charset="-127"/>
+              </a:rPr>
+              <a:t>position : fixed </a:t>
+            </a:r>
+            <a:r>
+              <a:rPr lang="ko-KR" altLang="en-US" sz="2400" dirty="0">
+                <a:latin typeface="배달의민족 주아" pitchFamily="18" charset="-127"/>
+                <a:ea typeface="배달의민족 주아" pitchFamily="18" charset="-127"/>
+              </a:rPr>
+              <a:t>예제</a:t>
+            </a:r>
+          </a:p>
+        </p:txBody>
+      </p:sp>
+    </p:spTree>
+    <p:extLst>
+      <p:ext uri="{BB962C8B-B14F-4D97-AF65-F5344CB8AC3E}">
+        <p14:creationId xmlns:p14="http://schemas.microsoft.com/office/powerpoint/2010/main" val="169916177"/>
+      </p:ext>
+    </p:extLst>
+  </p:cSld>
+  <p:clrMapOvr>
+    <a:masterClrMapping/>
+  </p:clrMapOvr>
+</p:sld>
+</file>
+
+<file path=ppt/slides/slide14.xml><?xml version="1.0" encoding="utf-8"?>
+<p:sld xmlns:a="http://schemas.openxmlformats.org/drawingml/2006/main" xmlns:r="http://schemas.openxmlformats.org/officeDocument/2006/relationships" xmlns:p="http://schemas.openxmlformats.org/presentationml/2006/main">
+  <p:cSld>
+    <p:spTree>
+      <p:nvGrpSpPr>
+        <p:cNvPr id="1" name=""/>
+        <p:cNvGrpSpPr/>
+        <p:nvPr/>
+      </p:nvGrpSpPr>
+      <p:grpSpPr>
+        <a:xfrm>
+          <a:off x="0" y="0"/>
+          <a:ext cx="0" cy="0"/>
+          <a:chOff x="0" y="0"/>
+          <a:chExt cx="0" cy="0"/>
+        </a:xfrm>
+      </p:grpSpPr>
+      <p:sp>
+        <p:nvSpPr>
+          <p:cNvPr id="4" name="제목 1">
+            <a:extLst>
+              <a:ext uri="{FF2B5EF4-FFF2-40B4-BE49-F238E27FC236}">
+                <a16:creationId xmlns:a16="http://schemas.microsoft.com/office/drawing/2014/main" id="{857A5AC4-1DDC-4E5E-9E0E-A4114457B0BE}"/>
+              </a:ext>
+            </a:extLst>
+          </p:cNvPr>
+          <p:cNvSpPr>
+            <a:spLocks noGrp="1"/>
+          </p:cNvSpPr>
+          <p:nvPr>
+            <p:ph type="ctrTitle"/>
+          </p:nvPr>
+        </p:nvSpPr>
+        <p:spPr>
+          <a:xfrm>
+            <a:off x="3131840" y="17190"/>
+            <a:ext cx="2880320" cy="531490"/>
+          </a:xfrm>
+        </p:spPr>
+        <p:txBody>
+          <a:bodyPr>
+            <a:normAutofit/>
+          </a:bodyPr>
+          <a:lstStyle/>
+          <a:p>
+            <a:r>
+              <a:rPr lang="en-US" altLang="ko-KR" sz="2400" dirty="0">
+                <a:latin typeface="배달의민족 주아" pitchFamily="18" charset="-127"/>
+                <a:ea typeface="배달의민족 주아" pitchFamily="18" charset="-127"/>
+              </a:rPr>
+              <a:t>position : fixed </a:t>
+            </a:r>
+            <a:r>
+              <a:rPr lang="ko-KR" altLang="en-US" sz="2400" dirty="0">
+                <a:latin typeface="배달의민족 주아" pitchFamily="18" charset="-127"/>
+                <a:ea typeface="배달의민족 주아" pitchFamily="18" charset="-127"/>
+              </a:rPr>
+              <a:t>예제</a:t>
+            </a:r>
+          </a:p>
+        </p:txBody>
+      </p:sp>
+      <p:pic>
+        <p:nvPicPr>
+          <p:cNvPr id="6" name="그림 5">
+            <a:extLst>
+              <a:ext uri="{FF2B5EF4-FFF2-40B4-BE49-F238E27FC236}">
+                <a16:creationId xmlns:a16="http://schemas.microsoft.com/office/drawing/2014/main" id="{39CFFCEB-542D-45B9-882E-CE98422EB9E9}"/>
+              </a:ext>
+            </a:extLst>
+          </p:cNvPr>
+          <p:cNvPicPr>
+            <a:picLocks noChangeAspect="1"/>
+          </p:cNvPicPr>
+          <p:nvPr/>
+        </p:nvPicPr>
+        <p:blipFill>
+          <a:blip r:embed="rId2"/>
+          <a:stretch>
+            <a:fillRect/>
+          </a:stretch>
+        </p:blipFill>
+        <p:spPr>
+          <a:xfrm>
+            <a:off x="722086" y="620688"/>
+            <a:ext cx="7699828" cy="5965396"/>
+          </a:xfrm>
+          <a:prstGeom prst="rect">
+            <a:avLst/>
+          </a:prstGeom>
+        </p:spPr>
+      </p:pic>
+    </p:spTree>
+    <p:extLst>
+      <p:ext uri="{BB962C8B-B14F-4D97-AF65-F5344CB8AC3E}">
+        <p14:creationId xmlns:p14="http://schemas.microsoft.com/office/powerpoint/2010/main" val="1038801258"/>
+      </p:ext>
+    </p:extLst>
+  </p:cSld>
+  <p:clrMapOvr>
+    <a:masterClrMapping/>
+  </p:clrMapOvr>
+</p:sld>
+</file>
+
+<file path=ppt/slides/slide15.xml><?xml version="1.0" encoding="utf-8"?>
+<p:sld xmlns:a="http://schemas.openxmlformats.org/drawingml/2006/main" xmlns:r="http://schemas.openxmlformats.org/officeDocument/2006/relationships" xmlns:p="http://schemas.openxmlformats.org/presentationml/2006/main">
+  <p:cSld>
+    <p:spTree>
+      <p:nvGrpSpPr>
+        <p:cNvPr id="1" name=""/>
+        <p:cNvGrpSpPr/>
+        <p:nvPr/>
+      </p:nvGrpSpPr>
+      <p:grpSpPr>
+        <a:xfrm>
+          <a:off x="0" y="0"/>
+          <a:ext cx="0" cy="0"/>
+          <a:chOff x="0" y="0"/>
+          <a:chExt cx="0" cy="0"/>
+        </a:xfrm>
+      </p:grpSpPr>
+      <p:sp>
+        <p:nvSpPr>
+          <p:cNvPr id="2" name="제목 1"/>
+          <p:cNvSpPr>
+            <a:spLocks noGrp="1"/>
+          </p:cNvSpPr>
+          <p:nvPr>
+            <p:ph type="ctrTitle"/>
+          </p:nvPr>
+        </p:nvSpPr>
+        <p:spPr/>
+        <p:txBody>
+          <a:bodyPr/>
+          <a:lstStyle/>
+          <a:p>
+            <a:r>
+              <a:rPr lang="en-US" altLang="ko-KR" dirty="0">
+                <a:latin typeface="배달의민족 주아" pitchFamily="18" charset="-127"/>
+                <a:ea typeface="배달의민족 주아" pitchFamily="18" charset="-127"/>
+              </a:rPr>
+              <a:t>position : absolute</a:t>
+            </a:r>
+            <a:endParaRPr lang="ko-KR" altLang="en-US" dirty="0">
+              <a:latin typeface="배달의민족 주아" pitchFamily="18" charset="-127"/>
+              <a:ea typeface="배달의민족 주아" pitchFamily="18" charset="-127"/>
+            </a:endParaRPr>
+          </a:p>
+        </p:txBody>
+      </p:sp>
+      <p:sp>
+        <p:nvSpPr>
+          <p:cNvPr id="3" name="TextBox 2"/>
+          <p:cNvSpPr txBox="1"/>
+          <p:nvPr/>
+        </p:nvSpPr>
+        <p:spPr>
+          <a:xfrm>
+            <a:off x="6948264" y="6093296"/>
+            <a:ext cx="1838965" cy="369332"/>
+          </a:xfrm>
+          <a:prstGeom prst="rect">
+            <a:avLst/>
+          </a:prstGeom>
+          <a:noFill/>
+        </p:spPr>
+        <p:txBody>
+          <a:bodyPr wrap="none" rtlCol="0">
+            <a:spAutoFit/>
+          </a:bodyPr>
+          <a:lstStyle>
+            <a:defPPr>
+              <a:defRPr lang="ko-KR"/>
+            </a:defPPr>
+            <a:lvl1pPr marL="0" algn="l" defTabSz="914400" rtl="0" eaLnBrk="1" latinLnBrk="1" hangingPunct="1">
+              <a:defRPr sz="1800" kern="1200">
+                <a:solidFill>
+                  <a:schemeClr val="tx1"/>
+                </a:solidFill>
+                <a:latin typeface="+mn-lt"/>
+                <a:ea typeface="+mn-ea"/>
+                <a:cs typeface="+mn-cs"/>
+              </a:defRPr>
+            </a:lvl1pPr>
+            <a:lvl2pPr marL="457200" algn="l" defTabSz="914400" rtl="0" eaLnBrk="1" latinLnBrk="1" hangingPunct="1">
+              <a:defRPr sz="1800" kern="1200">
+                <a:solidFill>
+                  <a:schemeClr val="tx1"/>
+                </a:solidFill>
+                <a:latin typeface="+mn-lt"/>
+                <a:ea typeface="+mn-ea"/>
+                <a:cs typeface="+mn-cs"/>
+              </a:defRPr>
+            </a:lvl2pPr>
+            <a:lvl3pPr marL="914400" algn="l" defTabSz="914400" rtl="0" eaLnBrk="1" latinLnBrk="1" hangingPunct="1">
+              <a:defRPr sz="1800" kern="1200">
+                <a:solidFill>
+                  <a:schemeClr val="tx1"/>
+                </a:solidFill>
+                <a:latin typeface="+mn-lt"/>
+                <a:ea typeface="+mn-ea"/>
+                <a:cs typeface="+mn-cs"/>
+              </a:defRPr>
+            </a:lvl3pPr>
+            <a:lvl4pPr marL="1371600" algn="l" defTabSz="914400" rtl="0" eaLnBrk="1" latinLnBrk="1" hangingPunct="1">
+              <a:defRPr sz="1800" kern="1200">
+                <a:solidFill>
+                  <a:schemeClr val="tx1"/>
+                </a:solidFill>
+                <a:latin typeface="+mn-lt"/>
+                <a:ea typeface="+mn-ea"/>
+                <a:cs typeface="+mn-cs"/>
+              </a:defRPr>
+            </a:lvl4pPr>
+            <a:lvl5pPr marL="1828800" algn="l" defTabSz="914400" rtl="0" eaLnBrk="1" latinLnBrk="1" hangingPunct="1">
+              <a:defRPr sz="1800" kern="1200">
+                <a:solidFill>
+                  <a:schemeClr val="tx1"/>
+                </a:solidFill>
+                <a:latin typeface="+mn-lt"/>
+                <a:ea typeface="+mn-ea"/>
+                <a:cs typeface="+mn-cs"/>
+              </a:defRPr>
+            </a:lvl5pPr>
+            <a:lvl6pPr marL="2286000" algn="l" defTabSz="914400" rtl="0" eaLnBrk="1" latinLnBrk="1" hangingPunct="1">
+              <a:defRPr sz="1800" kern="1200">
+                <a:solidFill>
+                  <a:schemeClr val="tx1"/>
+                </a:solidFill>
+                <a:latin typeface="+mn-lt"/>
+                <a:ea typeface="+mn-ea"/>
+                <a:cs typeface="+mn-cs"/>
+              </a:defRPr>
+            </a:lvl6pPr>
+            <a:lvl7pPr marL="2743200" algn="l" defTabSz="914400" rtl="0" eaLnBrk="1" latinLnBrk="1" hangingPunct="1">
+              <a:defRPr sz="1800" kern="1200">
+                <a:solidFill>
+                  <a:schemeClr val="tx1"/>
+                </a:solidFill>
+                <a:latin typeface="+mn-lt"/>
+                <a:ea typeface="+mn-ea"/>
+                <a:cs typeface="+mn-cs"/>
+              </a:defRPr>
+            </a:lvl7pPr>
+            <a:lvl8pPr marL="3200400" algn="l" defTabSz="914400" rtl="0" eaLnBrk="1" latinLnBrk="1" hangingPunct="1">
+              <a:defRPr sz="1800" kern="1200">
+                <a:solidFill>
+                  <a:schemeClr val="tx1"/>
+                </a:solidFill>
+                <a:latin typeface="+mn-lt"/>
+                <a:ea typeface="+mn-ea"/>
+                <a:cs typeface="+mn-cs"/>
+              </a:defRPr>
+            </a:lvl8pPr>
+            <a:lvl9pPr marL="3657600" algn="l" defTabSz="914400" rtl="0" eaLnBrk="1" latinLnBrk="1" hangingPunct="1">
+              <a:defRPr sz="1800" kern="1200">
+                <a:solidFill>
+                  <a:schemeClr val="tx1"/>
+                </a:solidFill>
+                <a:latin typeface="+mn-lt"/>
+                <a:ea typeface="+mn-ea"/>
+                <a:cs typeface="+mn-cs"/>
+              </a:defRPr>
+            </a:lvl9pPr>
+          </a:lstStyle>
+          <a:p>
+            <a:r>
+              <a:rPr lang="en-US" altLang="ko-KR" dirty="0">
+                <a:solidFill>
+                  <a:schemeClr val="accent5"/>
+                </a:solidFill>
+                <a:latin typeface="배달의민족 도현" pitchFamily="50" charset="-127"/>
+                <a:ea typeface="배달의민족 도현" pitchFamily="50" charset="-127"/>
+              </a:rPr>
+              <a:t>S</a:t>
+            </a:r>
+            <a:r>
+              <a:rPr lang="en-US" altLang="ko-KR" dirty="0">
+                <a:latin typeface="배달의민족 도현" pitchFamily="50" charset="-127"/>
+                <a:ea typeface="배달의민족 도현" pitchFamily="50" charset="-127"/>
+              </a:rPr>
+              <a:t>TART</a:t>
+            </a:r>
+            <a:r>
+              <a:rPr lang="en-US" altLang="ko-KR" dirty="0">
+                <a:solidFill>
+                  <a:schemeClr val="accent5"/>
+                </a:solidFill>
+                <a:latin typeface="배달의민족 도현" pitchFamily="50" charset="-127"/>
+                <a:ea typeface="배달의민족 도현" pitchFamily="50" charset="-127"/>
+              </a:rPr>
+              <a:t>C</a:t>
+            </a:r>
+            <a:r>
+              <a:rPr lang="en-US" altLang="ko-KR" dirty="0">
+                <a:latin typeface="배달의민족 도현" pitchFamily="50" charset="-127"/>
+                <a:ea typeface="배달의민족 도현" pitchFamily="50" charset="-127"/>
+              </a:rPr>
+              <a:t>ODING</a:t>
+            </a:r>
+            <a:endParaRPr lang="ko-KR" altLang="en-US" dirty="0">
+              <a:latin typeface="배달의민족 도현" pitchFamily="50" charset="-127"/>
+              <a:ea typeface="배달의민족 도현" pitchFamily="50" charset="-127"/>
+            </a:endParaRPr>
+          </a:p>
+        </p:txBody>
+      </p:sp>
+      <p:sp>
+        <p:nvSpPr>
+          <p:cNvPr id="4" name="제목 1"/>
+          <p:cNvSpPr txBox="1">
+            <a:spLocks/>
+          </p:cNvSpPr>
+          <p:nvPr/>
+        </p:nvSpPr>
+        <p:spPr>
+          <a:xfrm>
+            <a:off x="755575" y="3573016"/>
+            <a:ext cx="8031653" cy="1080120"/>
+          </a:xfrm>
+          <a:prstGeom prst="rect">
+            <a:avLst/>
+          </a:prstGeom>
+        </p:spPr>
+        <p:txBody>
+          <a:bodyPr vert="horz" lIns="91440" tIns="45720" rIns="91440" bIns="45720" rtlCol="0" anchor="ctr">
+            <a:normAutofit fontScale="85000" lnSpcReduction="20000"/>
+          </a:bodyPr>
+          <a:lstStyle>
+            <a:lvl1pPr algn="ctr" defTabSz="914400" rtl="0" eaLnBrk="1" latinLnBrk="1" hangingPunct="1">
+              <a:spcBef>
+                <a:spcPct val="0"/>
+              </a:spcBef>
+              <a:buNone/>
+              <a:defRPr sz="4400" kern="1200">
+                <a:solidFill>
+                  <a:schemeClr val="tx1"/>
+                </a:solidFill>
+                <a:latin typeface="+mj-lt"/>
+                <a:ea typeface="+mj-ea"/>
+                <a:cs typeface="+mj-cs"/>
+              </a:defRPr>
+            </a:lvl1pPr>
+          </a:lstStyle>
+          <a:p>
+            <a:r>
+              <a:rPr lang="en-US" altLang="ko-KR" sz="2800" dirty="0">
+                <a:solidFill>
+                  <a:schemeClr val="accent5"/>
+                </a:solidFill>
+                <a:latin typeface="배달의민족 주아" pitchFamily="18" charset="-127"/>
+                <a:ea typeface="배달의민족 주아" pitchFamily="18" charset="-127"/>
+              </a:rPr>
+              <a:t>relative, absolute, fixed </a:t>
+            </a:r>
+            <a:r>
+              <a:rPr lang="ko-KR" altLang="en-US" sz="2800" dirty="0">
+                <a:solidFill>
+                  <a:schemeClr val="accent5"/>
+                </a:solidFill>
+                <a:latin typeface="배달의민족 주아" pitchFamily="18" charset="-127"/>
+                <a:ea typeface="배달의민족 주아" pitchFamily="18" charset="-127"/>
+              </a:rPr>
+              <a:t>가 선언되어 있는 상위태그를 기준으로 </a:t>
+            </a:r>
+            <a:endParaRPr lang="en-US" altLang="ko-KR" sz="2800" dirty="0">
+              <a:solidFill>
+                <a:schemeClr val="accent5"/>
+              </a:solidFill>
+              <a:latin typeface="배달의민족 주아" pitchFamily="18" charset="-127"/>
+              <a:ea typeface="배달의민족 주아" pitchFamily="18" charset="-127"/>
+            </a:endParaRPr>
+          </a:p>
+          <a:p>
+            <a:r>
+              <a:rPr lang="ko-KR" altLang="en-US" sz="2800" dirty="0">
+                <a:latin typeface="배달의민족 주아" pitchFamily="18" charset="-127"/>
+                <a:ea typeface="배달의민족 주아" pitchFamily="18" charset="-127"/>
+              </a:rPr>
+              <a:t>좌표속성을 사용하여 위치를 이동시킨다</a:t>
+            </a:r>
+            <a:r>
+              <a:rPr lang="en-US" altLang="ko-KR" sz="2800" dirty="0">
+                <a:latin typeface="배달의민족 주아" pitchFamily="18" charset="-127"/>
+                <a:ea typeface="배달의민족 주아" pitchFamily="18" charset="-127"/>
+              </a:rPr>
+              <a:t>. </a:t>
+            </a:r>
+          </a:p>
+          <a:p>
+            <a:r>
+              <a:rPr lang="en-US" altLang="ko-KR" sz="2800" dirty="0">
+                <a:latin typeface="배달의민족 주아" pitchFamily="18" charset="-127"/>
+                <a:ea typeface="배달의민족 주아" pitchFamily="18" charset="-127"/>
+              </a:rPr>
+              <a:t>(top, bottom, left, right)</a:t>
+            </a:r>
+          </a:p>
+        </p:txBody>
+      </p:sp>
+    </p:spTree>
+    <p:extLst>
+      <p:ext uri="{BB962C8B-B14F-4D97-AF65-F5344CB8AC3E}">
+        <p14:creationId xmlns:p14="http://schemas.microsoft.com/office/powerpoint/2010/main" val="577416600"/>
+      </p:ext>
+    </p:extLst>
+  </p:cSld>
+  <p:clrMapOvr>
+    <a:masterClrMapping/>
+  </p:clrMapOvr>
+  <p:timing>
+    <p:tnLst>
+      <p:par>
+        <p:cTn id="1" dur="indefinite" restart="never" nodeType="tmRoot">
+          <p:childTnLst>
+            <p:seq concurrent="1" nextAc="seek">
+              <p:cTn id="2" dur="indefinite" nodeType="mainSeq">
+                <p:childTnLst>
+                  <p:par>
+                    <p:cTn id="3" fill="hold">
+                      <p:stCondLst>
+                        <p:cond delay="indefinite"/>
+                      </p:stCondLst>
+                      <p:childTnLst>
+                        <p:par>
+                          <p:cTn id="4" fill="hold">
+                            <p:stCondLst>
+                              <p:cond delay="0"/>
+                            </p:stCondLst>
+                            <p:childTnLst>
+                              <p:par>
+                                <p:cTn id="5" presetID="10" presetClass="entr" presetSubtype="0" fill="hold" grpId="0" nodeType="clickEffect">
+                                  <p:stCondLst>
+                                    <p:cond delay="0"/>
+                                  </p:stCondLst>
+                                  <p:childTnLst>
+                                    <p:set>
+                                      <p:cBhvr>
+                                        <p:cTn id="6" dur="1" fill="hold">
+                                          <p:stCondLst>
+                                            <p:cond delay="0"/>
+                                          </p:stCondLst>
+                                        </p:cTn>
+                                        <p:tgtEl>
+                                          <p:spTgt spid="4"/>
+                                        </p:tgtEl>
+                                        <p:attrNameLst>
+                                          <p:attrName>style.visibility</p:attrName>
+                                        </p:attrNameLst>
+                                      </p:cBhvr>
+                                      <p:to>
+                                        <p:strVal val="visible"/>
+                                      </p:to>
+                                    </p:set>
+                                    <p:animEffect transition="in" filter="fade">
+                                      <p:cBhvr>
+                                        <p:cTn id="7" dur="500"/>
+                                        <p:tgtEl>
+                                          <p:spTgt spid="4"/>
+                                        </p:tgtEl>
+                                      </p:cBhvr>
+                                    </p:animEffect>
+                                  </p:childTnLst>
+                                </p:cTn>
+                              </p:par>
+                            </p:childTnLst>
+                          </p:cTn>
+                        </p:par>
+                      </p:childTnLst>
+                    </p:cTn>
+                  </p:par>
+                </p:childTnLst>
+              </p:cTn>
+              <p:prevCondLst>
+                <p:cond evt="onPrev" delay="0">
+                  <p:tgtEl>
+                    <p:sldTgt/>
+                  </p:tgtEl>
+                </p:cond>
+              </p:prevCondLst>
+              <p:nextCondLst>
+                <p:cond evt="onNext" delay="0">
+                  <p:tgtEl>
+                    <p:sldTgt/>
+                  </p:tgtEl>
+                </p:cond>
+              </p:nextCondLst>
+            </p:seq>
+          </p:childTnLst>
+        </p:cTn>
+      </p:par>
+    </p:tnLst>
+    <p:bldLst>
+      <p:bldP spid="4" grpId="0"/>
+    </p:bldLst>
+  </p:timing>
+</p:sld>
+</file>
+
+<file path=ppt/slides/slide16.xml><?xml version="1.0" encoding="utf-8"?>
 <p:sld xmlns:a="http://schemas.openxmlformats.org/drawingml/2006/main" xmlns:r="http://schemas.openxmlformats.org/officeDocument/2006/relationships" xmlns:p="http://schemas.openxmlformats.org/presentationml/2006/main">
   <p:cSld>
     <p:spTree>
@@ -3403,16 +6640,12 @@
           </a:lstStyle>
           <a:p>
             <a:r>
-              <a:rPr lang="ko-KR" altLang="en-US" dirty="0" smtClean="0">
+              <a:rPr lang="ko-KR" altLang="en-US" dirty="0">
                 <a:latin typeface="배달의민족 주아" pitchFamily="18" charset="-127"/>
                 <a:ea typeface="배달의민족 주아" pitchFamily="18" charset="-127"/>
               </a:rPr>
               <a:t>감사합니다</a:t>
             </a:r>
-            <a:endParaRPr lang="ko-KR" altLang="en-US" dirty="0">
-              <a:latin typeface="배달의민족 주아" pitchFamily="18" charset="-127"/>
-              <a:ea typeface="배달의민족 주아" pitchFamily="18" charset="-127"/>
-            </a:endParaRPr>
           </a:p>
         </p:txBody>
       </p:sp>
@@ -3533,7 +6766,7 @@
           </a:lstStyle>
           <a:p>
             <a:r>
-              <a:rPr lang="en-US" altLang="ko-KR" dirty="0" smtClean="0">
+              <a:rPr lang="en-US" altLang="ko-KR" dirty="0">
                 <a:solidFill>
                   <a:schemeClr val="accent5"/>
                 </a:solidFill>
@@ -3543,14 +6776,14 @@
               <a:t>S</a:t>
             </a:r>
             <a:r>
-              <a:rPr lang="en-US" altLang="ko-KR" dirty="0" smtClean="0">
+              <a:rPr lang="en-US" altLang="ko-KR" dirty="0">
                 <a:latin typeface="배달의민족 도현" pitchFamily="50" charset="-127"/>
                 <a:ea typeface="배달의민족 도현" pitchFamily="50" charset="-127"/>
               </a:rPr>
               <a:t>TART</a:t>
             </a:r>
             <a:r>
-              <a:rPr lang="en-US" altLang="ko-KR" dirty="0" smtClean="0">
+              <a:rPr lang="en-US" altLang="ko-KR" dirty="0">
                 <a:solidFill>
                   <a:schemeClr val="accent5"/>
                 </a:solidFill>
@@ -3560,7 +6793,7 @@
               <a:t>C</a:t>
             </a:r>
             <a:r>
-              <a:rPr lang="en-US" altLang="ko-KR" dirty="0" smtClean="0">
+              <a:rPr lang="en-US" altLang="ko-KR" dirty="0">
                 <a:latin typeface="배달의민족 도현" pitchFamily="50" charset="-127"/>
                 <a:ea typeface="배달의민족 도현" pitchFamily="50" charset="-127"/>
               </a:rPr>
@@ -3583,13 +6816,6 @@
   <p:clrMapOvr>
     <a:masterClrMapping/>
   </p:clrMapOvr>
-  <p:timing>
-    <p:tnLst>
-      <p:par>
-        <p:cTn id="1" dur="indefinite" restart="never" nodeType="tmRoot"/>
-      </p:par>
-    </p:tnLst>
-  </p:timing>
 </p:sld>
 </file>
 
@@ -3620,7 +6846,12 @@
             <p:ph type="ctrTitle"/>
           </p:nvPr>
         </p:nvSpPr>
-        <p:spPr/>
+        <p:spPr>
+          <a:xfrm>
+            <a:off x="685800" y="2679055"/>
+            <a:ext cx="7772400" cy="1470025"/>
+          </a:xfrm>
+        </p:spPr>
         <p:txBody>
           <a:bodyPr/>
           <a:lstStyle/>
@@ -3633,16 +6864,12 @@
               <a:t> </a:t>
             </a:r>
             <a:r>
-              <a:rPr lang="ko-KR" altLang="en-US" dirty="0" smtClean="0">
+              <a:rPr lang="ko-KR" altLang="en-US" dirty="0">
                 <a:latin typeface="배달의민족 주아" pitchFamily="18" charset="-127"/>
                 <a:ea typeface="배달의민족 주아" pitchFamily="18" charset="-127"/>
               </a:rPr>
               <a:t>박스들을 원하는 곳에 배치하자</a:t>
             </a:r>
-            <a:endParaRPr lang="ko-KR" altLang="en-US" dirty="0">
-              <a:latin typeface="배달의민족 주아" pitchFamily="18" charset="-127"/>
-              <a:ea typeface="배달의민족 주아" pitchFamily="18" charset="-127"/>
-            </a:endParaRPr>
           </a:p>
         </p:txBody>
       </p:sp>
@@ -3763,7 +6990,7 @@
           </a:lstStyle>
           <a:p>
             <a:r>
-              <a:rPr lang="en-US" altLang="ko-KR" dirty="0" smtClean="0">
+              <a:rPr lang="en-US" altLang="ko-KR" dirty="0">
                 <a:solidFill>
                   <a:schemeClr val="accent5"/>
                 </a:solidFill>
@@ -3773,14 +7000,14 @@
               <a:t>S</a:t>
             </a:r>
             <a:r>
-              <a:rPr lang="en-US" altLang="ko-KR" dirty="0" smtClean="0">
+              <a:rPr lang="en-US" altLang="ko-KR" dirty="0">
                 <a:latin typeface="배달의민족 도현" pitchFamily="50" charset="-127"/>
                 <a:ea typeface="배달의민족 도현" pitchFamily="50" charset="-127"/>
               </a:rPr>
               <a:t>TART</a:t>
             </a:r>
             <a:r>
-              <a:rPr lang="en-US" altLang="ko-KR" dirty="0" smtClean="0">
+              <a:rPr lang="en-US" altLang="ko-KR" dirty="0">
                 <a:solidFill>
                   <a:schemeClr val="accent5"/>
                 </a:solidFill>
@@ -3790,7 +7017,7 @@
               <a:t>C</a:t>
             </a:r>
             <a:r>
-              <a:rPr lang="en-US" altLang="ko-KR" dirty="0" smtClean="0">
+              <a:rPr lang="en-US" altLang="ko-KR" dirty="0">
                 <a:latin typeface="배달의민족 도현" pitchFamily="50" charset="-127"/>
                 <a:ea typeface="배달의민족 도현" pitchFamily="50" charset="-127"/>
               </a:rPr>
@@ -3813,13 +7040,6 @@
   <p:clrMapOvr>
     <a:masterClrMapping/>
   </p:clrMapOvr>
-  <p:timing>
-    <p:tnLst>
-      <p:par>
-        <p:cTn id="1" dur="indefinite" restart="never" nodeType="tmRoot"/>
-      </p:par>
-    </p:tnLst>
-  </p:timing>
 </p:sld>
 </file>
 
@@ -3879,7 +7099,7 @@
           </a:lstStyle>
           <a:p>
             <a:r>
-              <a:rPr lang="en-US" altLang="ko-KR" sz="3600" dirty="0" smtClean="0">
+              <a:rPr lang="en-US" altLang="ko-KR" sz="3600" dirty="0">
                 <a:latin typeface="배달의민족 주아" pitchFamily="18" charset="-127"/>
                 <a:ea typeface="배달의민족 주아" pitchFamily="18" charset="-127"/>
               </a:rPr>
@@ -3888,7 +7108,7 @@
           </a:p>
           <a:p>
             <a:r>
-              <a:rPr lang="en-US" altLang="ko-KR" sz="3600" dirty="0" smtClean="0">
+              <a:rPr lang="en-US" altLang="ko-KR" sz="3600" dirty="0">
                 <a:latin typeface="배달의민족 주아" pitchFamily="18" charset="-127"/>
                 <a:ea typeface="배달의민족 주아" pitchFamily="18" charset="-127"/>
               </a:rPr>
@@ -3897,20 +7117,20 @@
           </a:p>
           <a:p>
             <a:r>
-              <a:rPr lang="en-US" altLang="ko-KR" sz="3600" dirty="0" smtClean="0">
+              <a:rPr lang="en-US" altLang="ko-KR" sz="3600" dirty="0">
                 <a:latin typeface="배달의민족 주아" pitchFamily="18" charset="-127"/>
                 <a:ea typeface="배달의민족 주아" pitchFamily="18" charset="-127"/>
               </a:rPr>
-              <a:t>position : absolute</a:t>
-            </a:r>
-          </a:p>
-          <a:p>
-            <a:r>
-              <a:rPr lang="en-US" altLang="ko-KR" sz="3600" dirty="0" smtClean="0">
+              <a:t>position : fixed</a:t>
+            </a:r>
+          </a:p>
+          <a:p>
+            <a:r>
+              <a:rPr lang="en-US" altLang="ko-KR" sz="3600" dirty="0">
                 <a:latin typeface="배달의민족 주아" pitchFamily="18" charset="-127"/>
                 <a:ea typeface="배달의민족 주아" pitchFamily="18" charset="-127"/>
               </a:rPr>
-              <a:t>position : fixed</a:t>
+              <a:t>position : absolute</a:t>
             </a:r>
           </a:p>
         </p:txBody>
@@ -4032,7 +7252,7 @@
           </a:lstStyle>
           <a:p>
             <a:r>
-              <a:rPr lang="en-US" altLang="ko-KR" dirty="0" smtClean="0">
+              <a:rPr lang="en-US" altLang="ko-KR" dirty="0">
                 <a:solidFill>
                   <a:schemeClr val="accent5"/>
                 </a:solidFill>
@@ -4042,14 +7262,14 @@
               <a:t>S</a:t>
             </a:r>
             <a:r>
-              <a:rPr lang="en-US" altLang="ko-KR" dirty="0" smtClean="0">
+              <a:rPr lang="en-US" altLang="ko-KR" dirty="0">
                 <a:latin typeface="배달의민족 도현" pitchFamily="50" charset="-127"/>
                 <a:ea typeface="배달의민족 도현" pitchFamily="50" charset="-127"/>
               </a:rPr>
               <a:t>TART</a:t>
             </a:r>
             <a:r>
-              <a:rPr lang="en-US" altLang="ko-KR" dirty="0" smtClean="0">
+              <a:rPr lang="en-US" altLang="ko-KR" dirty="0">
                 <a:solidFill>
                   <a:schemeClr val="accent5"/>
                 </a:solidFill>
@@ -4059,7 +7279,7 @@
               <a:t>C</a:t>
             </a:r>
             <a:r>
-              <a:rPr lang="en-US" altLang="ko-KR" dirty="0" smtClean="0">
+              <a:rPr lang="en-US" altLang="ko-KR" dirty="0">
                 <a:latin typeface="배달의민족 도현" pitchFamily="50" charset="-127"/>
                 <a:ea typeface="배달의민족 도현" pitchFamily="50" charset="-127"/>
               </a:rPr>
@@ -4204,7 +7424,7 @@
           <a:lstStyle/>
           <a:p>
             <a:r>
-              <a:rPr lang="en-US" altLang="ko-KR" dirty="0" smtClean="0">
+              <a:rPr lang="en-US" altLang="ko-KR" dirty="0">
                 <a:latin typeface="배달의민족 주아" pitchFamily="18" charset="-127"/>
                 <a:ea typeface="배달의민족 주아" pitchFamily="18" charset="-127"/>
               </a:rPr>
@@ -4334,7 +7554,7 @@
           </a:lstStyle>
           <a:p>
             <a:r>
-              <a:rPr lang="en-US" altLang="ko-KR" dirty="0" smtClean="0">
+              <a:rPr lang="en-US" altLang="ko-KR" dirty="0">
                 <a:solidFill>
                   <a:schemeClr val="accent5"/>
                 </a:solidFill>
@@ -4344,14 +7564,14 @@
               <a:t>S</a:t>
             </a:r>
             <a:r>
-              <a:rPr lang="en-US" altLang="ko-KR" dirty="0" smtClean="0">
+              <a:rPr lang="en-US" altLang="ko-KR" dirty="0">
                 <a:latin typeface="배달의민족 도현" pitchFamily="50" charset="-127"/>
                 <a:ea typeface="배달의민족 도현" pitchFamily="50" charset="-127"/>
               </a:rPr>
               <a:t>TART</a:t>
             </a:r>
             <a:r>
-              <a:rPr lang="en-US" altLang="ko-KR" dirty="0" smtClean="0">
+              <a:rPr lang="en-US" altLang="ko-KR" dirty="0">
                 <a:solidFill>
                   <a:schemeClr val="accent5"/>
                 </a:solidFill>
@@ -4361,7 +7581,7 @@
               <a:t>C</a:t>
             </a:r>
             <a:r>
-              <a:rPr lang="en-US" altLang="ko-KR" dirty="0" smtClean="0">
+              <a:rPr lang="en-US" altLang="ko-KR" dirty="0">
                 <a:latin typeface="배달의민족 도현" pitchFamily="50" charset="-127"/>
                 <a:ea typeface="배달의민족 도현" pitchFamily="50" charset="-127"/>
               </a:rPr>
@@ -4413,40 +7633,40 @@
           </a:lstStyle>
           <a:p>
             <a:r>
-              <a:rPr lang="ko-KR" altLang="en-US" sz="2800" dirty="0" smtClean="0">
+              <a:rPr lang="ko-KR" altLang="en-US" sz="2800" dirty="0">
                 <a:latin typeface="배달의민족 주아" pitchFamily="18" charset="-127"/>
                 <a:ea typeface="배달의민족 주아" pitchFamily="18" charset="-127"/>
               </a:rPr>
               <a:t>기본값</a:t>
             </a:r>
-            <a:endParaRPr lang="en-US" altLang="ko-KR" sz="2800" dirty="0" smtClean="0">
+            <a:endParaRPr lang="en-US" altLang="ko-KR" sz="2800" dirty="0">
               <a:latin typeface="배달의민족 주아" pitchFamily="18" charset="-127"/>
               <a:ea typeface="배달의민족 주아" pitchFamily="18" charset="-127"/>
             </a:endParaRPr>
           </a:p>
           <a:p>
             <a:r>
-              <a:rPr lang="en-US" altLang="ko-KR" sz="2800" dirty="0" smtClean="0">
+              <a:rPr lang="en-US" altLang="ko-KR" sz="2800" dirty="0">
                 <a:latin typeface="배달의민족 주아" pitchFamily="18" charset="-127"/>
                 <a:ea typeface="배달의민족 주아" pitchFamily="18" charset="-127"/>
               </a:rPr>
               <a:t>HTML</a:t>
             </a:r>
             <a:r>
-              <a:rPr lang="ko-KR" altLang="en-US" sz="2800" dirty="0" smtClean="0">
+              <a:rPr lang="ko-KR" altLang="en-US" sz="2800" dirty="0">
                 <a:latin typeface="배달의민족 주아" pitchFamily="18" charset="-127"/>
                 <a:ea typeface="배달의민족 주아" pitchFamily="18" charset="-127"/>
               </a:rPr>
               <a:t>을 작성한 순서대로 </a:t>
             </a:r>
-            <a:endParaRPr lang="en-US" altLang="ko-KR" sz="2800" dirty="0" smtClean="0">
+            <a:endParaRPr lang="en-US" altLang="ko-KR" sz="2800" dirty="0">
               <a:latin typeface="배달의민족 주아" pitchFamily="18" charset="-127"/>
               <a:ea typeface="배달의민족 주아" pitchFamily="18" charset="-127"/>
             </a:endParaRPr>
           </a:p>
           <a:p>
             <a:r>
-              <a:rPr lang="ko-KR" altLang="en-US" sz="2800" dirty="0" smtClean="0">
+              <a:rPr lang="ko-KR" altLang="en-US" sz="2800" dirty="0">
                 <a:solidFill>
                   <a:schemeClr val="accent5"/>
                 </a:solidFill>
@@ -4456,13 +7676,13 @@
               <a:t>위에서 아래로 왼쪽에서 오른쪽으로 </a:t>
             </a:r>
             <a:r>
-              <a:rPr lang="ko-KR" altLang="en-US" sz="2800" dirty="0" smtClean="0">
+              <a:rPr lang="ko-KR" altLang="en-US" sz="2800" dirty="0">
                 <a:latin typeface="배달의민족 주아" pitchFamily="18" charset="-127"/>
                 <a:ea typeface="배달의민족 주아" pitchFamily="18" charset="-127"/>
               </a:rPr>
               <a:t>물 흐르듯 배치 </a:t>
             </a:r>
-            <a:endParaRPr lang="en-US" altLang="ko-KR" sz="2800" dirty="0" smtClean="0">
+            <a:endParaRPr lang="en-US" altLang="ko-KR" sz="2800" dirty="0">
               <a:latin typeface="배달의민족 주아" pitchFamily="18" charset="-127"/>
               <a:ea typeface="배달의민족 주아" pitchFamily="18" charset="-127"/>
             </a:endParaRPr>
@@ -4587,7 +7807,1284 @@
       </p:grpSpPr>
       <p:sp>
         <p:nvSpPr>
-          <p:cNvPr id="2" name="제목 1"/>
+          <p:cNvPr id="3" name="TextBox 2"/>
+          <p:cNvSpPr txBox="1"/>
+          <p:nvPr/>
+        </p:nvSpPr>
+        <p:spPr>
+          <a:xfrm>
+            <a:off x="6948264" y="6093296"/>
+            <a:ext cx="1838965" cy="369332"/>
+          </a:xfrm>
+          <a:prstGeom prst="rect">
+            <a:avLst/>
+          </a:prstGeom>
+          <a:noFill/>
+        </p:spPr>
+        <p:txBody>
+          <a:bodyPr wrap="none" rtlCol="0">
+            <a:spAutoFit/>
+          </a:bodyPr>
+          <a:lstStyle>
+            <a:defPPr>
+              <a:defRPr lang="ko-KR"/>
+            </a:defPPr>
+            <a:lvl1pPr marL="0" algn="l" defTabSz="914400" rtl="0" eaLnBrk="1" latinLnBrk="1" hangingPunct="1">
+              <a:defRPr sz="1800" kern="1200">
+                <a:solidFill>
+                  <a:schemeClr val="tx1"/>
+                </a:solidFill>
+                <a:latin typeface="+mn-lt"/>
+                <a:ea typeface="+mn-ea"/>
+                <a:cs typeface="+mn-cs"/>
+              </a:defRPr>
+            </a:lvl1pPr>
+            <a:lvl2pPr marL="457200" algn="l" defTabSz="914400" rtl="0" eaLnBrk="1" latinLnBrk="1" hangingPunct="1">
+              <a:defRPr sz="1800" kern="1200">
+                <a:solidFill>
+                  <a:schemeClr val="tx1"/>
+                </a:solidFill>
+                <a:latin typeface="+mn-lt"/>
+                <a:ea typeface="+mn-ea"/>
+                <a:cs typeface="+mn-cs"/>
+              </a:defRPr>
+            </a:lvl2pPr>
+            <a:lvl3pPr marL="914400" algn="l" defTabSz="914400" rtl="0" eaLnBrk="1" latinLnBrk="1" hangingPunct="1">
+              <a:defRPr sz="1800" kern="1200">
+                <a:solidFill>
+                  <a:schemeClr val="tx1"/>
+                </a:solidFill>
+                <a:latin typeface="+mn-lt"/>
+                <a:ea typeface="+mn-ea"/>
+                <a:cs typeface="+mn-cs"/>
+              </a:defRPr>
+            </a:lvl3pPr>
+            <a:lvl4pPr marL="1371600" algn="l" defTabSz="914400" rtl="0" eaLnBrk="1" latinLnBrk="1" hangingPunct="1">
+              <a:defRPr sz="1800" kern="1200">
+                <a:solidFill>
+                  <a:schemeClr val="tx1"/>
+                </a:solidFill>
+                <a:latin typeface="+mn-lt"/>
+                <a:ea typeface="+mn-ea"/>
+                <a:cs typeface="+mn-cs"/>
+              </a:defRPr>
+            </a:lvl4pPr>
+            <a:lvl5pPr marL="1828800" algn="l" defTabSz="914400" rtl="0" eaLnBrk="1" latinLnBrk="1" hangingPunct="1">
+              <a:defRPr sz="1800" kern="1200">
+                <a:solidFill>
+                  <a:schemeClr val="tx1"/>
+                </a:solidFill>
+                <a:latin typeface="+mn-lt"/>
+                <a:ea typeface="+mn-ea"/>
+                <a:cs typeface="+mn-cs"/>
+              </a:defRPr>
+            </a:lvl5pPr>
+            <a:lvl6pPr marL="2286000" algn="l" defTabSz="914400" rtl="0" eaLnBrk="1" latinLnBrk="1" hangingPunct="1">
+              <a:defRPr sz="1800" kern="1200">
+                <a:solidFill>
+                  <a:schemeClr val="tx1"/>
+                </a:solidFill>
+                <a:latin typeface="+mn-lt"/>
+                <a:ea typeface="+mn-ea"/>
+                <a:cs typeface="+mn-cs"/>
+              </a:defRPr>
+            </a:lvl6pPr>
+            <a:lvl7pPr marL="2743200" algn="l" defTabSz="914400" rtl="0" eaLnBrk="1" latinLnBrk="1" hangingPunct="1">
+              <a:defRPr sz="1800" kern="1200">
+                <a:solidFill>
+                  <a:schemeClr val="tx1"/>
+                </a:solidFill>
+                <a:latin typeface="+mn-lt"/>
+                <a:ea typeface="+mn-ea"/>
+                <a:cs typeface="+mn-cs"/>
+              </a:defRPr>
+            </a:lvl7pPr>
+            <a:lvl8pPr marL="3200400" algn="l" defTabSz="914400" rtl="0" eaLnBrk="1" latinLnBrk="1" hangingPunct="1">
+              <a:defRPr sz="1800" kern="1200">
+                <a:solidFill>
+                  <a:schemeClr val="tx1"/>
+                </a:solidFill>
+                <a:latin typeface="+mn-lt"/>
+                <a:ea typeface="+mn-ea"/>
+                <a:cs typeface="+mn-cs"/>
+              </a:defRPr>
+            </a:lvl8pPr>
+            <a:lvl9pPr marL="3657600" algn="l" defTabSz="914400" rtl="0" eaLnBrk="1" latinLnBrk="1" hangingPunct="1">
+              <a:defRPr sz="1800" kern="1200">
+                <a:solidFill>
+                  <a:schemeClr val="tx1"/>
+                </a:solidFill>
+                <a:latin typeface="+mn-lt"/>
+                <a:ea typeface="+mn-ea"/>
+                <a:cs typeface="+mn-cs"/>
+              </a:defRPr>
+            </a:lvl9pPr>
+          </a:lstStyle>
+          <a:p>
+            <a:r>
+              <a:rPr lang="en-US" altLang="ko-KR" dirty="0">
+                <a:solidFill>
+                  <a:schemeClr val="accent5"/>
+                </a:solidFill>
+                <a:latin typeface="배달의민족 도현" pitchFamily="50" charset="-127"/>
+                <a:ea typeface="배달의민족 도현" pitchFamily="50" charset="-127"/>
+              </a:rPr>
+              <a:t>S</a:t>
+            </a:r>
+            <a:r>
+              <a:rPr lang="en-US" altLang="ko-KR" dirty="0">
+                <a:latin typeface="배달의민족 도현" pitchFamily="50" charset="-127"/>
+                <a:ea typeface="배달의민족 도현" pitchFamily="50" charset="-127"/>
+              </a:rPr>
+              <a:t>TART</a:t>
+            </a:r>
+            <a:r>
+              <a:rPr lang="en-US" altLang="ko-KR" dirty="0">
+                <a:solidFill>
+                  <a:schemeClr val="accent5"/>
+                </a:solidFill>
+                <a:latin typeface="배달의민족 도현" pitchFamily="50" charset="-127"/>
+                <a:ea typeface="배달의민족 도현" pitchFamily="50" charset="-127"/>
+              </a:rPr>
+              <a:t>C</a:t>
+            </a:r>
+            <a:r>
+              <a:rPr lang="en-US" altLang="ko-KR" dirty="0">
+                <a:latin typeface="배달의민족 도현" pitchFamily="50" charset="-127"/>
+                <a:ea typeface="배달의민족 도현" pitchFamily="50" charset="-127"/>
+              </a:rPr>
+              <a:t>ODING</a:t>
+            </a:r>
+            <a:endParaRPr lang="ko-KR" altLang="en-US" dirty="0">
+              <a:latin typeface="배달의민족 도현" pitchFamily="50" charset="-127"/>
+              <a:ea typeface="배달의민족 도현" pitchFamily="50" charset="-127"/>
+            </a:endParaRPr>
+          </a:p>
+        </p:txBody>
+      </p:sp>
+      <p:sp>
+        <p:nvSpPr>
+          <p:cNvPr id="5" name="직사각형 4">
+            <a:extLst>
+              <a:ext uri="{FF2B5EF4-FFF2-40B4-BE49-F238E27FC236}">
+                <a16:creationId xmlns:a16="http://schemas.microsoft.com/office/drawing/2014/main" id="{20B88786-F94D-4439-8F03-A16ADE17F253}"/>
+              </a:ext>
+            </a:extLst>
+          </p:cNvPr>
+          <p:cNvSpPr/>
+          <p:nvPr/>
+        </p:nvSpPr>
+        <p:spPr>
+          <a:xfrm>
+            <a:off x="1692796" y="756568"/>
+            <a:ext cx="5759524" cy="4616648"/>
+          </a:xfrm>
+          <a:prstGeom prst="rect">
+            <a:avLst/>
+          </a:prstGeom>
+          <a:solidFill>
+            <a:schemeClr val="tx1"/>
+          </a:solidFill>
+          <a:effectLst>
+            <a:softEdge rad="31750"/>
+          </a:effectLst>
+        </p:spPr>
+        <p:txBody>
+          <a:bodyPr wrap="square">
+            <a:spAutoFit/>
+          </a:bodyPr>
+          <a:lstStyle/>
+          <a:p>
+            <a:r>
+              <a:rPr lang="en-US" altLang="ko-KR" sz="1400" dirty="0">
+                <a:solidFill>
+                  <a:srgbClr val="808080"/>
+                </a:solidFill>
+                <a:latin typeface="Consolas" panose="020B0609020204030204" pitchFamily="49" charset="0"/>
+              </a:rPr>
+              <a:t>&lt;!</a:t>
+            </a:r>
+            <a:r>
+              <a:rPr lang="en-US" altLang="ko-KR" sz="1400" dirty="0">
+                <a:solidFill>
+                  <a:srgbClr val="569CD6"/>
+                </a:solidFill>
+                <a:latin typeface="Consolas" panose="020B0609020204030204" pitchFamily="49" charset="0"/>
+              </a:rPr>
+              <a:t>DOCTYPE</a:t>
+            </a:r>
+            <a:r>
+              <a:rPr lang="en-US" altLang="ko-KR" sz="1400" dirty="0">
+                <a:solidFill>
+                  <a:srgbClr val="D4D4D4"/>
+                </a:solidFill>
+                <a:latin typeface="Consolas" panose="020B0609020204030204" pitchFamily="49" charset="0"/>
+              </a:rPr>
+              <a:t> </a:t>
+            </a:r>
+            <a:r>
+              <a:rPr lang="en-US" altLang="ko-KR" sz="1400" dirty="0">
+                <a:solidFill>
+                  <a:srgbClr val="9CDCFE"/>
+                </a:solidFill>
+                <a:latin typeface="Consolas" panose="020B0609020204030204" pitchFamily="49" charset="0"/>
+              </a:rPr>
+              <a:t>html</a:t>
+            </a:r>
+            <a:r>
+              <a:rPr lang="en-US" altLang="ko-KR" sz="1400" dirty="0">
+                <a:solidFill>
+                  <a:srgbClr val="808080"/>
+                </a:solidFill>
+                <a:latin typeface="Consolas" panose="020B0609020204030204" pitchFamily="49" charset="0"/>
+              </a:rPr>
+              <a:t>&gt;</a:t>
+            </a:r>
+            <a:endParaRPr lang="en-US" altLang="ko-KR" sz="1400" dirty="0">
+              <a:solidFill>
+                <a:srgbClr val="D4D4D4"/>
+              </a:solidFill>
+              <a:latin typeface="Consolas" panose="020B0609020204030204" pitchFamily="49" charset="0"/>
+            </a:endParaRPr>
+          </a:p>
+          <a:p>
+            <a:r>
+              <a:rPr lang="en-US" altLang="ko-KR" sz="1400" dirty="0">
+                <a:solidFill>
+                  <a:srgbClr val="808080"/>
+                </a:solidFill>
+                <a:latin typeface="Consolas" panose="020B0609020204030204" pitchFamily="49" charset="0"/>
+              </a:rPr>
+              <a:t>&lt;</a:t>
+            </a:r>
+            <a:r>
+              <a:rPr lang="en-US" altLang="ko-KR" sz="1400" dirty="0">
+                <a:solidFill>
+                  <a:srgbClr val="569CD6"/>
+                </a:solidFill>
+                <a:latin typeface="Consolas" panose="020B0609020204030204" pitchFamily="49" charset="0"/>
+              </a:rPr>
+              <a:t>html</a:t>
+            </a:r>
+            <a:r>
+              <a:rPr lang="en-US" altLang="ko-KR" sz="1400" dirty="0">
+                <a:solidFill>
+                  <a:srgbClr val="808080"/>
+                </a:solidFill>
+                <a:latin typeface="Consolas" panose="020B0609020204030204" pitchFamily="49" charset="0"/>
+              </a:rPr>
+              <a:t>&gt;</a:t>
+            </a:r>
+            <a:endParaRPr lang="en-US" altLang="ko-KR" sz="1400" dirty="0">
+              <a:solidFill>
+                <a:srgbClr val="D4D4D4"/>
+              </a:solidFill>
+              <a:latin typeface="Consolas" panose="020B0609020204030204" pitchFamily="49" charset="0"/>
+            </a:endParaRPr>
+          </a:p>
+          <a:p>
+            <a:r>
+              <a:rPr lang="en-US" altLang="ko-KR" sz="1400" dirty="0">
+                <a:solidFill>
+                  <a:srgbClr val="808080"/>
+                </a:solidFill>
+                <a:latin typeface="Consolas" panose="020B0609020204030204" pitchFamily="49" charset="0"/>
+              </a:rPr>
+              <a:t>&lt;</a:t>
+            </a:r>
+            <a:r>
+              <a:rPr lang="en-US" altLang="ko-KR" sz="1400" dirty="0">
+                <a:solidFill>
+                  <a:srgbClr val="569CD6"/>
+                </a:solidFill>
+                <a:latin typeface="Consolas" panose="020B0609020204030204" pitchFamily="49" charset="0"/>
+              </a:rPr>
+              <a:t>head</a:t>
+            </a:r>
+            <a:r>
+              <a:rPr lang="en-US" altLang="ko-KR" sz="1400" dirty="0">
+                <a:solidFill>
+                  <a:srgbClr val="808080"/>
+                </a:solidFill>
+                <a:latin typeface="Consolas" panose="020B0609020204030204" pitchFamily="49" charset="0"/>
+              </a:rPr>
+              <a:t>&gt;</a:t>
+            </a:r>
+            <a:endParaRPr lang="en-US" altLang="ko-KR" sz="1400" dirty="0">
+              <a:solidFill>
+                <a:srgbClr val="D4D4D4"/>
+              </a:solidFill>
+              <a:latin typeface="Consolas" panose="020B0609020204030204" pitchFamily="49" charset="0"/>
+            </a:endParaRPr>
+          </a:p>
+          <a:p>
+            <a:r>
+              <a:rPr lang="en-US" altLang="ko-KR" sz="1400" dirty="0">
+                <a:solidFill>
+                  <a:srgbClr val="D4D4D4"/>
+                </a:solidFill>
+                <a:latin typeface="Consolas" panose="020B0609020204030204" pitchFamily="49" charset="0"/>
+              </a:rPr>
+              <a:t>    </a:t>
+            </a:r>
+            <a:r>
+              <a:rPr lang="en-US" altLang="ko-KR" sz="1400" dirty="0">
+                <a:solidFill>
+                  <a:srgbClr val="808080"/>
+                </a:solidFill>
+                <a:latin typeface="Consolas" panose="020B0609020204030204" pitchFamily="49" charset="0"/>
+              </a:rPr>
+              <a:t>&lt;</a:t>
+            </a:r>
+            <a:r>
+              <a:rPr lang="en-US" altLang="ko-KR" sz="1400" dirty="0">
+                <a:solidFill>
+                  <a:srgbClr val="569CD6"/>
+                </a:solidFill>
+                <a:latin typeface="Consolas" panose="020B0609020204030204" pitchFamily="49" charset="0"/>
+              </a:rPr>
+              <a:t>meta</a:t>
+            </a:r>
+            <a:r>
+              <a:rPr lang="en-US" altLang="ko-KR" sz="1400" dirty="0">
+                <a:solidFill>
+                  <a:srgbClr val="D4D4D4"/>
+                </a:solidFill>
+                <a:latin typeface="Consolas" panose="020B0609020204030204" pitchFamily="49" charset="0"/>
+              </a:rPr>
+              <a:t> </a:t>
+            </a:r>
+            <a:r>
+              <a:rPr lang="en-US" altLang="ko-KR" sz="1400" dirty="0">
+                <a:solidFill>
+                  <a:srgbClr val="9CDCFE"/>
+                </a:solidFill>
+                <a:latin typeface="Consolas" panose="020B0609020204030204" pitchFamily="49" charset="0"/>
+              </a:rPr>
+              <a:t>charset</a:t>
+            </a:r>
+            <a:r>
+              <a:rPr lang="en-US" altLang="ko-KR" sz="1400" dirty="0">
+                <a:solidFill>
+                  <a:srgbClr val="D4D4D4"/>
+                </a:solidFill>
+                <a:latin typeface="Consolas" panose="020B0609020204030204" pitchFamily="49" charset="0"/>
+              </a:rPr>
+              <a:t>=</a:t>
+            </a:r>
+            <a:r>
+              <a:rPr lang="en-US" altLang="ko-KR" sz="1400" dirty="0">
+                <a:solidFill>
+                  <a:srgbClr val="CE9178"/>
+                </a:solidFill>
+                <a:latin typeface="Consolas" panose="020B0609020204030204" pitchFamily="49" charset="0"/>
+              </a:rPr>
+              <a:t>"UTF-8"</a:t>
+            </a:r>
+            <a:r>
+              <a:rPr lang="en-US" altLang="ko-KR" sz="1400" dirty="0">
+                <a:solidFill>
+                  <a:srgbClr val="808080"/>
+                </a:solidFill>
+                <a:latin typeface="Consolas" panose="020B0609020204030204" pitchFamily="49" charset="0"/>
+              </a:rPr>
+              <a:t>&gt;</a:t>
+            </a:r>
+            <a:endParaRPr lang="en-US" altLang="ko-KR" sz="1400" dirty="0">
+              <a:solidFill>
+                <a:srgbClr val="D4D4D4"/>
+              </a:solidFill>
+              <a:latin typeface="Consolas" panose="020B0609020204030204" pitchFamily="49" charset="0"/>
+            </a:endParaRPr>
+          </a:p>
+          <a:p>
+            <a:r>
+              <a:rPr lang="en-US" altLang="ko-KR" sz="1400" dirty="0">
+                <a:solidFill>
+                  <a:srgbClr val="D4D4D4"/>
+                </a:solidFill>
+                <a:latin typeface="Consolas" panose="020B0609020204030204" pitchFamily="49" charset="0"/>
+              </a:rPr>
+              <a:t>    </a:t>
+            </a:r>
+            <a:r>
+              <a:rPr lang="en-US" altLang="ko-KR" sz="1400" dirty="0">
+                <a:solidFill>
+                  <a:srgbClr val="808080"/>
+                </a:solidFill>
+                <a:latin typeface="Consolas" panose="020B0609020204030204" pitchFamily="49" charset="0"/>
+              </a:rPr>
+              <a:t>&lt;</a:t>
+            </a:r>
+            <a:r>
+              <a:rPr lang="en-US" altLang="ko-KR" sz="1400" dirty="0">
+                <a:solidFill>
+                  <a:srgbClr val="569CD6"/>
+                </a:solidFill>
+                <a:latin typeface="Consolas" panose="020B0609020204030204" pitchFamily="49" charset="0"/>
+              </a:rPr>
+              <a:t>title</a:t>
+            </a:r>
+            <a:r>
+              <a:rPr lang="en-US" altLang="ko-KR" sz="1400" dirty="0">
+                <a:solidFill>
+                  <a:srgbClr val="808080"/>
+                </a:solidFill>
+                <a:latin typeface="Consolas" panose="020B0609020204030204" pitchFamily="49" charset="0"/>
+              </a:rPr>
+              <a:t>&gt;</a:t>
+            </a:r>
+            <a:r>
+              <a:rPr lang="ko-KR" altLang="en-US" sz="1400" dirty="0">
+                <a:solidFill>
+                  <a:srgbClr val="D4D4D4"/>
+                </a:solidFill>
+                <a:latin typeface="Consolas" panose="020B0609020204030204" pitchFamily="49" charset="0"/>
+              </a:rPr>
+              <a:t>포지션 개념연습</a:t>
+            </a:r>
+            <a:r>
+              <a:rPr lang="en-US" altLang="ko-KR" sz="1400" dirty="0">
+                <a:solidFill>
+                  <a:srgbClr val="808080"/>
+                </a:solidFill>
+                <a:latin typeface="Consolas" panose="020B0609020204030204" pitchFamily="49" charset="0"/>
+              </a:rPr>
+              <a:t>&lt;/</a:t>
+            </a:r>
+            <a:r>
+              <a:rPr lang="en-US" altLang="ko-KR" sz="1400" dirty="0">
+                <a:solidFill>
+                  <a:srgbClr val="569CD6"/>
+                </a:solidFill>
+                <a:latin typeface="Consolas" panose="020B0609020204030204" pitchFamily="49" charset="0"/>
+              </a:rPr>
+              <a:t>title</a:t>
+            </a:r>
+            <a:r>
+              <a:rPr lang="en-US" altLang="ko-KR" sz="1400" dirty="0">
+                <a:solidFill>
+                  <a:srgbClr val="808080"/>
+                </a:solidFill>
+                <a:latin typeface="Consolas" panose="020B0609020204030204" pitchFamily="49" charset="0"/>
+              </a:rPr>
+              <a:t>&gt;</a:t>
+            </a:r>
+            <a:endParaRPr lang="en-US" altLang="ko-KR" sz="1400" dirty="0">
+              <a:solidFill>
+                <a:srgbClr val="D4D4D4"/>
+              </a:solidFill>
+              <a:latin typeface="Consolas" panose="020B0609020204030204" pitchFamily="49" charset="0"/>
+            </a:endParaRPr>
+          </a:p>
+          <a:p>
+            <a:r>
+              <a:rPr lang="en-US" altLang="ko-KR" sz="1400" dirty="0">
+                <a:solidFill>
+                  <a:srgbClr val="D4D4D4"/>
+                </a:solidFill>
+                <a:latin typeface="Consolas" panose="020B0609020204030204" pitchFamily="49" charset="0"/>
+              </a:rPr>
+              <a:t>    </a:t>
+            </a:r>
+            <a:r>
+              <a:rPr lang="en-US" altLang="ko-KR" sz="1400" dirty="0">
+                <a:solidFill>
+                  <a:srgbClr val="808080"/>
+                </a:solidFill>
+                <a:latin typeface="Consolas" panose="020B0609020204030204" pitchFamily="49" charset="0"/>
+              </a:rPr>
+              <a:t>&lt;</a:t>
+            </a:r>
+            <a:r>
+              <a:rPr lang="en-US" altLang="ko-KR" sz="1400" dirty="0">
+                <a:solidFill>
+                  <a:srgbClr val="569CD6"/>
+                </a:solidFill>
+                <a:latin typeface="Consolas" panose="020B0609020204030204" pitchFamily="49" charset="0"/>
+              </a:rPr>
+              <a:t>style</a:t>
+            </a:r>
+            <a:r>
+              <a:rPr lang="en-US" altLang="ko-KR" sz="1400" dirty="0">
+                <a:solidFill>
+                  <a:srgbClr val="808080"/>
+                </a:solidFill>
+                <a:latin typeface="Consolas" panose="020B0609020204030204" pitchFamily="49" charset="0"/>
+              </a:rPr>
+              <a:t>&gt;</a:t>
+            </a:r>
+            <a:endParaRPr lang="en-US" altLang="ko-KR" sz="1400" dirty="0">
+              <a:solidFill>
+                <a:srgbClr val="D4D4D4"/>
+              </a:solidFill>
+              <a:latin typeface="Consolas" panose="020B0609020204030204" pitchFamily="49" charset="0"/>
+            </a:endParaRPr>
+          </a:p>
+          <a:p>
+            <a:r>
+              <a:rPr lang="en-US" altLang="ko-KR" sz="1400" dirty="0">
+                <a:solidFill>
+                  <a:srgbClr val="D4D4D4"/>
+                </a:solidFill>
+                <a:latin typeface="Consolas" panose="020B0609020204030204" pitchFamily="49" charset="0"/>
+              </a:rPr>
+              <a:t>        </a:t>
+            </a:r>
+            <a:r>
+              <a:rPr lang="en-US" altLang="ko-KR" sz="1400" dirty="0">
+                <a:solidFill>
+                  <a:srgbClr val="D7BA7D"/>
+                </a:solidFill>
+                <a:latin typeface="Consolas" panose="020B0609020204030204" pitchFamily="49" charset="0"/>
+              </a:rPr>
+              <a:t>.box</a:t>
+            </a:r>
+            <a:r>
+              <a:rPr lang="en-US" altLang="ko-KR" sz="1400" dirty="0">
+                <a:solidFill>
+                  <a:srgbClr val="D4D4D4"/>
+                </a:solidFill>
+                <a:latin typeface="Consolas" panose="020B0609020204030204" pitchFamily="49" charset="0"/>
+              </a:rPr>
+              <a:t> {</a:t>
+            </a:r>
+          </a:p>
+          <a:p>
+            <a:r>
+              <a:rPr lang="en-US" altLang="ko-KR" sz="1400" dirty="0">
+                <a:solidFill>
+                  <a:srgbClr val="D4D4D4"/>
+                </a:solidFill>
+                <a:latin typeface="Consolas" panose="020B0609020204030204" pitchFamily="49" charset="0"/>
+              </a:rPr>
+              <a:t>            </a:t>
+            </a:r>
+            <a:r>
+              <a:rPr lang="en-US" altLang="ko-KR" sz="1400" dirty="0">
+                <a:solidFill>
+                  <a:srgbClr val="9CDCFE"/>
+                </a:solidFill>
+                <a:latin typeface="Consolas" panose="020B0609020204030204" pitchFamily="49" charset="0"/>
+              </a:rPr>
+              <a:t>position</a:t>
+            </a:r>
+            <a:r>
+              <a:rPr lang="en-US" altLang="ko-KR" sz="1400" dirty="0">
+                <a:solidFill>
+                  <a:srgbClr val="D4D4D4"/>
+                </a:solidFill>
+                <a:latin typeface="Consolas" panose="020B0609020204030204" pitchFamily="49" charset="0"/>
+              </a:rPr>
+              <a:t>: </a:t>
+            </a:r>
+            <a:r>
+              <a:rPr lang="en-US" altLang="ko-KR" sz="1400" dirty="0">
+                <a:solidFill>
+                  <a:srgbClr val="CE9178"/>
+                </a:solidFill>
+                <a:latin typeface="Consolas" panose="020B0609020204030204" pitchFamily="49" charset="0"/>
+              </a:rPr>
+              <a:t>static</a:t>
+            </a:r>
+            <a:r>
+              <a:rPr lang="en-US" altLang="ko-KR" sz="1400" dirty="0">
+                <a:solidFill>
+                  <a:srgbClr val="D4D4D4"/>
+                </a:solidFill>
+                <a:latin typeface="Consolas" panose="020B0609020204030204" pitchFamily="49" charset="0"/>
+              </a:rPr>
+              <a:t>;</a:t>
+            </a:r>
+          </a:p>
+          <a:p>
+            <a:r>
+              <a:rPr lang="en-US" altLang="ko-KR" sz="1400" dirty="0">
+                <a:solidFill>
+                  <a:srgbClr val="D4D4D4"/>
+                </a:solidFill>
+                <a:latin typeface="Consolas" panose="020B0609020204030204" pitchFamily="49" charset="0"/>
+              </a:rPr>
+              <a:t>            </a:t>
+            </a:r>
+            <a:r>
+              <a:rPr lang="en-US" altLang="ko-KR" sz="1400" dirty="0">
+                <a:solidFill>
+                  <a:srgbClr val="9CDCFE"/>
+                </a:solidFill>
+                <a:latin typeface="Consolas" panose="020B0609020204030204" pitchFamily="49" charset="0"/>
+              </a:rPr>
+              <a:t>width</a:t>
+            </a:r>
+            <a:r>
+              <a:rPr lang="en-US" altLang="ko-KR" sz="1400" dirty="0">
+                <a:solidFill>
+                  <a:srgbClr val="D4D4D4"/>
+                </a:solidFill>
+                <a:latin typeface="Consolas" panose="020B0609020204030204" pitchFamily="49" charset="0"/>
+              </a:rPr>
+              <a:t>: </a:t>
+            </a:r>
+            <a:r>
+              <a:rPr lang="en-US" altLang="ko-KR" sz="1400" dirty="0">
+                <a:solidFill>
+                  <a:srgbClr val="B5CEA8"/>
+                </a:solidFill>
+                <a:latin typeface="Consolas" panose="020B0609020204030204" pitchFamily="49" charset="0"/>
+              </a:rPr>
+              <a:t>300px</a:t>
+            </a:r>
+            <a:r>
+              <a:rPr lang="en-US" altLang="ko-KR" sz="1400" dirty="0">
+                <a:solidFill>
+                  <a:srgbClr val="D4D4D4"/>
+                </a:solidFill>
+                <a:latin typeface="Consolas" panose="020B0609020204030204" pitchFamily="49" charset="0"/>
+              </a:rPr>
+              <a:t>;</a:t>
+            </a:r>
+          </a:p>
+          <a:p>
+            <a:r>
+              <a:rPr lang="en-US" altLang="ko-KR" sz="1400" dirty="0">
+                <a:solidFill>
+                  <a:srgbClr val="D4D4D4"/>
+                </a:solidFill>
+                <a:latin typeface="Consolas" panose="020B0609020204030204" pitchFamily="49" charset="0"/>
+              </a:rPr>
+              <a:t>            </a:t>
+            </a:r>
+            <a:r>
+              <a:rPr lang="en-US" altLang="ko-KR" sz="1400" dirty="0">
+                <a:solidFill>
+                  <a:srgbClr val="9CDCFE"/>
+                </a:solidFill>
+                <a:latin typeface="Consolas" panose="020B0609020204030204" pitchFamily="49" charset="0"/>
+              </a:rPr>
+              <a:t>height</a:t>
+            </a:r>
+            <a:r>
+              <a:rPr lang="en-US" altLang="ko-KR" sz="1400" dirty="0">
+                <a:solidFill>
+                  <a:srgbClr val="D4D4D4"/>
+                </a:solidFill>
+                <a:latin typeface="Consolas" panose="020B0609020204030204" pitchFamily="49" charset="0"/>
+              </a:rPr>
+              <a:t> : </a:t>
+            </a:r>
+            <a:r>
+              <a:rPr lang="en-US" altLang="ko-KR" sz="1400" dirty="0">
+                <a:solidFill>
+                  <a:srgbClr val="B5CEA8"/>
+                </a:solidFill>
+                <a:latin typeface="Consolas" panose="020B0609020204030204" pitchFamily="49" charset="0"/>
+              </a:rPr>
+              <a:t>300px</a:t>
+            </a:r>
+            <a:r>
+              <a:rPr lang="en-US" altLang="ko-KR" sz="1400" dirty="0">
+                <a:solidFill>
+                  <a:srgbClr val="D4D4D4"/>
+                </a:solidFill>
+                <a:latin typeface="Consolas" panose="020B0609020204030204" pitchFamily="49" charset="0"/>
+              </a:rPr>
+              <a:t>;</a:t>
+            </a:r>
+          </a:p>
+          <a:p>
+            <a:r>
+              <a:rPr lang="en-US" altLang="ko-KR" sz="1400" dirty="0">
+                <a:solidFill>
+                  <a:srgbClr val="D4D4D4"/>
+                </a:solidFill>
+                <a:latin typeface="Consolas" panose="020B0609020204030204" pitchFamily="49" charset="0"/>
+              </a:rPr>
+              <a:t>            </a:t>
+            </a:r>
+            <a:r>
+              <a:rPr lang="en-US" altLang="ko-KR" sz="1400" dirty="0">
+                <a:solidFill>
+                  <a:srgbClr val="9CDCFE"/>
+                </a:solidFill>
+                <a:latin typeface="Consolas" panose="020B0609020204030204" pitchFamily="49" charset="0"/>
+              </a:rPr>
+              <a:t>margin-bottom</a:t>
+            </a:r>
+            <a:r>
+              <a:rPr lang="en-US" altLang="ko-KR" sz="1400" dirty="0">
+                <a:solidFill>
+                  <a:srgbClr val="D4D4D4"/>
+                </a:solidFill>
+                <a:latin typeface="Consolas" panose="020B0609020204030204" pitchFamily="49" charset="0"/>
+              </a:rPr>
+              <a:t>: </a:t>
+            </a:r>
+            <a:r>
+              <a:rPr lang="en-US" altLang="ko-KR" sz="1400" dirty="0">
+                <a:solidFill>
+                  <a:srgbClr val="B5CEA8"/>
+                </a:solidFill>
+                <a:latin typeface="Consolas" panose="020B0609020204030204" pitchFamily="49" charset="0"/>
+              </a:rPr>
+              <a:t>20px</a:t>
+            </a:r>
+            <a:r>
+              <a:rPr lang="en-US" altLang="ko-KR" sz="1400" dirty="0">
+                <a:solidFill>
+                  <a:srgbClr val="D4D4D4"/>
+                </a:solidFill>
+                <a:latin typeface="Consolas" panose="020B0609020204030204" pitchFamily="49" charset="0"/>
+              </a:rPr>
+              <a:t>;</a:t>
+            </a:r>
+          </a:p>
+          <a:p>
+            <a:r>
+              <a:rPr lang="en-US" altLang="ko-KR" sz="1400" dirty="0">
+                <a:solidFill>
+                  <a:srgbClr val="D4D4D4"/>
+                </a:solidFill>
+                <a:latin typeface="Consolas" panose="020B0609020204030204" pitchFamily="49" charset="0"/>
+              </a:rPr>
+              <a:t>            </a:t>
+            </a:r>
+            <a:r>
+              <a:rPr lang="en-US" altLang="ko-KR" sz="1400" dirty="0">
+                <a:solidFill>
+                  <a:srgbClr val="9CDCFE"/>
+                </a:solidFill>
+                <a:latin typeface="Consolas" panose="020B0609020204030204" pitchFamily="49" charset="0"/>
+              </a:rPr>
+              <a:t>background-color</a:t>
+            </a:r>
+            <a:r>
+              <a:rPr lang="en-US" altLang="ko-KR" sz="1400" dirty="0">
+                <a:solidFill>
+                  <a:srgbClr val="D4D4D4"/>
+                </a:solidFill>
+                <a:latin typeface="Consolas" panose="020B0609020204030204" pitchFamily="49" charset="0"/>
+              </a:rPr>
+              <a:t>: </a:t>
+            </a:r>
+            <a:r>
+              <a:rPr lang="en-US" altLang="ko-KR" sz="1400" dirty="0" err="1">
+                <a:solidFill>
+                  <a:srgbClr val="CE9178"/>
+                </a:solidFill>
+                <a:latin typeface="Consolas" panose="020B0609020204030204" pitchFamily="49" charset="0"/>
+              </a:rPr>
+              <a:t>steelblue</a:t>
+            </a:r>
+            <a:r>
+              <a:rPr lang="en-US" altLang="ko-KR" sz="1400" dirty="0">
+                <a:solidFill>
+                  <a:srgbClr val="D4D4D4"/>
+                </a:solidFill>
+                <a:latin typeface="Consolas" panose="020B0609020204030204" pitchFamily="49" charset="0"/>
+              </a:rPr>
+              <a:t>;</a:t>
+            </a:r>
+          </a:p>
+          <a:p>
+            <a:r>
+              <a:rPr lang="en-US" altLang="ko-KR" sz="1400" dirty="0">
+                <a:solidFill>
+                  <a:srgbClr val="D4D4D4"/>
+                </a:solidFill>
+                <a:latin typeface="Consolas" panose="020B0609020204030204" pitchFamily="49" charset="0"/>
+              </a:rPr>
+              <a:t>        }</a:t>
+            </a:r>
+          </a:p>
+          <a:p>
+            <a:r>
+              <a:rPr lang="en-US" altLang="ko-KR" sz="1400" dirty="0">
+                <a:solidFill>
+                  <a:srgbClr val="D4D4D4"/>
+                </a:solidFill>
+                <a:latin typeface="Consolas" panose="020B0609020204030204" pitchFamily="49" charset="0"/>
+              </a:rPr>
+              <a:t>    </a:t>
+            </a:r>
+            <a:r>
+              <a:rPr lang="en-US" altLang="ko-KR" sz="1400" dirty="0">
+                <a:solidFill>
+                  <a:srgbClr val="808080"/>
+                </a:solidFill>
+                <a:latin typeface="Consolas" panose="020B0609020204030204" pitchFamily="49" charset="0"/>
+              </a:rPr>
+              <a:t>&lt;/</a:t>
+            </a:r>
+            <a:r>
+              <a:rPr lang="en-US" altLang="ko-KR" sz="1400" dirty="0">
+                <a:solidFill>
+                  <a:srgbClr val="569CD6"/>
+                </a:solidFill>
+                <a:latin typeface="Consolas" panose="020B0609020204030204" pitchFamily="49" charset="0"/>
+              </a:rPr>
+              <a:t>style</a:t>
+            </a:r>
+            <a:r>
+              <a:rPr lang="en-US" altLang="ko-KR" sz="1400" dirty="0">
+                <a:solidFill>
+                  <a:srgbClr val="808080"/>
+                </a:solidFill>
+                <a:latin typeface="Consolas" panose="020B0609020204030204" pitchFamily="49" charset="0"/>
+              </a:rPr>
+              <a:t>&gt;</a:t>
+            </a:r>
+            <a:endParaRPr lang="en-US" altLang="ko-KR" sz="1400" dirty="0">
+              <a:solidFill>
+                <a:srgbClr val="D4D4D4"/>
+              </a:solidFill>
+              <a:latin typeface="Consolas" panose="020B0609020204030204" pitchFamily="49" charset="0"/>
+            </a:endParaRPr>
+          </a:p>
+          <a:p>
+            <a:r>
+              <a:rPr lang="en-US" altLang="ko-KR" sz="1400" dirty="0">
+                <a:solidFill>
+                  <a:srgbClr val="808080"/>
+                </a:solidFill>
+                <a:latin typeface="Consolas" panose="020B0609020204030204" pitchFamily="49" charset="0"/>
+              </a:rPr>
+              <a:t>&lt;/</a:t>
+            </a:r>
+            <a:r>
+              <a:rPr lang="en-US" altLang="ko-KR" sz="1400" dirty="0">
+                <a:solidFill>
+                  <a:srgbClr val="569CD6"/>
+                </a:solidFill>
+                <a:latin typeface="Consolas" panose="020B0609020204030204" pitchFamily="49" charset="0"/>
+              </a:rPr>
+              <a:t>head</a:t>
+            </a:r>
+            <a:r>
+              <a:rPr lang="en-US" altLang="ko-KR" sz="1400" dirty="0">
+                <a:solidFill>
+                  <a:srgbClr val="808080"/>
+                </a:solidFill>
+                <a:latin typeface="Consolas" panose="020B0609020204030204" pitchFamily="49" charset="0"/>
+              </a:rPr>
+              <a:t>&gt;</a:t>
+            </a:r>
+            <a:endParaRPr lang="en-US" altLang="ko-KR" sz="1400" dirty="0">
+              <a:solidFill>
+                <a:srgbClr val="D4D4D4"/>
+              </a:solidFill>
+              <a:latin typeface="Consolas" panose="020B0609020204030204" pitchFamily="49" charset="0"/>
+            </a:endParaRPr>
+          </a:p>
+          <a:p>
+            <a:r>
+              <a:rPr lang="en-US" altLang="ko-KR" sz="1400" dirty="0">
+                <a:solidFill>
+                  <a:srgbClr val="808080"/>
+                </a:solidFill>
+                <a:latin typeface="Consolas" panose="020B0609020204030204" pitchFamily="49" charset="0"/>
+              </a:rPr>
+              <a:t>&lt;</a:t>
+            </a:r>
+            <a:r>
+              <a:rPr lang="en-US" altLang="ko-KR" sz="1400" dirty="0">
+                <a:solidFill>
+                  <a:srgbClr val="569CD6"/>
+                </a:solidFill>
+                <a:latin typeface="Consolas" panose="020B0609020204030204" pitchFamily="49" charset="0"/>
+              </a:rPr>
+              <a:t>body</a:t>
+            </a:r>
+            <a:r>
+              <a:rPr lang="en-US" altLang="ko-KR" sz="1400" dirty="0">
+                <a:solidFill>
+                  <a:srgbClr val="808080"/>
+                </a:solidFill>
+                <a:latin typeface="Consolas" panose="020B0609020204030204" pitchFamily="49" charset="0"/>
+              </a:rPr>
+              <a:t>&gt;</a:t>
+            </a:r>
+            <a:endParaRPr lang="en-US" altLang="ko-KR" sz="1400" dirty="0">
+              <a:solidFill>
+                <a:srgbClr val="D4D4D4"/>
+              </a:solidFill>
+              <a:latin typeface="Consolas" panose="020B0609020204030204" pitchFamily="49" charset="0"/>
+            </a:endParaRPr>
+          </a:p>
+          <a:p>
+            <a:r>
+              <a:rPr lang="en-US" altLang="ko-KR" sz="1400" dirty="0">
+                <a:solidFill>
+                  <a:srgbClr val="D4D4D4"/>
+                </a:solidFill>
+                <a:latin typeface="Consolas" panose="020B0609020204030204" pitchFamily="49" charset="0"/>
+              </a:rPr>
+              <a:t>    </a:t>
+            </a:r>
+            <a:r>
+              <a:rPr lang="en-US" altLang="ko-KR" sz="1400" dirty="0">
+                <a:solidFill>
+                  <a:srgbClr val="808080"/>
+                </a:solidFill>
+                <a:latin typeface="Consolas" panose="020B0609020204030204" pitchFamily="49" charset="0"/>
+              </a:rPr>
+              <a:t>&lt;</a:t>
+            </a:r>
+            <a:r>
+              <a:rPr lang="en-US" altLang="ko-KR" sz="1400" dirty="0">
+                <a:solidFill>
+                  <a:srgbClr val="569CD6"/>
+                </a:solidFill>
+                <a:latin typeface="Consolas" panose="020B0609020204030204" pitchFamily="49" charset="0"/>
+              </a:rPr>
+              <a:t>div</a:t>
+            </a:r>
+            <a:r>
+              <a:rPr lang="en-US" altLang="ko-KR" sz="1400" dirty="0">
+                <a:solidFill>
+                  <a:srgbClr val="D4D4D4"/>
+                </a:solidFill>
+                <a:latin typeface="Consolas" panose="020B0609020204030204" pitchFamily="49" charset="0"/>
+              </a:rPr>
+              <a:t> </a:t>
+            </a:r>
+            <a:r>
+              <a:rPr lang="en-US" altLang="ko-KR" sz="1400" dirty="0">
+                <a:solidFill>
+                  <a:srgbClr val="9CDCFE"/>
+                </a:solidFill>
+                <a:latin typeface="Consolas" panose="020B0609020204030204" pitchFamily="49" charset="0"/>
+              </a:rPr>
+              <a:t>class</a:t>
+            </a:r>
+            <a:r>
+              <a:rPr lang="en-US" altLang="ko-KR" sz="1400" dirty="0">
+                <a:solidFill>
+                  <a:srgbClr val="D4D4D4"/>
+                </a:solidFill>
+                <a:latin typeface="Consolas" panose="020B0609020204030204" pitchFamily="49" charset="0"/>
+              </a:rPr>
+              <a:t>=</a:t>
+            </a:r>
+            <a:r>
+              <a:rPr lang="en-US" altLang="ko-KR" sz="1400" dirty="0">
+                <a:solidFill>
+                  <a:srgbClr val="CE9178"/>
+                </a:solidFill>
+                <a:latin typeface="Consolas" panose="020B0609020204030204" pitchFamily="49" charset="0"/>
+              </a:rPr>
+              <a:t>"box"</a:t>
+            </a:r>
+            <a:r>
+              <a:rPr lang="en-US" altLang="ko-KR" sz="1400" dirty="0">
+                <a:solidFill>
+                  <a:srgbClr val="808080"/>
+                </a:solidFill>
+                <a:latin typeface="Consolas" panose="020B0609020204030204" pitchFamily="49" charset="0"/>
+              </a:rPr>
+              <a:t>&gt;&lt;/</a:t>
+            </a:r>
+            <a:r>
+              <a:rPr lang="en-US" altLang="ko-KR" sz="1400" dirty="0">
+                <a:solidFill>
+                  <a:srgbClr val="569CD6"/>
+                </a:solidFill>
+                <a:latin typeface="Consolas" panose="020B0609020204030204" pitchFamily="49" charset="0"/>
+              </a:rPr>
+              <a:t>div</a:t>
+            </a:r>
+            <a:r>
+              <a:rPr lang="en-US" altLang="ko-KR" sz="1400" dirty="0">
+                <a:solidFill>
+                  <a:srgbClr val="808080"/>
+                </a:solidFill>
+                <a:latin typeface="Consolas" panose="020B0609020204030204" pitchFamily="49" charset="0"/>
+              </a:rPr>
+              <a:t>&gt;</a:t>
+            </a:r>
+            <a:endParaRPr lang="en-US" altLang="ko-KR" sz="1400" dirty="0">
+              <a:solidFill>
+                <a:srgbClr val="D4D4D4"/>
+              </a:solidFill>
+              <a:latin typeface="Consolas" panose="020B0609020204030204" pitchFamily="49" charset="0"/>
+            </a:endParaRPr>
+          </a:p>
+          <a:p>
+            <a:r>
+              <a:rPr lang="en-US" altLang="ko-KR" sz="1400" dirty="0">
+                <a:solidFill>
+                  <a:srgbClr val="D4D4D4"/>
+                </a:solidFill>
+                <a:latin typeface="Consolas" panose="020B0609020204030204" pitchFamily="49" charset="0"/>
+              </a:rPr>
+              <a:t>    </a:t>
+            </a:r>
+            <a:r>
+              <a:rPr lang="en-US" altLang="ko-KR" sz="1400" dirty="0">
+                <a:solidFill>
+                  <a:srgbClr val="808080"/>
+                </a:solidFill>
+                <a:latin typeface="Consolas" panose="020B0609020204030204" pitchFamily="49" charset="0"/>
+              </a:rPr>
+              <a:t>&lt;</a:t>
+            </a:r>
+            <a:r>
+              <a:rPr lang="en-US" altLang="ko-KR" sz="1400" dirty="0">
+                <a:solidFill>
+                  <a:srgbClr val="569CD6"/>
+                </a:solidFill>
+                <a:latin typeface="Consolas" panose="020B0609020204030204" pitchFamily="49" charset="0"/>
+              </a:rPr>
+              <a:t>div</a:t>
+            </a:r>
+            <a:r>
+              <a:rPr lang="en-US" altLang="ko-KR" sz="1400" dirty="0">
+                <a:solidFill>
+                  <a:srgbClr val="D4D4D4"/>
+                </a:solidFill>
+                <a:latin typeface="Consolas" panose="020B0609020204030204" pitchFamily="49" charset="0"/>
+              </a:rPr>
+              <a:t> </a:t>
+            </a:r>
+            <a:r>
+              <a:rPr lang="en-US" altLang="ko-KR" sz="1400" dirty="0">
+                <a:solidFill>
+                  <a:srgbClr val="9CDCFE"/>
+                </a:solidFill>
+                <a:latin typeface="Consolas" panose="020B0609020204030204" pitchFamily="49" charset="0"/>
+              </a:rPr>
+              <a:t>class</a:t>
+            </a:r>
+            <a:r>
+              <a:rPr lang="en-US" altLang="ko-KR" sz="1400" dirty="0">
+                <a:solidFill>
+                  <a:srgbClr val="D4D4D4"/>
+                </a:solidFill>
+                <a:latin typeface="Consolas" panose="020B0609020204030204" pitchFamily="49" charset="0"/>
+              </a:rPr>
+              <a:t>=</a:t>
+            </a:r>
+            <a:r>
+              <a:rPr lang="en-US" altLang="ko-KR" sz="1400" dirty="0">
+                <a:solidFill>
+                  <a:srgbClr val="CE9178"/>
+                </a:solidFill>
+                <a:latin typeface="Consolas" panose="020B0609020204030204" pitchFamily="49" charset="0"/>
+              </a:rPr>
+              <a:t>"box"</a:t>
+            </a:r>
+            <a:r>
+              <a:rPr lang="en-US" altLang="ko-KR" sz="1400" dirty="0">
+                <a:solidFill>
+                  <a:srgbClr val="808080"/>
+                </a:solidFill>
+                <a:latin typeface="Consolas" panose="020B0609020204030204" pitchFamily="49" charset="0"/>
+              </a:rPr>
+              <a:t>&gt;&lt;/</a:t>
+            </a:r>
+            <a:r>
+              <a:rPr lang="en-US" altLang="ko-KR" sz="1400" dirty="0">
+                <a:solidFill>
+                  <a:srgbClr val="569CD6"/>
+                </a:solidFill>
+                <a:latin typeface="Consolas" panose="020B0609020204030204" pitchFamily="49" charset="0"/>
+              </a:rPr>
+              <a:t>div</a:t>
+            </a:r>
+            <a:r>
+              <a:rPr lang="en-US" altLang="ko-KR" sz="1400" dirty="0">
+                <a:solidFill>
+                  <a:srgbClr val="808080"/>
+                </a:solidFill>
+                <a:latin typeface="Consolas" panose="020B0609020204030204" pitchFamily="49" charset="0"/>
+              </a:rPr>
+              <a:t>&gt;</a:t>
+            </a:r>
+            <a:endParaRPr lang="en-US" altLang="ko-KR" sz="1400" dirty="0">
+              <a:solidFill>
+                <a:srgbClr val="D4D4D4"/>
+              </a:solidFill>
+              <a:latin typeface="Consolas" panose="020B0609020204030204" pitchFamily="49" charset="0"/>
+            </a:endParaRPr>
+          </a:p>
+          <a:p>
+            <a:r>
+              <a:rPr lang="en-US" altLang="ko-KR" sz="1400" dirty="0">
+                <a:solidFill>
+                  <a:srgbClr val="D4D4D4"/>
+                </a:solidFill>
+                <a:latin typeface="Consolas" panose="020B0609020204030204" pitchFamily="49" charset="0"/>
+              </a:rPr>
+              <a:t>    </a:t>
+            </a:r>
+            <a:r>
+              <a:rPr lang="en-US" altLang="ko-KR" sz="1400" dirty="0">
+                <a:solidFill>
+                  <a:srgbClr val="808080"/>
+                </a:solidFill>
+                <a:latin typeface="Consolas" panose="020B0609020204030204" pitchFamily="49" charset="0"/>
+              </a:rPr>
+              <a:t>&lt;</a:t>
+            </a:r>
+            <a:r>
+              <a:rPr lang="en-US" altLang="ko-KR" sz="1400" dirty="0">
+                <a:solidFill>
+                  <a:srgbClr val="569CD6"/>
+                </a:solidFill>
+                <a:latin typeface="Consolas" panose="020B0609020204030204" pitchFamily="49" charset="0"/>
+              </a:rPr>
+              <a:t>div</a:t>
+            </a:r>
+            <a:r>
+              <a:rPr lang="en-US" altLang="ko-KR" sz="1400" dirty="0">
+                <a:solidFill>
+                  <a:srgbClr val="D4D4D4"/>
+                </a:solidFill>
+                <a:latin typeface="Consolas" panose="020B0609020204030204" pitchFamily="49" charset="0"/>
+              </a:rPr>
+              <a:t> </a:t>
+            </a:r>
+            <a:r>
+              <a:rPr lang="en-US" altLang="ko-KR" sz="1400" dirty="0">
+                <a:solidFill>
+                  <a:srgbClr val="9CDCFE"/>
+                </a:solidFill>
+                <a:latin typeface="Consolas" panose="020B0609020204030204" pitchFamily="49" charset="0"/>
+              </a:rPr>
+              <a:t>class</a:t>
+            </a:r>
+            <a:r>
+              <a:rPr lang="en-US" altLang="ko-KR" sz="1400" dirty="0">
+                <a:solidFill>
+                  <a:srgbClr val="D4D4D4"/>
+                </a:solidFill>
+                <a:latin typeface="Consolas" panose="020B0609020204030204" pitchFamily="49" charset="0"/>
+              </a:rPr>
+              <a:t>=</a:t>
+            </a:r>
+            <a:r>
+              <a:rPr lang="en-US" altLang="ko-KR" sz="1400" dirty="0">
+                <a:solidFill>
+                  <a:srgbClr val="CE9178"/>
+                </a:solidFill>
+                <a:latin typeface="Consolas" panose="020B0609020204030204" pitchFamily="49" charset="0"/>
+              </a:rPr>
+              <a:t>"box"</a:t>
+            </a:r>
+            <a:r>
+              <a:rPr lang="en-US" altLang="ko-KR" sz="1400" dirty="0">
+                <a:solidFill>
+                  <a:srgbClr val="808080"/>
+                </a:solidFill>
+                <a:latin typeface="Consolas" panose="020B0609020204030204" pitchFamily="49" charset="0"/>
+              </a:rPr>
+              <a:t>&gt;&lt;/</a:t>
+            </a:r>
+            <a:r>
+              <a:rPr lang="en-US" altLang="ko-KR" sz="1400" dirty="0">
+                <a:solidFill>
+                  <a:srgbClr val="569CD6"/>
+                </a:solidFill>
+                <a:latin typeface="Consolas" panose="020B0609020204030204" pitchFamily="49" charset="0"/>
+              </a:rPr>
+              <a:t>div</a:t>
+            </a:r>
+            <a:r>
+              <a:rPr lang="en-US" altLang="ko-KR" sz="1400" dirty="0">
+                <a:solidFill>
+                  <a:srgbClr val="808080"/>
+                </a:solidFill>
+                <a:latin typeface="Consolas" panose="020B0609020204030204" pitchFamily="49" charset="0"/>
+              </a:rPr>
+              <a:t>&gt;</a:t>
+            </a:r>
+            <a:endParaRPr lang="en-US" altLang="ko-KR" sz="1400" dirty="0">
+              <a:solidFill>
+                <a:srgbClr val="D4D4D4"/>
+              </a:solidFill>
+              <a:latin typeface="Consolas" panose="020B0609020204030204" pitchFamily="49" charset="0"/>
+            </a:endParaRPr>
+          </a:p>
+          <a:p>
+            <a:r>
+              <a:rPr lang="en-US" altLang="ko-KR" sz="1400" dirty="0">
+                <a:solidFill>
+                  <a:srgbClr val="808080"/>
+                </a:solidFill>
+                <a:latin typeface="Consolas" panose="020B0609020204030204" pitchFamily="49" charset="0"/>
+              </a:rPr>
+              <a:t>&lt;/</a:t>
+            </a:r>
+            <a:r>
+              <a:rPr lang="en-US" altLang="ko-KR" sz="1400" dirty="0">
+                <a:solidFill>
+                  <a:srgbClr val="569CD6"/>
+                </a:solidFill>
+                <a:latin typeface="Consolas" panose="020B0609020204030204" pitchFamily="49" charset="0"/>
+              </a:rPr>
+              <a:t>body</a:t>
+            </a:r>
+            <a:r>
+              <a:rPr lang="en-US" altLang="ko-KR" sz="1400" dirty="0">
+                <a:solidFill>
+                  <a:srgbClr val="808080"/>
+                </a:solidFill>
+                <a:latin typeface="Consolas" panose="020B0609020204030204" pitchFamily="49" charset="0"/>
+              </a:rPr>
+              <a:t>&gt;</a:t>
+            </a:r>
+            <a:endParaRPr lang="en-US" altLang="ko-KR" sz="1400" dirty="0">
+              <a:solidFill>
+                <a:srgbClr val="D4D4D4"/>
+              </a:solidFill>
+              <a:latin typeface="Consolas" panose="020B0609020204030204" pitchFamily="49" charset="0"/>
+            </a:endParaRPr>
+          </a:p>
+          <a:p>
+            <a:r>
+              <a:rPr lang="en-US" altLang="ko-KR" sz="1400" dirty="0">
+                <a:solidFill>
+                  <a:srgbClr val="808080"/>
+                </a:solidFill>
+                <a:latin typeface="Consolas" panose="020B0609020204030204" pitchFamily="49" charset="0"/>
+              </a:rPr>
+              <a:t>&lt;/</a:t>
+            </a:r>
+            <a:r>
+              <a:rPr lang="en-US" altLang="ko-KR" sz="1400" dirty="0">
+                <a:solidFill>
+                  <a:srgbClr val="569CD6"/>
+                </a:solidFill>
+                <a:latin typeface="Consolas" panose="020B0609020204030204" pitchFamily="49" charset="0"/>
+              </a:rPr>
+              <a:t>html</a:t>
+            </a:r>
+            <a:r>
+              <a:rPr lang="en-US" altLang="ko-KR" sz="1400" dirty="0">
+                <a:solidFill>
+                  <a:srgbClr val="808080"/>
+                </a:solidFill>
+                <a:latin typeface="Consolas" panose="020B0609020204030204" pitchFamily="49" charset="0"/>
+              </a:rPr>
+              <a:t>&gt;</a:t>
+            </a:r>
+            <a:endParaRPr lang="en-US" altLang="ko-KR" sz="1400" dirty="0">
+              <a:solidFill>
+                <a:srgbClr val="D4D4D4"/>
+              </a:solidFill>
+              <a:latin typeface="Consolas" panose="020B0609020204030204" pitchFamily="49" charset="0"/>
+            </a:endParaRPr>
+          </a:p>
+        </p:txBody>
+      </p:sp>
+      <p:sp>
+        <p:nvSpPr>
+          <p:cNvPr id="8" name="제목 1">
+            <a:extLst>
+              <a:ext uri="{FF2B5EF4-FFF2-40B4-BE49-F238E27FC236}">
+                <a16:creationId xmlns:a16="http://schemas.microsoft.com/office/drawing/2014/main" id="{14C1D295-F817-4E20-8BBC-10ED91A25559}"/>
+              </a:ext>
+            </a:extLst>
+          </p:cNvPr>
           <p:cNvSpPr>
             <a:spLocks noGrp="1"/>
           </p:cNvSpPr>
@@ -4595,25 +9092,65 @@
             <p:ph type="ctrTitle"/>
           </p:nvPr>
         </p:nvSpPr>
-        <p:spPr/>
+        <p:spPr>
+          <a:xfrm>
+            <a:off x="3203848" y="17190"/>
+            <a:ext cx="2736304" cy="531490"/>
+          </a:xfrm>
+        </p:spPr>
         <p:txBody>
-          <a:bodyPr/>
+          <a:bodyPr>
+            <a:normAutofit fontScale="90000"/>
+          </a:bodyPr>
           <a:lstStyle/>
           <a:p>
             <a:r>
-              <a:rPr lang="en-US" altLang="ko-KR" dirty="0" smtClean="0">
+              <a:rPr lang="en-US" altLang="ko-KR" sz="2400" dirty="0">
                 <a:latin typeface="배달의민족 주아" pitchFamily="18" charset="-127"/>
                 <a:ea typeface="배달의민족 주아" pitchFamily="18" charset="-127"/>
               </a:rPr>
-              <a:t>position : relative</a:t>
-            </a:r>
-            <a:endParaRPr lang="ko-KR" altLang="en-US" dirty="0">
-              <a:latin typeface="배달의민족 주아" pitchFamily="18" charset="-127"/>
-              <a:ea typeface="배달의민족 주아" pitchFamily="18" charset="-127"/>
-            </a:endParaRPr>
+              <a:t>position : static </a:t>
+            </a:r>
+            <a:r>
+              <a:rPr lang="ko-KR" altLang="en-US" sz="2400" dirty="0">
+                <a:latin typeface="배달의민족 주아" pitchFamily="18" charset="-127"/>
+                <a:ea typeface="배달의민족 주아" pitchFamily="18" charset="-127"/>
+              </a:rPr>
+              <a:t>예제</a:t>
+            </a:r>
           </a:p>
         </p:txBody>
       </p:sp>
+    </p:spTree>
+    <p:extLst>
+      <p:ext uri="{BB962C8B-B14F-4D97-AF65-F5344CB8AC3E}">
+        <p14:creationId xmlns:p14="http://schemas.microsoft.com/office/powerpoint/2010/main" val="3162313822"/>
+      </p:ext>
+    </p:extLst>
+  </p:cSld>
+  <p:clrMapOvr>
+    <a:masterClrMapping/>
+  </p:clrMapOvr>
+</p:sld>
+</file>
+
+<file path=ppt/slides/slide6.xml><?xml version="1.0" encoding="utf-8"?>
+<p:sld xmlns:a="http://schemas.openxmlformats.org/drawingml/2006/main" xmlns:r="http://schemas.openxmlformats.org/officeDocument/2006/relationships" xmlns:p="http://schemas.openxmlformats.org/presentationml/2006/main">
+  <p:cSld>
+    <p:spTree>
+      <p:nvGrpSpPr>
+        <p:cNvPr id="1" name=""/>
+        <p:cNvGrpSpPr/>
+        <p:nvPr/>
+      </p:nvGrpSpPr>
+      <p:grpSpPr>
+        <a:xfrm>
+          <a:off x="0" y="0"/>
+          <a:ext cx="0" cy="0"/>
+          <a:chOff x="0" y="0"/>
+          <a:chExt cx="0" cy="0"/>
+        </a:xfrm>
+      </p:grpSpPr>
       <p:sp>
         <p:nvSpPr>
           <p:cNvPr id="3" name="TextBox 2"/>
@@ -4731,7 +9268,7 @@
           </a:lstStyle>
           <a:p>
             <a:r>
-              <a:rPr lang="en-US" altLang="ko-KR" dirty="0" smtClean="0">
+              <a:rPr lang="en-US" altLang="ko-KR" dirty="0">
                 <a:solidFill>
                   <a:schemeClr val="accent5"/>
                 </a:solidFill>
@@ -4741,14 +9278,14 @@
               <a:t>S</a:t>
             </a:r>
             <a:r>
-              <a:rPr lang="en-US" altLang="ko-KR" dirty="0" smtClean="0">
+              <a:rPr lang="en-US" altLang="ko-KR" dirty="0">
                 <a:latin typeface="배달의민족 도현" pitchFamily="50" charset="-127"/>
                 <a:ea typeface="배달의민족 도현" pitchFamily="50" charset="-127"/>
               </a:rPr>
               <a:t>TART</a:t>
             </a:r>
             <a:r>
-              <a:rPr lang="en-US" altLang="ko-KR" dirty="0" smtClean="0">
+              <a:rPr lang="en-US" altLang="ko-KR" dirty="0">
                 <a:solidFill>
                   <a:schemeClr val="accent5"/>
                 </a:solidFill>
@@ -4758,7 +9295,7 @@
               <a:t>C</a:t>
             </a:r>
             <a:r>
-              <a:rPr lang="en-US" altLang="ko-KR" dirty="0" smtClean="0">
+              <a:rPr lang="en-US" altLang="ko-KR" dirty="0">
                 <a:latin typeface="배달의민족 도현" pitchFamily="50" charset="-127"/>
                 <a:ea typeface="배달의민족 도현" pitchFamily="50" charset="-127"/>
               </a:rPr>
@@ -4773,226 +9310,13 @@
       </p:sp>
       <p:sp>
         <p:nvSpPr>
-          <p:cNvPr id="4" name="제목 1"/>
-          <p:cNvSpPr txBox="1">
-            <a:spLocks/>
-          </p:cNvSpPr>
-          <p:nvPr/>
-        </p:nvSpPr>
-        <p:spPr>
-          <a:xfrm>
-            <a:off x="755576" y="3573016"/>
-            <a:ext cx="7344816" cy="1080120"/>
-          </a:xfrm>
-          <a:prstGeom prst="rect">
-            <a:avLst/>
-          </a:prstGeom>
-        </p:spPr>
-        <p:txBody>
-          <a:bodyPr vert="horz" lIns="91440" tIns="45720" rIns="91440" bIns="45720" rtlCol="0" anchor="ctr">
-            <a:normAutofit fontScale="92500" lnSpcReduction="20000"/>
-          </a:bodyPr>
-          <a:lstStyle>
-            <a:lvl1pPr algn="ctr" defTabSz="914400" rtl="0" eaLnBrk="1" latinLnBrk="1" hangingPunct="1">
-              <a:spcBef>
-                <a:spcPct val="0"/>
-              </a:spcBef>
-              <a:buNone/>
-              <a:defRPr sz="4400" kern="1200">
-                <a:solidFill>
-                  <a:schemeClr val="tx1"/>
-                </a:solidFill>
-                <a:latin typeface="+mj-lt"/>
-                <a:ea typeface="+mj-ea"/>
-                <a:cs typeface="+mj-cs"/>
-              </a:defRPr>
-            </a:lvl1pPr>
-          </a:lstStyle>
-          <a:p>
-            <a:r>
-              <a:rPr lang="ko-KR" altLang="en-US" sz="2800" dirty="0" smtClean="0">
-                <a:solidFill>
-                  <a:schemeClr val="accent5"/>
-                </a:solidFill>
-                <a:latin typeface="배달의민족 주아" pitchFamily="18" charset="-127"/>
-                <a:ea typeface="배달의민족 주아" pitchFamily="18" charset="-127"/>
-              </a:rPr>
-              <a:t>현재위치</a:t>
-            </a:r>
-            <a:r>
-              <a:rPr lang="en-US" altLang="ko-KR" sz="2800" dirty="0" smtClean="0">
-                <a:solidFill>
-                  <a:schemeClr val="accent5"/>
-                </a:solidFill>
-                <a:latin typeface="배달의민족 주아" pitchFamily="18" charset="-127"/>
-                <a:ea typeface="배달의민족 주아" pitchFamily="18" charset="-127"/>
-              </a:rPr>
-              <a:t>(static)</a:t>
-            </a:r>
-            <a:r>
-              <a:rPr lang="ko-KR" altLang="en-US" sz="2800" dirty="0" smtClean="0">
-                <a:solidFill>
-                  <a:schemeClr val="accent5"/>
-                </a:solidFill>
-                <a:latin typeface="배달의민족 주아" pitchFamily="18" charset="-127"/>
-                <a:ea typeface="배달의민족 주아" pitchFamily="18" charset="-127"/>
-              </a:rPr>
-              <a:t>를 기준으로 </a:t>
-            </a:r>
-            <a:endParaRPr lang="en-US" altLang="ko-KR" sz="2800" dirty="0">
-              <a:solidFill>
-                <a:schemeClr val="accent5"/>
-              </a:solidFill>
-              <a:latin typeface="배달의민족 주아" pitchFamily="18" charset="-127"/>
-              <a:ea typeface="배달의민족 주아" pitchFamily="18" charset="-127"/>
-            </a:endParaRPr>
-          </a:p>
-          <a:p>
-            <a:r>
-              <a:rPr lang="ko-KR" altLang="en-US" sz="2800" dirty="0" smtClean="0">
-                <a:latin typeface="배달의민족 주아" pitchFamily="18" charset="-127"/>
-                <a:ea typeface="배달의민족 주아" pitchFamily="18" charset="-127"/>
-              </a:rPr>
-              <a:t>좌표속성을 사용하여 위치를 이동시킨다</a:t>
-            </a:r>
-            <a:r>
-              <a:rPr lang="en-US" altLang="ko-KR" sz="2800" dirty="0" smtClean="0">
-                <a:latin typeface="배달의민족 주아" pitchFamily="18" charset="-127"/>
-                <a:ea typeface="배달의민족 주아" pitchFamily="18" charset="-127"/>
-              </a:rPr>
-              <a:t>. </a:t>
-            </a:r>
-          </a:p>
-          <a:p>
-            <a:r>
-              <a:rPr lang="en-US" altLang="ko-KR" sz="2800" dirty="0" smtClean="0">
-                <a:latin typeface="배달의민족 주아" pitchFamily="18" charset="-127"/>
-                <a:ea typeface="배달의민족 주아" pitchFamily="18" charset="-127"/>
-              </a:rPr>
-              <a:t>(top, bottom, left, right)</a:t>
-            </a:r>
-          </a:p>
-        </p:txBody>
-      </p:sp>
-    </p:spTree>
-    <p:extLst>
-      <p:ext uri="{BB962C8B-B14F-4D97-AF65-F5344CB8AC3E}">
-        <p14:creationId xmlns:p14="http://schemas.microsoft.com/office/powerpoint/2010/main" val="846792092"/>
-      </p:ext>
-    </p:extLst>
-  </p:cSld>
-  <p:clrMapOvr>
-    <a:masterClrMapping/>
-  </p:clrMapOvr>
-  <p:timing>
-    <p:tnLst>
-      <p:par>
-        <p:cTn id="1" dur="indefinite" restart="never" nodeType="tmRoot">
-          <p:childTnLst>
-            <p:seq concurrent="1" nextAc="seek">
-              <p:cTn id="2" dur="indefinite" nodeType="mainSeq">
-                <p:childTnLst>
-                  <p:par>
-                    <p:cTn id="3" fill="hold">
-                      <p:stCondLst>
-                        <p:cond delay="indefinite"/>
-                      </p:stCondLst>
-                      <p:childTnLst>
-                        <p:par>
-                          <p:cTn id="4" fill="hold">
-                            <p:stCondLst>
-                              <p:cond delay="0"/>
-                            </p:stCondLst>
-                            <p:childTnLst>
-                              <p:par>
-                                <p:cTn id="5" presetID="10" presetClass="entr" presetSubtype="0" fill="hold" grpId="0" nodeType="clickEffect">
-                                  <p:stCondLst>
-                                    <p:cond delay="0"/>
-                                  </p:stCondLst>
-                                  <p:childTnLst>
-                                    <p:set>
-                                      <p:cBhvr>
-                                        <p:cTn id="6" dur="1" fill="hold">
-                                          <p:stCondLst>
-                                            <p:cond delay="0"/>
-                                          </p:stCondLst>
-                                        </p:cTn>
-                                        <p:tgtEl>
-                                          <p:spTgt spid="4"/>
-                                        </p:tgtEl>
-                                        <p:attrNameLst>
-                                          <p:attrName>style.visibility</p:attrName>
-                                        </p:attrNameLst>
-                                      </p:cBhvr>
-                                      <p:to>
-                                        <p:strVal val="visible"/>
-                                      </p:to>
-                                    </p:set>
-                                    <p:animEffect transition="in" filter="fade">
-                                      <p:cBhvr>
-                                        <p:cTn id="7" dur="500"/>
-                                        <p:tgtEl>
-                                          <p:spTgt spid="4"/>
-                                        </p:tgtEl>
-                                      </p:cBhvr>
-                                    </p:animEffect>
-                                  </p:childTnLst>
-                                </p:cTn>
-                              </p:par>
-                            </p:childTnLst>
-                          </p:cTn>
-                        </p:par>
-                      </p:childTnLst>
-                    </p:cTn>
-                  </p:par>
-                </p:childTnLst>
-              </p:cTn>
-              <p:prevCondLst>
-                <p:cond evt="onPrev" delay="0">
-                  <p:tgtEl>
-                    <p:sldTgt/>
-                  </p:tgtEl>
-                </p:cond>
-              </p:prevCondLst>
-              <p:nextCondLst>
-                <p:cond evt="onNext" delay="0">
-                  <p:tgtEl>
-                    <p:sldTgt/>
-                  </p:tgtEl>
-                </p:cond>
-              </p:nextCondLst>
-            </p:seq>
-          </p:childTnLst>
-        </p:cTn>
-      </p:par>
-    </p:tnLst>
-    <p:bldLst>
-      <p:bldP spid="4" grpId="0"/>
-    </p:bldLst>
-  </p:timing>
-</p:sld>
-</file>
-
-<file path=ppt/slides/slide6.xml><?xml version="1.0" encoding="utf-8"?>
-<p:sld xmlns:a="http://schemas.openxmlformats.org/drawingml/2006/main" xmlns:r="http://schemas.openxmlformats.org/officeDocument/2006/relationships" xmlns:p="http://schemas.openxmlformats.org/presentationml/2006/main">
-  <p:cSld>
-    <p:spTree>
-      <p:nvGrpSpPr>
-        <p:cNvPr id="1" name=""/>
-        <p:cNvGrpSpPr/>
-        <p:nvPr/>
-      </p:nvGrpSpPr>
-      <p:grpSpPr>
-        <a:xfrm>
-          <a:off x="0" y="0"/>
-          <a:ext cx="0" cy="0"/>
-          <a:chOff x="0" y="0"/>
-          <a:chExt cx="0" cy="0"/>
-        </a:xfrm>
-      </p:grpSpPr>
-      <p:sp>
-        <p:nvSpPr>
-          <p:cNvPr id="2" name="제목 1"/>
+          <p:cNvPr id="8" name="제목 1">
+            <a:extLst>
+              <a:ext uri="{FF2B5EF4-FFF2-40B4-BE49-F238E27FC236}">
+                <a16:creationId xmlns:a16="http://schemas.microsoft.com/office/drawing/2014/main" id="{14C1D295-F817-4E20-8BBC-10ED91A25559}"/>
+              </a:ext>
+            </a:extLst>
+          </p:cNvPr>
           <p:cNvSpPr>
             <a:spLocks noGrp="1"/>
           </p:cNvSpPr>
@@ -5000,350 +9324,86 @@
             <p:ph type="ctrTitle"/>
           </p:nvPr>
         </p:nvSpPr>
-        <p:spPr/>
+        <p:spPr>
+          <a:xfrm>
+            <a:off x="3203848" y="17190"/>
+            <a:ext cx="2736304" cy="531490"/>
+          </a:xfrm>
+        </p:spPr>
         <p:txBody>
-          <a:bodyPr/>
+          <a:bodyPr>
+            <a:normAutofit fontScale="90000"/>
+          </a:bodyPr>
           <a:lstStyle/>
           <a:p>
             <a:r>
-              <a:rPr lang="en-US" altLang="ko-KR" dirty="0" smtClean="0">
+              <a:rPr lang="en-US" altLang="ko-KR" sz="2400" dirty="0">
                 <a:latin typeface="배달의민족 주아" pitchFamily="18" charset="-127"/>
                 <a:ea typeface="배달의민족 주아" pitchFamily="18" charset="-127"/>
               </a:rPr>
-              <a:t>position : relative</a:t>
-            </a:r>
-            <a:endParaRPr lang="ko-KR" altLang="en-US" dirty="0">
-              <a:latin typeface="배달의민족 주아" pitchFamily="18" charset="-127"/>
-              <a:ea typeface="배달의민족 주아" pitchFamily="18" charset="-127"/>
-            </a:endParaRPr>
+              <a:t>position : static </a:t>
+            </a:r>
+            <a:r>
+              <a:rPr lang="ko-KR" altLang="en-US" sz="2400" dirty="0">
+                <a:latin typeface="배달의민족 주아" pitchFamily="18" charset="-127"/>
+                <a:ea typeface="배달의민족 주아" pitchFamily="18" charset="-127"/>
+              </a:rPr>
+              <a:t>예제</a:t>
+            </a:r>
           </a:p>
         </p:txBody>
       </p:sp>
-      <p:sp>
-        <p:nvSpPr>
-          <p:cNvPr id="3" name="TextBox 2"/>
-          <p:cNvSpPr txBox="1"/>
+      <p:pic>
+        <p:nvPicPr>
+          <p:cNvPr id="10" name="그림 9">
+            <a:extLst>
+              <a:ext uri="{FF2B5EF4-FFF2-40B4-BE49-F238E27FC236}">
+                <a16:creationId xmlns:a16="http://schemas.microsoft.com/office/drawing/2014/main" id="{BEECCBD3-4ED6-4BFD-97FF-92FF2BD8F386}"/>
+              </a:ext>
+            </a:extLst>
+          </p:cNvPr>
+          <p:cNvPicPr>
+            <a:picLocks noChangeAspect="1"/>
+          </p:cNvPicPr>
           <p:nvPr/>
-        </p:nvSpPr>
+        </p:nvPicPr>
+        <p:blipFill>
+          <a:blip r:embed="rId2">
+            <a:extLst>
+              <a:ext uri="{28A0092B-C50C-407E-A947-70E740481C1C}">
+                <a14:useLocalDpi xmlns:a14="http://schemas.microsoft.com/office/drawing/2010/main" val="0"/>
+              </a:ext>
+            </a:extLst>
+          </a:blip>
+          <a:stretch>
+            <a:fillRect/>
+          </a:stretch>
+        </p:blipFill>
         <p:spPr>
           <a:xfrm>
-            <a:off x="6948264" y="6093296"/>
-            <a:ext cx="1838965" cy="369332"/>
+            <a:off x="2951981" y="1052736"/>
+            <a:ext cx="3240037" cy="4614448"/>
           </a:xfrm>
           <a:prstGeom prst="rect">
             <a:avLst/>
           </a:prstGeom>
-          <a:noFill/>
+          <a:ln>
+            <a:solidFill>
+              <a:schemeClr val="tx1"/>
+            </a:solidFill>
+          </a:ln>
         </p:spPr>
-        <p:txBody>
-          <a:bodyPr wrap="none" rtlCol="0">
-            <a:spAutoFit/>
-          </a:bodyPr>
-          <a:lstStyle>
-            <a:defPPr>
-              <a:defRPr lang="ko-KR"/>
-            </a:defPPr>
-            <a:lvl1pPr marL="0" algn="l" defTabSz="914400" rtl="0" eaLnBrk="1" latinLnBrk="1" hangingPunct="1">
-              <a:defRPr sz="1800" kern="1200">
-                <a:solidFill>
-                  <a:schemeClr val="tx1"/>
-                </a:solidFill>
-                <a:latin typeface="+mn-lt"/>
-                <a:ea typeface="+mn-ea"/>
-                <a:cs typeface="+mn-cs"/>
-              </a:defRPr>
-            </a:lvl1pPr>
-            <a:lvl2pPr marL="457200" algn="l" defTabSz="914400" rtl="0" eaLnBrk="1" latinLnBrk="1" hangingPunct="1">
-              <a:defRPr sz="1800" kern="1200">
-                <a:solidFill>
-                  <a:schemeClr val="tx1"/>
-                </a:solidFill>
-                <a:latin typeface="+mn-lt"/>
-                <a:ea typeface="+mn-ea"/>
-                <a:cs typeface="+mn-cs"/>
-              </a:defRPr>
-            </a:lvl2pPr>
-            <a:lvl3pPr marL="914400" algn="l" defTabSz="914400" rtl="0" eaLnBrk="1" latinLnBrk="1" hangingPunct="1">
-              <a:defRPr sz="1800" kern="1200">
-                <a:solidFill>
-                  <a:schemeClr val="tx1"/>
-                </a:solidFill>
-                <a:latin typeface="+mn-lt"/>
-                <a:ea typeface="+mn-ea"/>
-                <a:cs typeface="+mn-cs"/>
-              </a:defRPr>
-            </a:lvl3pPr>
-            <a:lvl4pPr marL="1371600" algn="l" defTabSz="914400" rtl="0" eaLnBrk="1" latinLnBrk="1" hangingPunct="1">
-              <a:defRPr sz="1800" kern="1200">
-                <a:solidFill>
-                  <a:schemeClr val="tx1"/>
-                </a:solidFill>
-                <a:latin typeface="+mn-lt"/>
-                <a:ea typeface="+mn-ea"/>
-                <a:cs typeface="+mn-cs"/>
-              </a:defRPr>
-            </a:lvl4pPr>
-            <a:lvl5pPr marL="1828800" algn="l" defTabSz="914400" rtl="0" eaLnBrk="1" latinLnBrk="1" hangingPunct="1">
-              <a:defRPr sz="1800" kern="1200">
-                <a:solidFill>
-                  <a:schemeClr val="tx1"/>
-                </a:solidFill>
-                <a:latin typeface="+mn-lt"/>
-                <a:ea typeface="+mn-ea"/>
-                <a:cs typeface="+mn-cs"/>
-              </a:defRPr>
-            </a:lvl5pPr>
-            <a:lvl6pPr marL="2286000" algn="l" defTabSz="914400" rtl="0" eaLnBrk="1" latinLnBrk="1" hangingPunct="1">
-              <a:defRPr sz="1800" kern="1200">
-                <a:solidFill>
-                  <a:schemeClr val="tx1"/>
-                </a:solidFill>
-                <a:latin typeface="+mn-lt"/>
-                <a:ea typeface="+mn-ea"/>
-                <a:cs typeface="+mn-cs"/>
-              </a:defRPr>
-            </a:lvl6pPr>
-            <a:lvl7pPr marL="2743200" algn="l" defTabSz="914400" rtl="0" eaLnBrk="1" latinLnBrk="1" hangingPunct="1">
-              <a:defRPr sz="1800" kern="1200">
-                <a:solidFill>
-                  <a:schemeClr val="tx1"/>
-                </a:solidFill>
-                <a:latin typeface="+mn-lt"/>
-                <a:ea typeface="+mn-ea"/>
-                <a:cs typeface="+mn-cs"/>
-              </a:defRPr>
-            </a:lvl7pPr>
-            <a:lvl8pPr marL="3200400" algn="l" defTabSz="914400" rtl="0" eaLnBrk="1" latinLnBrk="1" hangingPunct="1">
-              <a:defRPr sz="1800" kern="1200">
-                <a:solidFill>
-                  <a:schemeClr val="tx1"/>
-                </a:solidFill>
-                <a:latin typeface="+mn-lt"/>
-                <a:ea typeface="+mn-ea"/>
-                <a:cs typeface="+mn-cs"/>
-              </a:defRPr>
-            </a:lvl8pPr>
-            <a:lvl9pPr marL="3657600" algn="l" defTabSz="914400" rtl="0" eaLnBrk="1" latinLnBrk="1" hangingPunct="1">
-              <a:defRPr sz="1800" kern="1200">
-                <a:solidFill>
-                  <a:schemeClr val="tx1"/>
-                </a:solidFill>
-                <a:latin typeface="+mn-lt"/>
-                <a:ea typeface="+mn-ea"/>
-                <a:cs typeface="+mn-cs"/>
-              </a:defRPr>
-            </a:lvl9pPr>
-          </a:lstStyle>
-          <a:p>
-            <a:r>
-              <a:rPr lang="en-US" altLang="ko-KR" dirty="0" smtClean="0">
-                <a:solidFill>
-                  <a:schemeClr val="accent5"/>
-                </a:solidFill>
-                <a:latin typeface="배달의민족 도현" pitchFamily="50" charset="-127"/>
-                <a:ea typeface="배달의민족 도현" pitchFamily="50" charset="-127"/>
-              </a:rPr>
-              <a:t>S</a:t>
-            </a:r>
-            <a:r>
-              <a:rPr lang="en-US" altLang="ko-KR" dirty="0" smtClean="0">
-                <a:latin typeface="배달의민족 도현" pitchFamily="50" charset="-127"/>
-                <a:ea typeface="배달의민족 도현" pitchFamily="50" charset="-127"/>
-              </a:rPr>
-              <a:t>TART</a:t>
-            </a:r>
-            <a:r>
-              <a:rPr lang="en-US" altLang="ko-KR" dirty="0" smtClean="0">
-                <a:solidFill>
-                  <a:schemeClr val="accent5"/>
-                </a:solidFill>
-                <a:latin typeface="배달의민족 도현" pitchFamily="50" charset="-127"/>
-                <a:ea typeface="배달의민족 도현" pitchFamily="50" charset="-127"/>
-              </a:rPr>
-              <a:t>C</a:t>
-            </a:r>
-            <a:r>
-              <a:rPr lang="en-US" altLang="ko-KR" dirty="0" smtClean="0">
-                <a:latin typeface="배달의민족 도현" pitchFamily="50" charset="-127"/>
-                <a:ea typeface="배달의민족 도현" pitchFamily="50" charset="-127"/>
-              </a:rPr>
-              <a:t>ODING</a:t>
-            </a:r>
-            <a:endParaRPr lang="ko-KR" altLang="en-US" dirty="0">
-              <a:latin typeface="배달의민족 도현" pitchFamily="50" charset="-127"/>
-              <a:ea typeface="배달의민족 도현" pitchFamily="50" charset="-127"/>
-            </a:endParaRPr>
-          </a:p>
-        </p:txBody>
-      </p:sp>
-      <p:sp>
-        <p:nvSpPr>
-          <p:cNvPr id="4" name="제목 1"/>
-          <p:cNvSpPr txBox="1">
-            <a:spLocks/>
-          </p:cNvSpPr>
-          <p:nvPr/>
-        </p:nvSpPr>
-        <p:spPr>
-          <a:xfrm>
-            <a:off x="755576" y="3573016"/>
-            <a:ext cx="7344816" cy="1080120"/>
-          </a:xfrm>
-          <a:prstGeom prst="rect">
-            <a:avLst/>
-          </a:prstGeom>
-        </p:spPr>
-        <p:txBody>
-          <a:bodyPr vert="horz" lIns="91440" tIns="45720" rIns="91440" bIns="45720" rtlCol="0" anchor="ctr">
-            <a:normAutofit/>
-          </a:bodyPr>
-          <a:lstStyle>
-            <a:lvl1pPr algn="ctr" defTabSz="914400" rtl="0" eaLnBrk="1" latinLnBrk="1" hangingPunct="1">
-              <a:spcBef>
-                <a:spcPct val="0"/>
-              </a:spcBef>
-              <a:buNone/>
-              <a:defRPr sz="4400" kern="1200">
-                <a:solidFill>
-                  <a:schemeClr val="tx1"/>
-                </a:solidFill>
-                <a:latin typeface="+mj-lt"/>
-                <a:ea typeface="+mj-ea"/>
-                <a:cs typeface="+mj-cs"/>
-              </a:defRPr>
-            </a:lvl1pPr>
-          </a:lstStyle>
-          <a:p>
-            <a:r>
-              <a:rPr lang="ko-KR" altLang="en-US" sz="2800" dirty="0" smtClean="0">
-                <a:latin typeface="배달의민족 주아" pitchFamily="18" charset="-127"/>
-                <a:ea typeface="배달의민족 주아" pitchFamily="18" charset="-127"/>
-              </a:rPr>
-              <a:t>실습</a:t>
-            </a:r>
-            <a:r>
-              <a:rPr lang="en-US" altLang="ko-KR" sz="2800" dirty="0" smtClean="0">
-                <a:latin typeface="배달의민족 주아" pitchFamily="18" charset="-127"/>
-                <a:ea typeface="배달의민족 주아" pitchFamily="18" charset="-127"/>
-              </a:rPr>
-              <a:t>) </a:t>
-            </a:r>
-            <a:r>
-              <a:rPr lang="ko-KR" altLang="en-US" sz="2800" dirty="0" smtClean="0">
-                <a:solidFill>
-                  <a:schemeClr val="accent6"/>
-                </a:solidFill>
-                <a:latin typeface="배달의민족 주아" pitchFamily="18" charset="-127"/>
-                <a:ea typeface="배달의민족 주아" pitchFamily="18" charset="-127"/>
-              </a:rPr>
-              <a:t>이미지태그 두 개를 겹치게 만들어보자</a:t>
-            </a:r>
-            <a:endParaRPr lang="en-US" altLang="ko-KR" sz="2800" dirty="0" smtClean="0">
-              <a:solidFill>
-                <a:schemeClr val="accent6"/>
-              </a:solidFill>
-              <a:latin typeface="배달의민족 주아" pitchFamily="18" charset="-127"/>
-              <a:ea typeface="배달의민족 주아" pitchFamily="18" charset="-127"/>
-            </a:endParaRPr>
-          </a:p>
-        </p:txBody>
-      </p:sp>
+      </p:pic>
     </p:spTree>
     <p:extLst>
       <p:ext uri="{BB962C8B-B14F-4D97-AF65-F5344CB8AC3E}">
-        <p14:creationId xmlns:p14="http://schemas.microsoft.com/office/powerpoint/2010/main" val="484745589"/>
+        <p14:creationId xmlns:p14="http://schemas.microsoft.com/office/powerpoint/2010/main" val="2857356593"/>
       </p:ext>
     </p:extLst>
   </p:cSld>
   <p:clrMapOvr>
     <a:masterClrMapping/>
   </p:clrMapOvr>
-  <p:timing>
-    <p:tnLst>
-      <p:par>
-        <p:cTn id="1" dur="indefinite" restart="never" nodeType="tmRoot">
-          <p:childTnLst>
-            <p:seq concurrent="1" nextAc="seek">
-              <p:cTn id="2" dur="indefinite" nodeType="mainSeq">
-                <p:childTnLst>
-                  <p:par>
-                    <p:cTn id="3" fill="hold">
-                      <p:stCondLst>
-                        <p:cond delay="indefinite"/>
-                      </p:stCondLst>
-                      <p:childTnLst>
-                        <p:par>
-                          <p:cTn id="4" fill="hold">
-                            <p:stCondLst>
-                              <p:cond delay="0"/>
-                            </p:stCondLst>
-                            <p:childTnLst>
-                              <p:par>
-                                <p:cTn id="5" presetID="10" presetClass="entr" presetSubtype="0" fill="hold" grpId="0" nodeType="clickEffect">
-                                  <p:stCondLst>
-                                    <p:cond delay="0"/>
-                                  </p:stCondLst>
-                                  <p:childTnLst>
-                                    <p:set>
-                                      <p:cBhvr>
-                                        <p:cTn id="6" dur="1" fill="hold">
-                                          <p:stCondLst>
-                                            <p:cond delay="0"/>
-                                          </p:stCondLst>
-                                        </p:cTn>
-                                        <p:tgtEl>
-                                          <p:spTgt spid="4"/>
-                                        </p:tgtEl>
-                                        <p:attrNameLst>
-                                          <p:attrName>style.visibility</p:attrName>
-                                        </p:attrNameLst>
-                                      </p:cBhvr>
-                                      <p:to>
-                                        <p:strVal val="visible"/>
-                                      </p:to>
-                                    </p:set>
-                                    <p:animEffect transition="in" filter="fade">
-                                      <p:cBhvr>
-                                        <p:cTn id="7" dur="500"/>
-                                        <p:tgtEl>
-                                          <p:spTgt spid="4"/>
-                                        </p:tgtEl>
-                                      </p:cBhvr>
-                                    </p:animEffect>
-                                  </p:childTnLst>
-                                </p:cTn>
-                              </p:par>
-                            </p:childTnLst>
-                          </p:cTn>
-                        </p:par>
-                      </p:childTnLst>
-                    </p:cTn>
-                  </p:par>
-                </p:childTnLst>
-              </p:cTn>
-              <p:prevCondLst>
-                <p:cond evt="onPrev" delay="0">
-                  <p:tgtEl>
-                    <p:sldTgt/>
-                  </p:tgtEl>
-                </p:cond>
-              </p:prevCondLst>
-              <p:nextCondLst>
-                <p:cond evt="onNext" delay="0">
-                  <p:tgtEl>
-                    <p:sldTgt/>
-                  </p:tgtEl>
-                </p:cond>
-              </p:nextCondLst>
-            </p:seq>
-          </p:childTnLst>
-        </p:cTn>
-      </p:par>
-    </p:tnLst>
-    <p:bldLst>
-      <p:bldP spid="4" grpId="0"/>
-    </p:bldLst>
-  </p:timing>
 </p:sld>
 </file>
 
@@ -5380,11 +9440,11 @@
           <a:lstStyle/>
           <a:p>
             <a:r>
-              <a:rPr lang="en-US" altLang="ko-KR" dirty="0" smtClean="0">
+              <a:rPr lang="en-US" altLang="ko-KR" dirty="0">
                 <a:latin typeface="배달의민족 주아" pitchFamily="18" charset="-127"/>
                 <a:ea typeface="배달의민족 주아" pitchFamily="18" charset="-127"/>
               </a:rPr>
-              <a:t>position : fixed</a:t>
+              <a:t>position : relative</a:t>
             </a:r>
             <a:endParaRPr lang="ko-KR" altLang="en-US" dirty="0">
               <a:latin typeface="배달의민족 주아" pitchFamily="18" charset="-127"/>
@@ -5510,7 +9570,7 @@
           </a:lstStyle>
           <a:p>
             <a:r>
-              <a:rPr lang="en-US" altLang="ko-KR" dirty="0" smtClean="0">
+              <a:rPr lang="en-US" altLang="ko-KR" dirty="0">
                 <a:solidFill>
                   <a:schemeClr val="accent5"/>
                 </a:solidFill>
@@ -5520,14 +9580,14 @@
               <a:t>S</a:t>
             </a:r>
             <a:r>
-              <a:rPr lang="en-US" altLang="ko-KR" dirty="0" smtClean="0">
+              <a:rPr lang="en-US" altLang="ko-KR" dirty="0">
                 <a:latin typeface="배달의민족 도현" pitchFamily="50" charset="-127"/>
                 <a:ea typeface="배달의민족 도현" pitchFamily="50" charset="-127"/>
               </a:rPr>
               <a:t>TART</a:t>
             </a:r>
             <a:r>
-              <a:rPr lang="en-US" altLang="ko-KR" dirty="0" smtClean="0">
+              <a:rPr lang="en-US" altLang="ko-KR" dirty="0">
                 <a:solidFill>
                   <a:schemeClr val="accent5"/>
                 </a:solidFill>
@@ -5537,7 +9597,7 @@
               <a:t>C</a:t>
             </a:r>
             <a:r>
-              <a:rPr lang="en-US" altLang="ko-KR" dirty="0" smtClean="0">
+              <a:rPr lang="en-US" altLang="ko-KR" dirty="0">
                 <a:latin typeface="배달의민족 도현" pitchFamily="50" charset="-127"/>
                 <a:ea typeface="배달의민족 도현" pitchFamily="50" charset="-127"/>
               </a:rPr>
@@ -5560,8 +9620,8 @@
         </p:nvSpPr>
         <p:spPr>
           <a:xfrm>
-            <a:off x="755575" y="3573016"/>
-            <a:ext cx="8031653" cy="1080120"/>
+            <a:off x="755576" y="3573016"/>
+            <a:ext cx="7344816" cy="1080120"/>
           </a:xfrm>
           <a:prstGeom prst="rect">
             <a:avLst/>
@@ -5589,14 +9649,34 @@
           </a:lstStyle>
           <a:p>
             <a:r>
-              <a:rPr lang="ko-KR" altLang="en-US" sz="2800" dirty="0" smtClean="0">
+              <a:rPr lang="ko-KR" altLang="en-US" sz="2800" dirty="0">
                 <a:solidFill>
                   <a:schemeClr val="accent5"/>
                 </a:solidFill>
                 <a:latin typeface="배달의민족 주아" pitchFamily="18" charset="-127"/>
                 <a:ea typeface="배달의민족 주아" pitchFamily="18" charset="-127"/>
               </a:rPr>
-              <a:t>브라우저의 화면을 기준으로 </a:t>
+              <a:t>현재위치</a:t>
+            </a:r>
+            <a:r>
+              <a:rPr lang="en-US" altLang="ko-KR" sz="2800" dirty="0">
+                <a:solidFill>
+                  <a:schemeClr val="accent5"/>
+                </a:solidFill>
+                <a:latin typeface="배달의민족 주아" pitchFamily="18" charset="-127"/>
+                <a:ea typeface="배달의민족 주아" pitchFamily="18" charset="-127"/>
+              </a:rPr>
+              <a:t>(static)</a:t>
+            </a:r>
+            <a:r>
+              <a:rPr lang="ko-KR" altLang="en-US" sz="2800" dirty="0">
+                <a:solidFill>
+                  <a:schemeClr val="accent5"/>
+                </a:solidFill>
+                <a:latin typeface="배달의민족 주아" pitchFamily="18" charset="-127"/>
+                <a:ea typeface="배달의민족 주아" pitchFamily="18" charset="-127"/>
+              </a:rPr>
+              <a:t>를 기준으로 </a:t>
             </a:r>
             <a:endParaRPr lang="en-US" altLang="ko-KR" sz="2800" dirty="0">
               <a:solidFill>
@@ -5608,14 +9688,14 @@
           </a:p>
           <a:p>
             <a:r>
-              <a:rPr lang="ko-KR" altLang="en-US" sz="2800" dirty="0" smtClean="0">
+              <a:rPr lang="ko-KR" altLang="en-US" sz="2800" dirty="0">
                 <a:latin typeface="배달의민족 주아" pitchFamily="18" charset="-127"/>
                 <a:ea typeface="배달의민족 주아" pitchFamily="18" charset="-127"/>
               </a:rPr>
               <a:t>좌표속성을 사용하여 위치를 이동시킨다</a:t>
             </a:r>
             <a:r>
-              <a:rPr lang="en-US" altLang="ko-KR" sz="2800" dirty="0" smtClean="0">
+              <a:rPr lang="en-US" altLang="ko-KR" sz="2800" dirty="0">
                 <a:latin typeface="배달의민족 주아" pitchFamily="18" charset="-127"/>
                 <a:ea typeface="배달의민족 주아" pitchFamily="18" charset="-127"/>
               </a:rPr>
@@ -5624,7 +9704,7 @@
           </a:p>
           <a:p>
             <a:r>
-              <a:rPr lang="en-US" altLang="ko-KR" sz="2800" dirty="0" smtClean="0">
+              <a:rPr lang="en-US" altLang="ko-KR" sz="2800" dirty="0">
                 <a:latin typeface="배달의민족 주아" pitchFamily="18" charset="-127"/>
                 <a:ea typeface="배달의민족 주아" pitchFamily="18" charset="-127"/>
               </a:rPr>
@@ -5636,7 +9716,7 @@
     </p:spTree>
     <p:extLst>
       <p:ext uri="{BB962C8B-B14F-4D97-AF65-F5344CB8AC3E}">
-        <p14:creationId xmlns:p14="http://schemas.microsoft.com/office/powerpoint/2010/main" val="956815271"/>
+        <p14:creationId xmlns:p14="http://schemas.microsoft.com/office/powerpoint/2010/main" val="846792092"/>
       </p:ext>
     </p:extLst>
   </p:cSld>
@@ -5751,7 +9831,1492 @@
       </p:grpSpPr>
       <p:sp>
         <p:nvSpPr>
-          <p:cNvPr id="2" name="제목 1"/>
+          <p:cNvPr id="3" name="TextBox 2"/>
+          <p:cNvSpPr txBox="1"/>
+          <p:nvPr/>
+        </p:nvSpPr>
+        <p:spPr>
+          <a:xfrm>
+            <a:off x="6948264" y="6093296"/>
+            <a:ext cx="1838965" cy="369332"/>
+          </a:xfrm>
+          <a:prstGeom prst="rect">
+            <a:avLst/>
+          </a:prstGeom>
+          <a:noFill/>
+        </p:spPr>
+        <p:txBody>
+          <a:bodyPr wrap="none" rtlCol="0">
+            <a:spAutoFit/>
+          </a:bodyPr>
+          <a:lstStyle>
+            <a:defPPr>
+              <a:defRPr lang="ko-KR"/>
+            </a:defPPr>
+            <a:lvl1pPr marL="0" algn="l" defTabSz="914400" rtl="0" eaLnBrk="1" latinLnBrk="1" hangingPunct="1">
+              <a:defRPr sz="1800" kern="1200">
+                <a:solidFill>
+                  <a:schemeClr val="tx1"/>
+                </a:solidFill>
+                <a:latin typeface="+mn-lt"/>
+                <a:ea typeface="+mn-ea"/>
+                <a:cs typeface="+mn-cs"/>
+              </a:defRPr>
+            </a:lvl1pPr>
+            <a:lvl2pPr marL="457200" algn="l" defTabSz="914400" rtl="0" eaLnBrk="1" latinLnBrk="1" hangingPunct="1">
+              <a:defRPr sz="1800" kern="1200">
+                <a:solidFill>
+                  <a:schemeClr val="tx1"/>
+                </a:solidFill>
+                <a:latin typeface="+mn-lt"/>
+                <a:ea typeface="+mn-ea"/>
+                <a:cs typeface="+mn-cs"/>
+              </a:defRPr>
+            </a:lvl2pPr>
+            <a:lvl3pPr marL="914400" algn="l" defTabSz="914400" rtl="0" eaLnBrk="1" latinLnBrk="1" hangingPunct="1">
+              <a:defRPr sz="1800" kern="1200">
+                <a:solidFill>
+                  <a:schemeClr val="tx1"/>
+                </a:solidFill>
+                <a:latin typeface="+mn-lt"/>
+                <a:ea typeface="+mn-ea"/>
+                <a:cs typeface="+mn-cs"/>
+              </a:defRPr>
+            </a:lvl3pPr>
+            <a:lvl4pPr marL="1371600" algn="l" defTabSz="914400" rtl="0" eaLnBrk="1" latinLnBrk="1" hangingPunct="1">
+              <a:defRPr sz="1800" kern="1200">
+                <a:solidFill>
+                  <a:schemeClr val="tx1"/>
+                </a:solidFill>
+                <a:latin typeface="+mn-lt"/>
+                <a:ea typeface="+mn-ea"/>
+                <a:cs typeface="+mn-cs"/>
+              </a:defRPr>
+            </a:lvl4pPr>
+            <a:lvl5pPr marL="1828800" algn="l" defTabSz="914400" rtl="0" eaLnBrk="1" latinLnBrk="1" hangingPunct="1">
+              <a:defRPr sz="1800" kern="1200">
+                <a:solidFill>
+                  <a:schemeClr val="tx1"/>
+                </a:solidFill>
+                <a:latin typeface="+mn-lt"/>
+                <a:ea typeface="+mn-ea"/>
+                <a:cs typeface="+mn-cs"/>
+              </a:defRPr>
+            </a:lvl5pPr>
+            <a:lvl6pPr marL="2286000" algn="l" defTabSz="914400" rtl="0" eaLnBrk="1" latinLnBrk="1" hangingPunct="1">
+              <a:defRPr sz="1800" kern="1200">
+                <a:solidFill>
+                  <a:schemeClr val="tx1"/>
+                </a:solidFill>
+                <a:latin typeface="+mn-lt"/>
+                <a:ea typeface="+mn-ea"/>
+                <a:cs typeface="+mn-cs"/>
+              </a:defRPr>
+            </a:lvl6pPr>
+            <a:lvl7pPr marL="2743200" algn="l" defTabSz="914400" rtl="0" eaLnBrk="1" latinLnBrk="1" hangingPunct="1">
+              <a:defRPr sz="1800" kern="1200">
+                <a:solidFill>
+                  <a:schemeClr val="tx1"/>
+                </a:solidFill>
+                <a:latin typeface="+mn-lt"/>
+                <a:ea typeface="+mn-ea"/>
+                <a:cs typeface="+mn-cs"/>
+              </a:defRPr>
+            </a:lvl7pPr>
+            <a:lvl8pPr marL="3200400" algn="l" defTabSz="914400" rtl="0" eaLnBrk="1" latinLnBrk="1" hangingPunct="1">
+              <a:defRPr sz="1800" kern="1200">
+                <a:solidFill>
+                  <a:schemeClr val="tx1"/>
+                </a:solidFill>
+                <a:latin typeface="+mn-lt"/>
+                <a:ea typeface="+mn-ea"/>
+                <a:cs typeface="+mn-cs"/>
+              </a:defRPr>
+            </a:lvl8pPr>
+            <a:lvl9pPr marL="3657600" algn="l" defTabSz="914400" rtl="0" eaLnBrk="1" latinLnBrk="1" hangingPunct="1">
+              <a:defRPr sz="1800" kern="1200">
+                <a:solidFill>
+                  <a:schemeClr val="tx1"/>
+                </a:solidFill>
+                <a:latin typeface="+mn-lt"/>
+                <a:ea typeface="+mn-ea"/>
+                <a:cs typeface="+mn-cs"/>
+              </a:defRPr>
+            </a:lvl9pPr>
+          </a:lstStyle>
+          <a:p>
+            <a:r>
+              <a:rPr lang="en-US" altLang="ko-KR" dirty="0">
+                <a:solidFill>
+                  <a:schemeClr val="accent5"/>
+                </a:solidFill>
+                <a:latin typeface="배달의민족 도현" pitchFamily="50" charset="-127"/>
+                <a:ea typeface="배달의민족 도현" pitchFamily="50" charset="-127"/>
+              </a:rPr>
+              <a:t>S</a:t>
+            </a:r>
+            <a:r>
+              <a:rPr lang="en-US" altLang="ko-KR" dirty="0">
+                <a:latin typeface="배달의민족 도현" pitchFamily="50" charset="-127"/>
+                <a:ea typeface="배달의민족 도현" pitchFamily="50" charset="-127"/>
+              </a:rPr>
+              <a:t>TART</a:t>
+            </a:r>
+            <a:r>
+              <a:rPr lang="en-US" altLang="ko-KR" dirty="0">
+                <a:solidFill>
+                  <a:schemeClr val="accent5"/>
+                </a:solidFill>
+                <a:latin typeface="배달의민족 도현" pitchFamily="50" charset="-127"/>
+                <a:ea typeface="배달의민족 도현" pitchFamily="50" charset="-127"/>
+              </a:rPr>
+              <a:t>C</a:t>
+            </a:r>
+            <a:r>
+              <a:rPr lang="en-US" altLang="ko-KR" dirty="0">
+                <a:latin typeface="배달의민족 도현" pitchFamily="50" charset="-127"/>
+                <a:ea typeface="배달의민족 도현" pitchFamily="50" charset="-127"/>
+              </a:rPr>
+              <a:t>ODING</a:t>
+            </a:r>
+            <a:endParaRPr lang="ko-KR" altLang="en-US" dirty="0">
+              <a:latin typeface="배달의민족 도현" pitchFamily="50" charset="-127"/>
+              <a:ea typeface="배달의민족 도현" pitchFamily="50" charset="-127"/>
+            </a:endParaRPr>
+          </a:p>
+        </p:txBody>
+      </p:sp>
+      <p:sp>
+        <p:nvSpPr>
+          <p:cNvPr id="5" name="직사각형 4">
+            <a:extLst>
+              <a:ext uri="{FF2B5EF4-FFF2-40B4-BE49-F238E27FC236}">
+                <a16:creationId xmlns:a16="http://schemas.microsoft.com/office/drawing/2014/main" id="{20B88786-F94D-4439-8F03-A16ADE17F253}"/>
+              </a:ext>
+            </a:extLst>
+          </p:cNvPr>
+          <p:cNvSpPr/>
+          <p:nvPr/>
+        </p:nvSpPr>
+        <p:spPr>
+          <a:xfrm>
+            <a:off x="1692796" y="470857"/>
+            <a:ext cx="5759524" cy="5693866"/>
+          </a:xfrm>
+          <a:prstGeom prst="rect">
+            <a:avLst/>
+          </a:prstGeom>
+          <a:solidFill>
+            <a:schemeClr val="tx1"/>
+          </a:solidFill>
+          <a:effectLst>
+            <a:softEdge rad="31750"/>
+          </a:effectLst>
+        </p:spPr>
+        <p:txBody>
+          <a:bodyPr wrap="square">
+            <a:spAutoFit/>
+          </a:bodyPr>
+          <a:lstStyle/>
+          <a:p>
+            <a:r>
+              <a:rPr lang="en-US" altLang="ko-KR" sz="1400" dirty="0">
+                <a:solidFill>
+                  <a:srgbClr val="808080"/>
+                </a:solidFill>
+                <a:latin typeface="Consolas" panose="020B0609020204030204" pitchFamily="49" charset="0"/>
+              </a:rPr>
+              <a:t>&lt;!</a:t>
+            </a:r>
+            <a:r>
+              <a:rPr lang="en-US" altLang="ko-KR" sz="1400" dirty="0">
+                <a:solidFill>
+                  <a:srgbClr val="569CD6"/>
+                </a:solidFill>
+                <a:latin typeface="Consolas" panose="020B0609020204030204" pitchFamily="49" charset="0"/>
+              </a:rPr>
+              <a:t>DOCTYPE</a:t>
+            </a:r>
+            <a:r>
+              <a:rPr lang="en-US" altLang="ko-KR" sz="1400" dirty="0">
+                <a:solidFill>
+                  <a:srgbClr val="D4D4D4"/>
+                </a:solidFill>
+                <a:latin typeface="Consolas" panose="020B0609020204030204" pitchFamily="49" charset="0"/>
+              </a:rPr>
+              <a:t> </a:t>
+            </a:r>
+            <a:r>
+              <a:rPr lang="en-US" altLang="ko-KR" sz="1400" dirty="0">
+                <a:solidFill>
+                  <a:srgbClr val="9CDCFE"/>
+                </a:solidFill>
+                <a:latin typeface="Consolas" panose="020B0609020204030204" pitchFamily="49" charset="0"/>
+              </a:rPr>
+              <a:t>html</a:t>
+            </a:r>
+            <a:r>
+              <a:rPr lang="en-US" altLang="ko-KR" sz="1400" dirty="0">
+                <a:solidFill>
+                  <a:srgbClr val="808080"/>
+                </a:solidFill>
+                <a:latin typeface="Consolas" panose="020B0609020204030204" pitchFamily="49" charset="0"/>
+              </a:rPr>
+              <a:t>&gt;</a:t>
+            </a:r>
+            <a:endParaRPr lang="en-US" altLang="ko-KR" sz="1400" dirty="0">
+              <a:solidFill>
+                <a:srgbClr val="D4D4D4"/>
+              </a:solidFill>
+              <a:latin typeface="Consolas" panose="020B0609020204030204" pitchFamily="49" charset="0"/>
+            </a:endParaRPr>
+          </a:p>
+          <a:p>
+            <a:r>
+              <a:rPr lang="en-US" altLang="ko-KR" sz="1400" dirty="0">
+                <a:solidFill>
+                  <a:srgbClr val="808080"/>
+                </a:solidFill>
+                <a:latin typeface="Consolas" panose="020B0609020204030204" pitchFamily="49" charset="0"/>
+              </a:rPr>
+              <a:t>&lt;</a:t>
+            </a:r>
+            <a:r>
+              <a:rPr lang="en-US" altLang="ko-KR" sz="1400" dirty="0">
+                <a:solidFill>
+                  <a:srgbClr val="569CD6"/>
+                </a:solidFill>
+                <a:latin typeface="Consolas" panose="020B0609020204030204" pitchFamily="49" charset="0"/>
+              </a:rPr>
+              <a:t>html</a:t>
+            </a:r>
+            <a:r>
+              <a:rPr lang="en-US" altLang="ko-KR" sz="1400" dirty="0">
+                <a:solidFill>
+                  <a:srgbClr val="808080"/>
+                </a:solidFill>
+                <a:latin typeface="Consolas" panose="020B0609020204030204" pitchFamily="49" charset="0"/>
+              </a:rPr>
+              <a:t>&gt;</a:t>
+            </a:r>
+            <a:endParaRPr lang="en-US" altLang="ko-KR" sz="1400" dirty="0">
+              <a:solidFill>
+                <a:srgbClr val="D4D4D4"/>
+              </a:solidFill>
+              <a:latin typeface="Consolas" panose="020B0609020204030204" pitchFamily="49" charset="0"/>
+            </a:endParaRPr>
+          </a:p>
+          <a:p>
+            <a:r>
+              <a:rPr lang="en-US" altLang="ko-KR" sz="1400" dirty="0">
+                <a:solidFill>
+                  <a:srgbClr val="808080"/>
+                </a:solidFill>
+                <a:latin typeface="Consolas" panose="020B0609020204030204" pitchFamily="49" charset="0"/>
+              </a:rPr>
+              <a:t>&lt;</a:t>
+            </a:r>
+            <a:r>
+              <a:rPr lang="en-US" altLang="ko-KR" sz="1400" dirty="0">
+                <a:solidFill>
+                  <a:srgbClr val="569CD6"/>
+                </a:solidFill>
+                <a:latin typeface="Consolas" panose="020B0609020204030204" pitchFamily="49" charset="0"/>
+              </a:rPr>
+              <a:t>head</a:t>
+            </a:r>
+            <a:r>
+              <a:rPr lang="en-US" altLang="ko-KR" sz="1400" dirty="0">
+                <a:solidFill>
+                  <a:srgbClr val="808080"/>
+                </a:solidFill>
+                <a:latin typeface="Consolas" panose="020B0609020204030204" pitchFamily="49" charset="0"/>
+              </a:rPr>
+              <a:t>&gt;</a:t>
+            </a:r>
+            <a:endParaRPr lang="en-US" altLang="ko-KR" sz="1400" dirty="0">
+              <a:solidFill>
+                <a:srgbClr val="D4D4D4"/>
+              </a:solidFill>
+              <a:latin typeface="Consolas" panose="020B0609020204030204" pitchFamily="49" charset="0"/>
+            </a:endParaRPr>
+          </a:p>
+          <a:p>
+            <a:r>
+              <a:rPr lang="en-US" altLang="ko-KR" sz="1400" dirty="0">
+                <a:solidFill>
+                  <a:srgbClr val="D4D4D4"/>
+                </a:solidFill>
+                <a:latin typeface="Consolas" panose="020B0609020204030204" pitchFamily="49" charset="0"/>
+              </a:rPr>
+              <a:t>    </a:t>
+            </a:r>
+            <a:r>
+              <a:rPr lang="en-US" altLang="ko-KR" sz="1400" dirty="0">
+                <a:solidFill>
+                  <a:srgbClr val="808080"/>
+                </a:solidFill>
+                <a:latin typeface="Consolas" panose="020B0609020204030204" pitchFamily="49" charset="0"/>
+              </a:rPr>
+              <a:t>&lt;</a:t>
+            </a:r>
+            <a:r>
+              <a:rPr lang="en-US" altLang="ko-KR" sz="1400" dirty="0">
+                <a:solidFill>
+                  <a:srgbClr val="569CD6"/>
+                </a:solidFill>
+                <a:latin typeface="Consolas" panose="020B0609020204030204" pitchFamily="49" charset="0"/>
+              </a:rPr>
+              <a:t>meta</a:t>
+            </a:r>
+            <a:r>
+              <a:rPr lang="en-US" altLang="ko-KR" sz="1400" dirty="0">
+                <a:solidFill>
+                  <a:srgbClr val="D4D4D4"/>
+                </a:solidFill>
+                <a:latin typeface="Consolas" panose="020B0609020204030204" pitchFamily="49" charset="0"/>
+              </a:rPr>
+              <a:t> </a:t>
+            </a:r>
+            <a:r>
+              <a:rPr lang="en-US" altLang="ko-KR" sz="1400" dirty="0">
+                <a:solidFill>
+                  <a:srgbClr val="9CDCFE"/>
+                </a:solidFill>
+                <a:latin typeface="Consolas" panose="020B0609020204030204" pitchFamily="49" charset="0"/>
+              </a:rPr>
+              <a:t>charset</a:t>
+            </a:r>
+            <a:r>
+              <a:rPr lang="en-US" altLang="ko-KR" sz="1400" dirty="0">
+                <a:solidFill>
+                  <a:srgbClr val="D4D4D4"/>
+                </a:solidFill>
+                <a:latin typeface="Consolas" panose="020B0609020204030204" pitchFamily="49" charset="0"/>
+              </a:rPr>
+              <a:t>=</a:t>
+            </a:r>
+            <a:r>
+              <a:rPr lang="en-US" altLang="ko-KR" sz="1400" dirty="0">
+                <a:solidFill>
+                  <a:srgbClr val="CE9178"/>
+                </a:solidFill>
+                <a:latin typeface="Consolas" panose="020B0609020204030204" pitchFamily="49" charset="0"/>
+              </a:rPr>
+              <a:t>"UTF-8"</a:t>
+            </a:r>
+            <a:r>
+              <a:rPr lang="en-US" altLang="ko-KR" sz="1400" dirty="0">
+                <a:solidFill>
+                  <a:srgbClr val="808080"/>
+                </a:solidFill>
+                <a:latin typeface="Consolas" panose="020B0609020204030204" pitchFamily="49" charset="0"/>
+              </a:rPr>
+              <a:t>&gt;</a:t>
+            </a:r>
+            <a:endParaRPr lang="en-US" altLang="ko-KR" sz="1400" dirty="0">
+              <a:solidFill>
+                <a:srgbClr val="D4D4D4"/>
+              </a:solidFill>
+              <a:latin typeface="Consolas" panose="020B0609020204030204" pitchFamily="49" charset="0"/>
+            </a:endParaRPr>
+          </a:p>
+          <a:p>
+            <a:r>
+              <a:rPr lang="en-US" altLang="ko-KR" sz="1400" dirty="0">
+                <a:solidFill>
+                  <a:srgbClr val="D4D4D4"/>
+                </a:solidFill>
+                <a:latin typeface="Consolas" panose="020B0609020204030204" pitchFamily="49" charset="0"/>
+              </a:rPr>
+              <a:t>    </a:t>
+            </a:r>
+            <a:r>
+              <a:rPr lang="en-US" altLang="ko-KR" sz="1400" dirty="0">
+                <a:solidFill>
+                  <a:srgbClr val="808080"/>
+                </a:solidFill>
+                <a:latin typeface="Consolas" panose="020B0609020204030204" pitchFamily="49" charset="0"/>
+              </a:rPr>
+              <a:t>&lt;</a:t>
+            </a:r>
+            <a:r>
+              <a:rPr lang="en-US" altLang="ko-KR" sz="1400" dirty="0">
+                <a:solidFill>
+                  <a:srgbClr val="569CD6"/>
+                </a:solidFill>
+                <a:latin typeface="Consolas" panose="020B0609020204030204" pitchFamily="49" charset="0"/>
+              </a:rPr>
+              <a:t>title</a:t>
+            </a:r>
+            <a:r>
+              <a:rPr lang="en-US" altLang="ko-KR" sz="1400" dirty="0">
+                <a:solidFill>
+                  <a:srgbClr val="808080"/>
+                </a:solidFill>
+                <a:latin typeface="Consolas" panose="020B0609020204030204" pitchFamily="49" charset="0"/>
+              </a:rPr>
+              <a:t>&gt;</a:t>
+            </a:r>
+            <a:r>
+              <a:rPr lang="ko-KR" altLang="en-US" sz="1400" dirty="0">
+                <a:solidFill>
+                  <a:srgbClr val="D4D4D4"/>
+                </a:solidFill>
+                <a:latin typeface="Consolas" panose="020B0609020204030204" pitchFamily="49" charset="0"/>
+              </a:rPr>
+              <a:t>포지션 개념연습</a:t>
+            </a:r>
+            <a:r>
+              <a:rPr lang="en-US" altLang="ko-KR" sz="1400" dirty="0">
+                <a:solidFill>
+                  <a:srgbClr val="808080"/>
+                </a:solidFill>
+                <a:latin typeface="Consolas" panose="020B0609020204030204" pitchFamily="49" charset="0"/>
+              </a:rPr>
+              <a:t>&lt;/</a:t>
+            </a:r>
+            <a:r>
+              <a:rPr lang="en-US" altLang="ko-KR" sz="1400" dirty="0">
+                <a:solidFill>
+                  <a:srgbClr val="569CD6"/>
+                </a:solidFill>
+                <a:latin typeface="Consolas" panose="020B0609020204030204" pitchFamily="49" charset="0"/>
+              </a:rPr>
+              <a:t>title</a:t>
+            </a:r>
+            <a:r>
+              <a:rPr lang="en-US" altLang="ko-KR" sz="1400" dirty="0">
+                <a:solidFill>
+                  <a:srgbClr val="808080"/>
+                </a:solidFill>
+                <a:latin typeface="Consolas" panose="020B0609020204030204" pitchFamily="49" charset="0"/>
+              </a:rPr>
+              <a:t>&gt;</a:t>
+            </a:r>
+            <a:endParaRPr lang="en-US" altLang="ko-KR" sz="1400" dirty="0">
+              <a:solidFill>
+                <a:srgbClr val="D4D4D4"/>
+              </a:solidFill>
+              <a:latin typeface="Consolas" panose="020B0609020204030204" pitchFamily="49" charset="0"/>
+            </a:endParaRPr>
+          </a:p>
+          <a:p>
+            <a:r>
+              <a:rPr lang="en-US" altLang="ko-KR" sz="1400" dirty="0">
+                <a:solidFill>
+                  <a:srgbClr val="D4D4D4"/>
+                </a:solidFill>
+                <a:latin typeface="Consolas" panose="020B0609020204030204" pitchFamily="49" charset="0"/>
+              </a:rPr>
+              <a:t>    </a:t>
+            </a:r>
+            <a:r>
+              <a:rPr lang="en-US" altLang="ko-KR" sz="1400" dirty="0">
+                <a:solidFill>
+                  <a:srgbClr val="808080"/>
+                </a:solidFill>
+                <a:latin typeface="Consolas" panose="020B0609020204030204" pitchFamily="49" charset="0"/>
+              </a:rPr>
+              <a:t>&lt;</a:t>
+            </a:r>
+            <a:r>
+              <a:rPr lang="en-US" altLang="ko-KR" sz="1400" dirty="0">
+                <a:solidFill>
+                  <a:srgbClr val="569CD6"/>
+                </a:solidFill>
+                <a:latin typeface="Consolas" panose="020B0609020204030204" pitchFamily="49" charset="0"/>
+              </a:rPr>
+              <a:t>style</a:t>
+            </a:r>
+            <a:r>
+              <a:rPr lang="en-US" altLang="ko-KR" sz="1400" dirty="0">
+                <a:solidFill>
+                  <a:srgbClr val="808080"/>
+                </a:solidFill>
+                <a:latin typeface="Consolas" panose="020B0609020204030204" pitchFamily="49" charset="0"/>
+              </a:rPr>
+              <a:t>&gt;</a:t>
+            </a:r>
+            <a:endParaRPr lang="en-US" altLang="ko-KR" sz="1400" dirty="0">
+              <a:solidFill>
+                <a:srgbClr val="D4D4D4"/>
+              </a:solidFill>
+              <a:latin typeface="Consolas" panose="020B0609020204030204" pitchFamily="49" charset="0"/>
+            </a:endParaRPr>
+          </a:p>
+          <a:p>
+            <a:r>
+              <a:rPr lang="en-US" altLang="ko-KR" sz="1400" dirty="0">
+                <a:solidFill>
+                  <a:srgbClr val="D4D4D4"/>
+                </a:solidFill>
+                <a:latin typeface="Consolas" panose="020B0609020204030204" pitchFamily="49" charset="0"/>
+              </a:rPr>
+              <a:t>        </a:t>
+            </a:r>
+            <a:r>
+              <a:rPr lang="en-US" altLang="ko-KR" sz="1400" dirty="0">
+                <a:solidFill>
+                  <a:srgbClr val="D7BA7D"/>
+                </a:solidFill>
+                <a:latin typeface="Consolas" panose="020B0609020204030204" pitchFamily="49" charset="0"/>
+              </a:rPr>
+              <a:t>.box</a:t>
+            </a:r>
+            <a:r>
+              <a:rPr lang="en-US" altLang="ko-KR" sz="1400" dirty="0">
+                <a:solidFill>
+                  <a:srgbClr val="D4D4D4"/>
+                </a:solidFill>
+                <a:latin typeface="Consolas" panose="020B0609020204030204" pitchFamily="49" charset="0"/>
+              </a:rPr>
+              <a:t> {</a:t>
+            </a:r>
+          </a:p>
+          <a:p>
+            <a:r>
+              <a:rPr lang="en-US" altLang="ko-KR" sz="1400" dirty="0">
+                <a:solidFill>
+                  <a:srgbClr val="D4D4D4"/>
+                </a:solidFill>
+                <a:latin typeface="Consolas" panose="020B0609020204030204" pitchFamily="49" charset="0"/>
+              </a:rPr>
+              <a:t>            </a:t>
+            </a:r>
+            <a:r>
+              <a:rPr lang="en-US" altLang="ko-KR" sz="1400" dirty="0">
+                <a:solidFill>
+                  <a:srgbClr val="9CDCFE"/>
+                </a:solidFill>
+                <a:latin typeface="Consolas" panose="020B0609020204030204" pitchFamily="49" charset="0"/>
+              </a:rPr>
+              <a:t>position</a:t>
+            </a:r>
+            <a:r>
+              <a:rPr lang="en-US" altLang="ko-KR" sz="1400" dirty="0">
+                <a:solidFill>
+                  <a:srgbClr val="D4D4D4"/>
+                </a:solidFill>
+                <a:latin typeface="Consolas" panose="020B0609020204030204" pitchFamily="49" charset="0"/>
+              </a:rPr>
+              <a:t>: </a:t>
+            </a:r>
+            <a:r>
+              <a:rPr lang="en-US" altLang="ko-KR" sz="1400" dirty="0">
+                <a:solidFill>
+                  <a:srgbClr val="CE9178"/>
+                </a:solidFill>
+                <a:latin typeface="Consolas" panose="020B0609020204030204" pitchFamily="49" charset="0"/>
+              </a:rPr>
+              <a:t>static</a:t>
+            </a:r>
+            <a:r>
+              <a:rPr lang="en-US" altLang="ko-KR" sz="1400" dirty="0">
+                <a:solidFill>
+                  <a:srgbClr val="D4D4D4"/>
+                </a:solidFill>
+                <a:latin typeface="Consolas" panose="020B0609020204030204" pitchFamily="49" charset="0"/>
+              </a:rPr>
+              <a:t>;</a:t>
+            </a:r>
+          </a:p>
+          <a:p>
+            <a:r>
+              <a:rPr lang="en-US" altLang="ko-KR" sz="1400" dirty="0">
+                <a:solidFill>
+                  <a:srgbClr val="D4D4D4"/>
+                </a:solidFill>
+                <a:latin typeface="Consolas" panose="020B0609020204030204" pitchFamily="49" charset="0"/>
+              </a:rPr>
+              <a:t>            </a:t>
+            </a:r>
+            <a:r>
+              <a:rPr lang="en-US" altLang="ko-KR" sz="1400" dirty="0">
+                <a:solidFill>
+                  <a:srgbClr val="9CDCFE"/>
+                </a:solidFill>
+                <a:latin typeface="Consolas" panose="020B0609020204030204" pitchFamily="49" charset="0"/>
+              </a:rPr>
+              <a:t>width</a:t>
+            </a:r>
+            <a:r>
+              <a:rPr lang="en-US" altLang="ko-KR" sz="1400" dirty="0">
+                <a:solidFill>
+                  <a:srgbClr val="D4D4D4"/>
+                </a:solidFill>
+                <a:latin typeface="Consolas" panose="020B0609020204030204" pitchFamily="49" charset="0"/>
+              </a:rPr>
+              <a:t>: </a:t>
+            </a:r>
+            <a:r>
+              <a:rPr lang="en-US" altLang="ko-KR" sz="1400" dirty="0">
+                <a:solidFill>
+                  <a:srgbClr val="B5CEA8"/>
+                </a:solidFill>
+                <a:latin typeface="Consolas" panose="020B0609020204030204" pitchFamily="49" charset="0"/>
+              </a:rPr>
+              <a:t>300px</a:t>
+            </a:r>
+            <a:r>
+              <a:rPr lang="en-US" altLang="ko-KR" sz="1400" dirty="0">
+                <a:solidFill>
+                  <a:srgbClr val="D4D4D4"/>
+                </a:solidFill>
+                <a:latin typeface="Consolas" panose="020B0609020204030204" pitchFamily="49" charset="0"/>
+              </a:rPr>
+              <a:t>;</a:t>
+            </a:r>
+          </a:p>
+          <a:p>
+            <a:r>
+              <a:rPr lang="en-US" altLang="ko-KR" sz="1400" dirty="0">
+                <a:solidFill>
+                  <a:srgbClr val="D4D4D4"/>
+                </a:solidFill>
+                <a:latin typeface="Consolas" panose="020B0609020204030204" pitchFamily="49" charset="0"/>
+              </a:rPr>
+              <a:t>            </a:t>
+            </a:r>
+            <a:r>
+              <a:rPr lang="en-US" altLang="ko-KR" sz="1400" dirty="0">
+                <a:solidFill>
+                  <a:srgbClr val="9CDCFE"/>
+                </a:solidFill>
+                <a:latin typeface="Consolas" panose="020B0609020204030204" pitchFamily="49" charset="0"/>
+              </a:rPr>
+              <a:t>height</a:t>
+            </a:r>
+            <a:r>
+              <a:rPr lang="en-US" altLang="ko-KR" sz="1400" dirty="0">
+                <a:solidFill>
+                  <a:srgbClr val="D4D4D4"/>
+                </a:solidFill>
+                <a:latin typeface="Consolas" panose="020B0609020204030204" pitchFamily="49" charset="0"/>
+              </a:rPr>
+              <a:t> : </a:t>
+            </a:r>
+            <a:r>
+              <a:rPr lang="en-US" altLang="ko-KR" sz="1400" dirty="0">
+                <a:solidFill>
+                  <a:srgbClr val="B5CEA8"/>
+                </a:solidFill>
+                <a:latin typeface="Consolas" panose="020B0609020204030204" pitchFamily="49" charset="0"/>
+              </a:rPr>
+              <a:t>300px</a:t>
+            </a:r>
+            <a:r>
+              <a:rPr lang="en-US" altLang="ko-KR" sz="1400" dirty="0">
+                <a:solidFill>
+                  <a:srgbClr val="D4D4D4"/>
+                </a:solidFill>
+                <a:latin typeface="Consolas" panose="020B0609020204030204" pitchFamily="49" charset="0"/>
+              </a:rPr>
+              <a:t>;</a:t>
+            </a:r>
+          </a:p>
+          <a:p>
+            <a:r>
+              <a:rPr lang="en-US" altLang="ko-KR" sz="1400" dirty="0">
+                <a:solidFill>
+                  <a:srgbClr val="D4D4D4"/>
+                </a:solidFill>
+                <a:latin typeface="Consolas" panose="020B0609020204030204" pitchFamily="49" charset="0"/>
+              </a:rPr>
+              <a:t>            </a:t>
+            </a:r>
+            <a:r>
+              <a:rPr lang="en-US" altLang="ko-KR" sz="1400" dirty="0">
+                <a:solidFill>
+                  <a:srgbClr val="9CDCFE"/>
+                </a:solidFill>
+                <a:latin typeface="Consolas" panose="020B0609020204030204" pitchFamily="49" charset="0"/>
+              </a:rPr>
+              <a:t>margin-bottom</a:t>
+            </a:r>
+            <a:r>
+              <a:rPr lang="en-US" altLang="ko-KR" sz="1400" dirty="0">
+                <a:solidFill>
+                  <a:srgbClr val="D4D4D4"/>
+                </a:solidFill>
+                <a:latin typeface="Consolas" panose="020B0609020204030204" pitchFamily="49" charset="0"/>
+              </a:rPr>
+              <a:t>: </a:t>
+            </a:r>
+            <a:r>
+              <a:rPr lang="en-US" altLang="ko-KR" sz="1400" dirty="0">
+                <a:solidFill>
+                  <a:srgbClr val="B5CEA8"/>
+                </a:solidFill>
+                <a:latin typeface="Consolas" panose="020B0609020204030204" pitchFamily="49" charset="0"/>
+              </a:rPr>
+              <a:t>20px</a:t>
+            </a:r>
+            <a:r>
+              <a:rPr lang="en-US" altLang="ko-KR" sz="1400" dirty="0">
+                <a:solidFill>
+                  <a:srgbClr val="D4D4D4"/>
+                </a:solidFill>
+                <a:latin typeface="Consolas" panose="020B0609020204030204" pitchFamily="49" charset="0"/>
+              </a:rPr>
+              <a:t>;</a:t>
+            </a:r>
+          </a:p>
+          <a:p>
+            <a:r>
+              <a:rPr lang="en-US" altLang="ko-KR" sz="1400" dirty="0">
+                <a:solidFill>
+                  <a:srgbClr val="D4D4D4"/>
+                </a:solidFill>
+                <a:latin typeface="Consolas" panose="020B0609020204030204" pitchFamily="49" charset="0"/>
+              </a:rPr>
+              <a:t>            </a:t>
+            </a:r>
+            <a:r>
+              <a:rPr lang="en-US" altLang="ko-KR" sz="1400" dirty="0">
+                <a:solidFill>
+                  <a:srgbClr val="9CDCFE"/>
+                </a:solidFill>
+                <a:latin typeface="Consolas" panose="020B0609020204030204" pitchFamily="49" charset="0"/>
+              </a:rPr>
+              <a:t>background-color</a:t>
+            </a:r>
+            <a:r>
+              <a:rPr lang="en-US" altLang="ko-KR" sz="1400" dirty="0">
+                <a:solidFill>
+                  <a:srgbClr val="D4D4D4"/>
+                </a:solidFill>
+                <a:latin typeface="Consolas" panose="020B0609020204030204" pitchFamily="49" charset="0"/>
+              </a:rPr>
+              <a:t>: </a:t>
+            </a:r>
+            <a:r>
+              <a:rPr lang="en-US" altLang="ko-KR" sz="1400" dirty="0" err="1">
+                <a:solidFill>
+                  <a:srgbClr val="CE9178"/>
+                </a:solidFill>
+                <a:latin typeface="Consolas" panose="020B0609020204030204" pitchFamily="49" charset="0"/>
+              </a:rPr>
+              <a:t>steelblue</a:t>
+            </a:r>
+            <a:r>
+              <a:rPr lang="en-US" altLang="ko-KR" sz="1400" dirty="0">
+                <a:solidFill>
+                  <a:srgbClr val="D4D4D4"/>
+                </a:solidFill>
+                <a:latin typeface="Consolas" panose="020B0609020204030204" pitchFamily="49" charset="0"/>
+              </a:rPr>
+              <a:t>;</a:t>
+            </a:r>
+          </a:p>
+          <a:p>
+            <a:r>
+              <a:rPr lang="en-US" altLang="ko-KR" sz="1400" dirty="0">
+                <a:solidFill>
+                  <a:srgbClr val="D4D4D4"/>
+                </a:solidFill>
+                <a:latin typeface="Consolas" panose="020B0609020204030204" pitchFamily="49" charset="0"/>
+              </a:rPr>
+              <a:t>        }</a:t>
+            </a:r>
+          </a:p>
+          <a:p>
+            <a:r>
+              <a:rPr lang="en-US" altLang="ko-KR" sz="1400" dirty="0">
+                <a:solidFill>
+                  <a:srgbClr val="D4D4D4"/>
+                </a:solidFill>
+                <a:latin typeface="Consolas" panose="020B0609020204030204" pitchFamily="49" charset="0"/>
+              </a:rPr>
+              <a:t>        </a:t>
+            </a:r>
+            <a:r>
+              <a:rPr lang="en-US" altLang="ko-KR" sz="1400" dirty="0">
+                <a:solidFill>
+                  <a:srgbClr val="D7BA7D"/>
+                </a:solidFill>
+                <a:latin typeface="Consolas" panose="020B0609020204030204" pitchFamily="49" charset="0"/>
+              </a:rPr>
+              <a:t>.</a:t>
+            </a:r>
+            <a:r>
+              <a:rPr lang="en-US" altLang="ko-KR" sz="1400" dirty="0" err="1">
+                <a:solidFill>
+                  <a:srgbClr val="D7BA7D"/>
+                </a:solidFill>
+                <a:latin typeface="Consolas" panose="020B0609020204030204" pitchFamily="49" charset="0"/>
+              </a:rPr>
+              <a:t>box:nth-child</a:t>
+            </a:r>
+            <a:r>
+              <a:rPr lang="en-US" altLang="ko-KR" sz="1400" dirty="0">
+                <a:solidFill>
+                  <a:srgbClr val="D4D4D4"/>
+                </a:solidFill>
+                <a:latin typeface="Consolas" panose="020B0609020204030204" pitchFamily="49" charset="0"/>
+              </a:rPr>
+              <a:t>(</a:t>
+            </a:r>
+            <a:r>
+              <a:rPr lang="en-US" altLang="ko-KR" sz="1400" dirty="0">
+                <a:solidFill>
+                  <a:srgbClr val="B5CEA8"/>
+                </a:solidFill>
+                <a:latin typeface="Consolas" panose="020B0609020204030204" pitchFamily="49" charset="0"/>
+              </a:rPr>
+              <a:t>2</a:t>
+            </a:r>
+            <a:r>
+              <a:rPr lang="en-US" altLang="ko-KR" sz="1400" dirty="0">
+                <a:solidFill>
+                  <a:srgbClr val="D4D4D4"/>
+                </a:solidFill>
+                <a:latin typeface="Consolas" panose="020B0609020204030204" pitchFamily="49" charset="0"/>
+              </a:rPr>
+              <a:t>){</a:t>
+            </a:r>
+          </a:p>
+          <a:p>
+            <a:r>
+              <a:rPr lang="en-US" altLang="ko-KR" sz="1400" dirty="0">
+                <a:solidFill>
+                  <a:srgbClr val="D4D4D4"/>
+                </a:solidFill>
+                <a:latin typeface="Consolas" panose="020B0609020204030204" pitchFamily="49" charset="0"/>
+              </a:rPr>
+              <a:t>            </a:t>
+            </a:r>
+            <a:r>
+              <a:rPr lang="en-US" altLang="ko-KR" sz="1400" dirty="0">
+                <a:solidFill>
+                  <a:srgbClr val="9CDCFE"/>
+                </a:solidFill>
+                <a:latin typeface="Consolas" panose="020B0609020204030204" pitchFamily="49" charset="0"/>
+              </a:rPr>
+              <a:t>position</a:t>
+            </a:r>
+            <a:r>
+              <a:rPr lang="en-US" altLang="ko-KR" sz="1400" dirty="0">
+                <a:solidFill>
+                  <a:srgbClr val="D4D4D4"/>
+                </a:solidFill>
+                <a:latin typeface="Consolas" panose="020B0609020204030204" pitchFamily="49" charset="0"/>
+              </a:rPr>
+              <a:t>: </a:t>
+            </a:r>
+            <a:r>
+              <a:rPr lang="en-US" altLang="ko-KR" sz="1400" dirty="0">
+                <a:solidFill>
+                  <a:srgbClr val="CE9178"/>
+                </a:solidFill>
+                <a:latin typeface="Consolas" panose="020B0609020204030204" pitchFamily="49" charset="0"/>
+              </a:rPr>
+              <a:t>relative</a:t>
+            </a:r>
+            <a:r>
+              <a:rPr lang="en-US" altLang="ko-KR" sz="1400" dirty="0">
+                <a:solidFill>
+                  <a:srgbClr val="D4D4D4"/>
+                </a:solidFill>
+                <a:latin typeface="Consolas" panose="020B0609020204030204" pitchFamily="49" charset="0"/>
+              </a:rPr>
+              <a:t>;</a:t>
+            </a:r>
+          </a:p>
+          <a:p>
+            <a:r>
+              <a:rPr lang="en-US" altLang="ko-KR" sz="1400" dirty="0">
+                <a:solidFill>
+                  <a:srgbClr val="D4D4D4"/>
+                </a:solidFill>
+                <a:latin typeface="Consolas" panose="020B0609020204030204" pitchFamily="49" charset="0"/>
+              </a:rPr>
+              <a:t>            </a:t>
+            </a:r>
+            <a:r>
+              <a:rPr lang="en-US" altLang="ko-KR" sz="1400" dirty="0">
+                <a:solidFill>
+                  <a:srgbClr val="9CDCFE"/>
+                </a:solidFill>
+                <a:latin typeface="Consolas" panose="020B0609020204030204" pitchFamily="49" charset="0"/>
+              </a:rPr>
+              <a:t>top</a:t>
+            </a:r>
+            <a:r>
+              <a:rPr lang="en-US" altLang="ko-KR" sz="1400" dirty="0">
+                <a:solidFill>
+                  <a:srgbClr val="D4D4D4"/>
+                </a:solidFill>
+                <a:latin typeface="Consolas" panose="020B0609020204030204" pitchFamily="49" charset="0"/>
+              </a:rPr>
+              <a:t>: </a:t>
+            </a:r>
+            <a:r>
+              <a:rPr lang="en-US" altLang="ko-KR" sz="1400" dirty="0">
+                <a:solidFill>
+                  <a:srgbClr val="B5CEA8"/>
+                </a:solidFill>
+                <a:latin typeface="Consolas" panose="020B0609020204030204" pitchFamily="49" charset="0"/>
+              </a:rPr>
+              <a:t>20px</a:t>
+            </a:r>
+            <a:r>
+              <a:rPr lang="en-US" altLang="ko-KR" sz="1400" dirty="0">
+                <a:solidFill>
+                  <a:srgbClr val="D4D4D4"/>
+                </a:solidFill>
+                <a:latin typeface="Consolas" panose="020B0609020204030204" pitchFamily="49" charset="0"/>
+              </a:rPr>
+              <a:t>;</a:t>
+            </a:r>
+          </a:p>
+          <a:p>
+            <a:r>
+              <a:rPr lang="en-US" altLang="ko-KR" sz="1400" dirty="0">
+                <a:solidFill>
+                  <a:srgbClr val="D4D4D4"/>
+                </a:solidFill>
+                <a:latin typeface="Consolas" panose="020B0609020204030204" pitchFamily="49" charset="0"/>
+              </a:rPr>
+              <a:t>            </a:t>
+            </a:r>
+            <a:r>
+              <a:rPr lang="en-US" altLang="ko-KR" sz="1400" dirty="0">
+                <a:solidFill>
+                  <a:srgbClr val="9CDCFE"/>
+                </a:solidFill>
+                <a:latin typeface="Consolas" panose="020B0609020204030204" pitchFamily="49" charset="0"/>
+              </a:rPr>
+              <a:t>left</a:t>
+            </a:r>
+            <a:r>
+              <a:rPr lang="en-US" altLang="ko-KR" sz="1400" dirty="0">
+                <a:solidFill>
+                  <a:srgbClr val="D4D4D4"/>
+                </a:solidFill>
+                <a:latin typeface="Consolas" panose="020B0609020204030204" pitchFamily="49" charset="0"/>
+              </a:rPr>
+              <a:t>: </a:t>
+            </a:r>
+            <a:r>
+              <a:rPr lang="en-US" altLang="ko-KR" sz="1400" dirty="0">
+                <a:solidFill>
+                  <a:srgbClr val="B5CEA8"/>
+                </a:solidFill>
+                <a:latin typeface="Consolas" panose="020B0609020204030204" pitchFamily="49" charset="0"/>
+              </a:rPr>
+              <a:t>20px</a:t>
+            </a:r>
+            <a:r>
+              <a:rPr lang="en-US" altLang="ko-KR" sz="1400" dirty="0">
+                <a:solidFill>
+                  <a:srgbClr val="D4D4D4"/>
+                </a:solidFill>
+                <a:latin typeface="Consolas" panose="020B0609020204030204" pitchFamily="49" charset="0"/>
+              </a:rPr>
+              <a:t>;</a:t>
+            </a:r>
+          </a:p>
+          <a:p>
+            <a:r>
+              <a:rPr lang="en-US" altLang="ko-KR" sz="1400" dirty="0">
+                <a:solidFill>
+                  <a:srgbClr val="D4D4D4"/>
+                </a:solidFill>
+                <a:latin typeface="Consolas" panose="020B0609020204030204" pitchFamily="49" charset="0"/>
+              </a:rPr>
+              <a:t>        }</a:t>
+            </a:r>
+          </a:p>
+          <a:p>
+            <a:r>
+              <a:rPr lang="en-US" altLang="ko-KR" sz="1400" dirty="0">
+                <a:solidFill>
+                  <a:srgbClr val="D4D4D4"/>
+                </a:solidFill>
+                <a:latin typeface="Consolas" panose="020B0609020204030204" pitchFamily="49" charset="0"/>
+              </a:rPr>
+              <a:t>    </a:t>
+            </a:r>
+            <a:r>
+              <a:rPr lang="en-US" altLang="ko-KR" sz="1400" dirty="0">
+                <a:solidFill>
+                  <a:srgbClr val="808080"/>
+                </a:solidFill>
+                <a:latin typeface="Consolas" panose="020B0609020204030204" pitchFamily="49" charset="0"/>
+              </a:rPr>
+              <a:t>&lt;/</a:t>
+            </a:r>
+            <a:r>
+              <a:rPr lang="en-US" altLang="ko-KR" sz="1400" dirty="0">
+                <a:solidFill>
+                  <a:srgbClr val="569CD6"/>
+                </a:solidFill>
+                <a:latin typeface="Consolas" panose="020B0609020204030204" pitchFamily="49" charset="0"/>
+              </a:rPr>
+              <a:t>style</a:t>
+            </a:r>
+            <a:r>
+              <a:rPr lang="en-US" altLang="ko-KR" sz="1400" dirty="0">
+                <a:solidFill>
+                  <a:srgbClr val="808080"/>
+                </a:solidFill>
+                <a:latin typeface="Consolas" panose="020B0609020204030204" pitchFamily="49" charset="0"/>
+              </a:rPr>
+              <a:t>&gt;</a:t>
+            </a:r>
+            <a:endParaRPr lang="en-US" altLang="ko-KR" sz="1400" dirty="0">
+              <a:solidFill>
+                <a:srgbClr val="D4D4D4"/>
+              </a:solidFill>
+              <a:latin typeface="Consolas" panose="020B0609020204030204" pitchFamily="49" charset="0"/>
+            </a:endParaRPr>
+          </a:p>
+          <a:p>
+            <a:r>
+              <a:rPr lang="en-US" altLang="ko-KR" sz="1400" dirty="0">
+                <a:solidFill>
+                  <a:srgbClr val="808080"/>
+                </a:solidFill>
+                <a:latin typeface="Consolas" panose="020B0609020204030204" pitchFamily="49" charset="0"/>
+              </a:rPr>
+              <a:t>&lt;/</a:t>
+            </a:r>
+            <a:r>
+              <a:rPr lang="en-US" altLang="ko-KR" sz="1400" dirty="0">
+                <a:solidFill>
+                  <a:srgbClr val="569CD6"/>
+                </a:solidFill>
+                <a:latin typeface="Consolas" panose="020B0609020204030204" pitchFamily="49" charset="0"/>
+              </a:rPr>
+              <a:t>head</a:t>
+            </a:r>
+            <a:r>
+              <a:rPr lang="en-US" altLang="ko-KR" sz="1400" dirty="0">
+                <a:solidFill>
+                  <a:srgbClr val="808080"/>
+                </a:solidFill>
+                <a:latin typeface="Consolas" panose="020B0609020204030204" pitchFamily="49" charset="0"/>
+              </a:rPr>
+              <a:t>&gt;</a:t>
+            </a:r>
+            <a:endParaRPr lang="en-US" altLang="ko-KR" sz="1400" dirty="0">
+              <a:solidFill>
+                <a:srgbClr val="D4D4D4"/>
+              </a:solidFill>
+              <a:latin typeface="Consolas" panose="020B0609020204030204" pitchFamily="49" charset="0"/>
+            </a:endParaRPr>
+          </a:p>
+          <a:p>
+            <a:r>
+              <a:rPr lang="en-US" altLang="ko-KR" sz="1400" dirty="0">
+                <a:solidFill>
+                  <a:srgbClr val="808080"/>
+                </a:solidFill>
+                <a:latin typeface="Consolas" panose="020B0609020204030204" pitchFamily="49" charset="0"/>
+              </a:rPr>
+              <a:t>&lt;</a:t>
+            </a:r>
+            <a:r>
+              <a:rPr lang="en-US" altLang="ko-KR" sz="1400" dirty="0">
+                <a:solidFill>
+                  <a:srgbClr val="569CD6"/>
+                </a:solidFill>
+                <a:latin typeface="Consolas" panose="020B0609020204030204" pitchFamily="49" charset="0"/>
+              </a:rPr>
+              <a:t>body</a:t>
+            </a:r>
+            <a:r>
+              <a:rPr lang="en-US" altLang="ko-KR" sz="1400" dirty="0">
+                <a:solidFill>
+                  <a:srgbClr val="808080"/>
+                </a:solidFill>
+                <a:latin typeface="Consolas" panose="020B0609020204030204" pitchFamily="49" charset="0"/>
+              </a:rPr>
+              <a:t>&gt;</a:t>
+            </a:r>
+            <a:endParaRPr lang="en-US" altLang="ko-KR" sz="1400" dirty="0">
+              <a:solidFill>
+                <a:srgbClr val="D4D4D4"/>
+              </a:solidFill>
+              <a:latin typeface="Consolas" panose="020B0609020204030204" pitchFamily="49" charset="0"/>
+            </a:endParaRPr>
+          </a:p>
+          <a:p>
+            <a:r>
+              <a:rPr lang="en-US" altLang="ko-KR" sz="1400" dirty="0">
+                <a:solidFill>
+                  <a:srgbClr val="D4D4D4"/>
+                </a:solidFill>
+                <a:latin typeface="Consolas" panose="020B0609020204030204" pitchFamily="49" charset="0"/>
+              </a:rPr>
+              <a:t>    </a:t>
+            </a:r>
+            <a:r>
+              <a:rPr lang="en-US" altLang="ko-KR" sz="1400" dirty="0">
+                <a:solidFill>
+                  <a:srgbClr val="808080"/>
+                </a:solidFill>
+                <a:latin typeface="Consolas" panose="020B0609020204030204" pitchFamily="49" charset="0"/>
+              </a:rPr>
+              <a:t>&lt;</a:t>
+            </a:r>
+            <a:r>
+              <a:rPr lang="en-US" altLang="ko-KR" sz="1400" dirty="0">
+                <a:solidFill>
+                  <a:srgbClr val="569CD6"/>
+                </a:solidFill>
+                <a:latin typeface="Consolas" panose="020B0609020204030204" pitchFamily="49" charset="0"/>
+              </a:rPr>
+              <a:t>div</a:t>
+            </a:r>
+            <a:r>
+              <a:rPr lang="en-US" altLang="ko-KR" sz="1400" dirty="0">
+                <a:solidFill>
+                  <a:srgbClr val="D4D4D4"/>
+                </a:solidFill>
+                <a:latin typeface="Consolas" panose="020B0609020204030204" pitchFamily="49" charset="0"/>
+              </a:rPr>
+              <a:t> </a:t>
+            </a:r>
+            <a:r>
+              <a:rPr lang="en-US" altLang="ko-KR" sz="1400" dirty="0">
+                <a:solidFill>
+                  <a:srgbClr val="9CDCFE"/>
+                </a:solidFill>
+                <a:latin typeface="Consolas" panose="020B0609020204030204" pitchFamily="49" charset="0"/>
+              </a:rPr>
+              <a:t>class</a:t>
+            </a:r>
+            <a:r>
+              <a:rPr lang="en-US" altLang="ko-KR" sz="1400" dirty="0">
+                <a:solidFill>
+                  <a:srgbClr val="D4D4D4"/>
+                </a:solidFill>
+                <a:latin typeface="Consolas" panose="020B0609020204030204" pitchFamily="49" charset="0"/>
+              </a:rPr>
+              <a:t>=</a:t>
+            </a:r>
+            <a:r>
+              <a:rPr lang="en-US" altLang="ko-KR" sz="1400" dirty="0">
+                <a:solidFill>
+                  <a:srgbClr val="CE9178"/>
+                </a:solidFill>
+                <a:latin typeface="Consolas" panose="020B0609020204030204" pitchFamily="49" charset="0"/>
+              </a:rPr>
+              <a:t>"box"</a:t>
+            </a:r>
+            <a:r>
+              <a:rPr lang="en-US" altLang="ko-KR" sz="1400" dirty="0">
+                <a:solidFill>
+                  <a:srgbClr val="808080"/>
+                </a:solidFill>
+                <a:latin typeface="Consolas" panose="020B0609020204030204" pitchFamily="49" charset="0"/>
+              </a:rPr>
+              <a:t>&gt;&lt;/</a:t>
+            </a:r>
+            <a:r>
+              <a:rPr lang="en-US" altLang="ko-KR" sz="1400" dirty="0">
+                <a:solidFill>
+                  <a:srgbClr val="569CD6"/>
+                </a:solidFill>
+                <a:latin typeface="Consolas" panose="020B0609020204030204" pitchFamily="49" charset="0"/>
+              </a:rPr>
+              <a:t>div</a:t>
+            </a:r>
+            <a:r>
+              <a:rPr lang="en-US" altLang="ko-KR" sz="1400" dirty="0">
+                <a:solidFill>
+                  <a:srgbClr val="808080"/>
+                </a:solidFill>
+                <a:latin typeface="Consolas" panose="020B0609020204030204" pitchFamily="49" charset="0"/>
+              </a:rPr>
+              <a:t>&gt;</a:t>
+            </a:r>
+            <a:endParaRPr lang="en-US" altLang="ko-KR" sz="1400" dirty="0">
+              <a:solidFill>
+                <a:srgbClr val="D4D4D4"/>
+              </a:solidFill>
+              <a:latin typeface="Consolas" panose="020B0609020204030204" pitchFamily="49" charset="0"/>
+            </a:endParaRPr>
+          </a:p>
+          <a:p>
+            <a:r>
+              <a:rPr lang="en-US" altLang="ko-KR" sz="1400" dirty="0">
+                <a:solidFill>
+                  <a:srgbClr val="D4D4D4"/>
+                </a:solidFill>
+                <a:latin typeface="Consolas" panose="020B0609020204030204" pitchFamily="49" charset="0"/>
+              </a:rPr>
+              <a:t>    </a:t>
+            </a:r>
+            <a:r>
+              <a:rPr lang="en-US" altLang="ko-KR" sz="1400" dirty="0">
+                <a:solidFill>
+                  <a:srgbClr val="808080"/>
+                </a:solidFill>
+                <a:latin typeface="Consolas" panose="020B0609020204030204" pitchFamily="49" charset="0"/>
+              </a:rPr>
+              <a:t>&lt;</a:t>
+            </a:r>
+            <a:r>
+              <a:rPr lang="en-US" altLang="ko-KR" sz="1400" dirty="0">
+                <a:solidFill>
+                  <a:srgbClr val="569CD6"/>
+                </a:solidFill>
+                <a:latin typeface="Consolas" panose="020B0609020204030204" pitchFamily="49" charset="0"/>
+              </a:rPr>
+              <a:t>div</a:t>
+            </a:r>
+            <a:r>
+              <a:rPr lang="en-US" altLang="ko-KR" sz="1400" dirty="0">
+                <a:solidFill>
+                  <a:srgbClr val="D4D4D4"/>
+                </a:solidFill>
+                <a:latin typeface="Consolas" panose="020B0609020204030204" pitchFamily="49" charset="0"/>
+              </a:rPr>
+              <a:t> </a:t>
+            </a:r>
+            <a:r>
+              <a:rPr lang="en-US" altLang="ko-KR" sz="1400" dirty="0">
+                <a:solidFill>
+                  <a:srgbClr val="9CDCFE"/>
+                </a:solidFill>
+                <a:latin typeface="Consolas" panose="020B0609020204030204" pitchFamily="49" charset="0"/>
+              </a:rPr>
+              <a:t>class</a:t>
+            </a:r>
+            <a:r>
+              <a:rPr lang="en-US" altLang="ko-KR" sz="1400" dirty="0">
+                <a:solidFill>
+                  <a:srgbClr val="D4D4D4"/>
+                </a:solidFill>
+                <a:latin typeface="Consolas" panose="020B0609020204030204" pitchFamily="49" charset="0"/>
+              </a:rPr>
+              <a:t>=</a:t>
+            </a:r>
+            <a:r>
+              <a:rPr lang="en-US" altLang="ko-KR" sz="1400" dirty="0">
+                <a:solidFill>
+                  <a:srgbClr val="CE9178"/>
+                </a:solidFill>
+                <a:latin typeface="Consolas" panose="020B0609020204030204" pitchFamily="49" charset="0"/>
+              </a:rPr>
+              <a:t>"box"</a:t>
+            </a:r>
+            <a:r>
+              <a:rPr lang="en-US" altLang="ko-KR" sz="1400" dirty="0">
+                <a:solidFill>
+                  <a:srgbClr val="808080"/>
+                </a:solidFill>
+                <a:latin typeface="Consolas" panose="020B0609020204030204" pitchFamily="49" charset="0"/>
+              </a:rPr>
+              <a:t>&gt;&lt;/</a:t>
+            </a:r>
+            <a:r>
+              <a:rPr lang="en-US" altLang="ko-KR" sz="1400" dirty="0">
+                <a:solidFill>
+                  <a:srgbClr val="569CD6"/>
+                </a:solidFill>
+                <a:latin typeface="Consolas" panose="020B0609020204030204" pitchFamily="49" charset="0"/>
+              </a:rPr>
+              <a:t>div</a:t>
+            </a:r>
+            <a:r>
+              <a:rPr lang="en-US" altLang="ko-KR" sz="1400" dirty="0">
+                <a:solidFill>
+                  <a:srgbClr val="808080"/>
+                </a:solidFill>
+                <a:latin typeface="Consolas" panose="020B0609020204030204" pitchFamily="49" charset="0"/>
+              </a:rPr>
+              <a:t>&gt;</a:t>
+            </a:r>
+            <a:endParaRPr lang="en-US" altLang="ko-KR" sz="1400" dirty="0">
+              <a:solidFill>
+                <a:srgbClr val="D4D4D4"/>
+              </a:solidFill>
+              <a:latin typeface="Consolas" panose="020B0609020204030204" pitchFamily="49" charset="0"/>
+            </a:endParaRPr>
+          </a:p>
+          <a:p>
+            <a:r>
+              <a:rPr lang="en-US" altLang="ko-KR" sz="1400" dirty="0">
+                <a:solidFill>
+                  <a:srgbClr val="D4D4D4"/>
+                </a:solidFill>
+                <a:latin typeface="Consolas" panose="020B0609020204030204" pitchFamily="49" charset="0"/>
+              </a:rPr>
+              <a:t>    </a:t>
+            </a:r>
+            <a:r>
+              <a:rPr lang="en-US" altLang="ko-KR" sz="1400" dirty="0">
+                <a:solidFill>
+                  <a:srgbClr val="808080"/>
+                </a:solidFill>
+                <a:latin typeface="Consolas" panose="020B0609020204030204" pitchFamily="49" charset="0"/>
+              </a:rPr>
+              <a:t>&lt;</a:t>
+            </a:r>
+            <a:r>
+              <a:rPr lang="en-US" altLang="ko-KR" sz="1400" dirty="0">
+                <a:solidFill>
+                  <a:srgbClr val="569CD6"/>
+                </a:solidFill>
+                <a:latin typeface="Consolas" panose="020B0609020204030204" pitchFamily="49" charset="0"/>
+              </a:rPr>
+              <a:t>div</a:t>
+            </a:r>
+            <a:r>
+              <a:rPr lang="en-US" altLang="ko-KR" sz="1400" dirty="0">
+                <a:solidFill>
+                  <a:srgbClr val="D4D4D4"/>
+                </a:solidFill>
+                <a:latin typeface="Consolas" panose="020B0609020204030204" pitchFamily="49" charset="0"/>
+              </a:rPr>
+              <a:t> </a:t>
+            </a:r>
+            <a:r>
+              <a:rPr lang="en-US" altLang="ko-KR" sz="1400" dirty="0">
+                <a:solidFill>
+                  <a:srgbClr val="9CDCFE"/>
+                </a:solidFill>
+                <a:latin typeface="Consolas" panose="020B0609020204030204" pitchFamily="49" charset="0"/>
+              </a:rPr>
+              <a:t>class</a:t>
+            </a:r>
+            <a:r>
+              <a:rPr lang="en-US" altLang="ko-KR" sz="1400" dirty="0">
+                <a:solidFill>
+                  <a:srgbClr val="D4D4D4"/>
+                </a:solidFill>
+                <a:latin typeface="Consolas" panose="020B0609020204030204" pitchFamily="49" charset="0"/>
+              </a:rPr>
+              <a:t>=</a:t>
+            </a:r>
+            <a:r>
+              <a:rPr lang="en-US" altLang="ko-KR" sz="1400" dirty="0">
+                <a:solidFill>
+                  <a:srgbClr val="CE9178"/>
+                </a:solidFill>
+                <a:latin typeface="Consolas" panose="020B0609020204030204" pitchFamily="49" charset="0"/>
+              </a:rPr>
+              <a:t>"box"</a:t>
+            </a:r>
+            <a:r>
+              <a:rPr lang="en-US" altLang="ko-KR" sz="1400" dirty="0">
+                <a:solidFill>
+                  <a:srgbClr val="808080"/>
+                </a:solidFill>
+                <a:latin typeface="Consolas" panose="020B0609020204030204" pitchFamily="49" charset="0"/>
+              </a:rPr>
+              <a:t>&gt;&lt;/</a:t>
+            </a:r>
+            <a:r>
+              <a:rPr lang="en-US" altLang="ko-KR" sz="1400" dirty="0">
+                <a:solidFill>
+                  <a:srgbClr val="569CD6"/>
+                </a:solidFill>
+                <a:latin typeface="Consolas" panose="020B0609020204030204" pitchFamily="49" charset="0"/>
+              </a:rPr>
+              <a:t>div</a:t>
+            </a:r>
+            <a:r>
+              <a:rPr lang="en-US" altLang="ko-KR" sz="1400" dirty="0">
+                <a:solidFill>
+                  <a:srgbClr val="808080"/>
+                </a:solidFill>
+                <a:latin typeface="Consolas" panose="020B0609020204030204" pitchFamily="49" charset="0"/>
+              </a:rPr>
+              <a:t>&gt;</a:t>
+            </a:r>
+            <a:endParaRPr lang="en-US" altLang="ko-KR" sz="1400" dirty="0">
+              <a:solidFill>
+                <a:srgbClr val="D4D4D4"/>
+              </a:solidFill>
+              <a:latin typeface="Consolas" panose="020B0609020204030204" pitchFamily="49" charset="0"/>
+            </a:endParaRPr>
+          </a:p>
+          <a:p>
+            <a:r>
+              <a:rPr lang="en-US" altLang="ko-KR" sz="1400" dirty="0">
+                <a:solidFill>
+                  <a:srgbClr val="808080"/>
+                </a:solidFill>
+                <a:latin typeface="Consolas" panose="020B0609020204030204" pitchFamily="49" charset="0"/>
+              </a:rPr>
+              <a:t>&lt;/</a:t>
+            </a:r>
+            <a:r>
+              <a:rPr lang="en-US" altLang="ko-KR" sz="1400" dirty="0">
+                <a:solidFill>
+                  <a:srgbClr val="569CD6"/>
+                </a:solidFill>
+                <a:latin typeface="Consolas" panose="020B0609020204030204" pitchFamily="49" charset="0"/>
+              </a:rPr>
+              <a:t>body</a:t>
+            </a:r>
+            <a:r>
+              <a:rPr lang="en-US" altLang="ko-KR" sz="1400" dirty="0">
+                <a:solidFill>
+                  <a:srgbClr val="808080"/>
+                </a:solidFill>
+                <a:latin typeface="Consolas" panose="020B0609020204030204" pitchFamily="49" charset="0"/>
+              </a:rPr>
+              <a:t>&gt;</a:t>
+            </a:r>
+            <a:endParaRPr lang="en-US" altLang="ko-KR" sz="1400" dirty="0">
+              <a:solidFill>
+                <a:srgbClr val="D4D4D4"/>
+              </a:solidFill>
+              <a:latin typeface="Consolas" panose="020B0609020204030204" pitchFamily="49" charset="0"/>
+            </a:endParaRPr>
+          </a:p>
+          <a:p>
+            <a:r>
+              <a:rPr lang="en-US" altLang="ko-KR" sz="1400" dirty="0">
+                <a:solidFill>
+                  <a:srgbClr val="808080"/>
+                </a:solidFill>
+                <a:latin typeface="Consolas" panose="020B0609020204030204" pitchFamily="49" charset="0"/>
+              </a:rPr>
+              <a:t>&lt;/</a:t>
+            </a:r>
+            <a:r>
+              <a:rPr lang="en-US" altLang="ko-KR" sz="1400" dirty="0">
+                <a:solidFill>
+                  <a:srgbClr val="569CD6"/>
+                </a:solidFill>
+                <a:latin typeface="Consolas" panose="020B0609020204030204" pitchFamily="49" charset="0"/>
+              </a:rPr>
+              <a:t>html</a:t>
+            </a:r>
+            <a:r>
+              <a:rPr lang="en-US" altLang="ko-KR" sz="1400" dirty="0">
+                <a:solidFill>
+                  <a:srgbClr val="808080"/>
+                </a:solidFill>
+                <a:latin typeface="Consolas" panose="020B0609020204030204" pitchFamily="49" charset="0"/>
+              </a:rPr>
+              <a:t>&gt;</a:t>
+            </a:r>
+            <a:endParaRPr lang="en-US" altLang="ko-KR" sz="1400" dirty="0">
+              <a:solidFill>
+                <a:srgbClr val="D4D4D4"/>
+              </a:solidFill>
+              <a:latin typeface="Consolas" panose="020B0609020204030204" pitchFamily="49" charset="0"/>
+            </a:endParaRPr>
+          </a:p>
+        </p:txBody>
+      </p:sp>
+      <p:sp>
+        <p:nvSpPr>
+          <p:cNvPr id="4" name="제목 1">
+            <a:extLst>
+              <a:ext uri="{FF2B5EF4-FFF2-40B4-BE49-F238E27FC236}">
+                <a16:creationId xmlns:a16="http://schemas.microsoft.com/office/drawing/2014/main" id="{857A5AC4-1DDC-4E5E-9E0E-A4114457B0BE}"/>
+              </a:ext>
+            </a:extLst>
+          </p:cNvPr>
           <p:cNvSpPr>
             <a:spLocks noGrp="1"/>
           </p:cNvSpPr>
@@ -5759,25 +11324,65 @@
             <p:ph type="ctrTitle"/>
           </p:nvPr>
         </p:nvSpPr>
-        <p:spPr/>
+        <p:spPr>
+          <a:xfrm>
+            <a:off x="3131840" y="17190"/>
+            <a:ext cx="2880320" cy="531490"/>
+          </a:xfrm>
+        </p:spPr>
         <p:txBody>
-          <a:bodyPr/>
+          <a:bodyPr>
+            <a:normAutofit fontScale="90000"/>
+          </a:bodyPr>
           <a:lstStyle/>
           <a:p>
             <a:r>
-              <a:rPr lang="en-US" altLang="ko-KR" dirty="0" smtClean="0">
+              <a:rPr lang="en-US" altLang="ko-KR" sz="2400" dirty="0">
                 <a:latin typeface="배달의민족 주아" pitchFamily="18" charset="-127"/>
                 <a:ea typeface="배달의민족 주아" pitchFamily="18" charset="-127"/>
               </a:rPr>
-              <a:t>position : fixed</a:t>
-            </a:r>
-            <a:endParaRPr lang="ko-KR" altLang="en-US" dirty="0">
-              <a:latin typeface="배달의민족 주아" pitchFamily="18" charset="-127"/>
-              <a:ea typeface="배달의민족 주아" pitchFamily="18" charset="-127"/>
-            </a:endParaRPr>
+              <a:t>position : relative </a:t>
+            </a:r>
+            <a:r>
+              <a:rPr lang="ko-KR" altLang="en-US" sz="2400" dirty="0">
+                <a:latin typeface="배달의민족 주아" pitchFamily="18" charset="-127"/>
+                <a:ea typeface="배달의민족 주아" pitchFamily="18" charset="-127"/>
+              </a:rPr>
+              <a:t>예제</a:t>
+            </a:r>
           </a:p>
         </p:txBody>
       </p:sp>
+    </p:spTree>
+    <p:extLst>
+      <p:ext uri="{BB962C8B-B14F-4D97-AF65-F5344CB8AC3E}">
+        <p14:creationId xmlns:p14="http://schemas.microsoft.com/office/powerpoint/2010/main" val="2942240764"/>
+      </p:ext>
+    </p:extLst>
+  </p:cSld>
+  <p:clrMapOvr>
+    <a:masterClrMapping/>
+  </p:clrMapOvr>
+</p:sld>
+</file>
+
+<file path=ppt/slides/slide9.xml><?xml version="1.0" encoding="utf-8"?>
+<p:sld xmlns:a="http://schemas.openxmlformats.org/drawingml/2006/main" xmlns:r="http://schemas.openxmlformats.org/officeDocument/2006/relationships" xmlns:p="http://schemas.openxmlformats.org/presentationml/2006/main">
+  <p:cSld>
+    <p:spTree>
+      <p:nvGrpSpPr>
+        <p:cNvPr id="1" name=""/>
+        <p:cNvGrpSpPr/>
+        <p:nvPr/>
+      </p:nvGrpSpPr>
+      <p:grpSpPr>
+        <a:xfrm>
+          <a:off x="0" y="0"/>
+          <a:ext cx="0" cy="0"/>
+          <a:chOff x="0" y="0"/>
+          <a:chExt cx="0" cy="0"/>
+        </a:xfrm>
+      </p:grpSpPr>
       <p:sp>
         <p:nvSpPr>
           <p:cNvPr id="3" name="TextBox 2"/>
@@ -5895,7 +11500,7 @@
           </a:lstStyle>
           <a:p>
             <a:r>
-              <a:rPr lang="en-US" altLang="ko-KR" dirty="0" smtClean="0">
+              <a:rPr lang="en-US" altLang="ko-KR" dirty="0">
                 <a:solidFill>
                   <a:schemeClr val="accent5"/>
                 </a:solidFill>
@@ -5905,14 +11510,14 @@
               <a:t>S</a:t>
             </a:r>
             <a:r>
-              <a:rPr lang="en-US" altLang="ko-KR" dirty="0" smtClean="0">
+              <a:rPr lang="en-US" altLang="ko-KR" dirty="0">
                 <a:latin typeface="배달의민족 도현" pitchFamily="50" charset="-127"/>
                 <a:ea typeface="배달의민족 도현" pitchFamily="50" charset="-127"/>
               </a:rPr>
               <a:t>TART</a:t>
             </a:r>
             <a:r>
-              <a:rPr lang="en-US" altLang="ko-KR" dirty="0" smtClean="0">
+              <a:rPr lang="en-US" altLang="ko-KR" dirty="0">
                 <a:solidFill>
                   <a:schemeClr val="accent5"/>
                 </a:solidFill>
@@ -5922,7 +11527,7 @@
               <a:t>C</a:t>
             </a:r>
             <a:r>
-              <a:rPr lang="en-US" altLang="ko-KR" dirty="0" smtClean="0">
+              <a:rPr lang="en-US" altLang="ko-KR" dirty="0">
                 <a:latin typeface="배달의민족 도현" pitchFamily="50" charset="-127"/>
                 <a:ea typeface="배달의민족 도현" pitchFamily="50" charset="-127"/>
               </a:rPr>
@@ -5937,205 +11542,13 @@
       </p:sp>
       <p:sp>
         <p:nvSpPr>
-          <p:cNvPr id="4" name="제목 1"/>
-          <p:cNvSpPr txBox="1">
-            <a:spLocks/>
-          </p:cNvSpPr>
-          <p:nvPr/>
-        </p:nvSpPr>
-        <p:spPr>
-          <a:xfrm>
-            <a:off x="755576" y="3573016"/>
-            <a:ext cx="7344816" cy="1080120"/>
-          </a:xfrm>
-          <a:prstGeom prst="rect">
-            <a:avLst/>
-          </a:prstGeom>
-        </p:spPr>
-        <p:txBody>
-          <a:bodyPr vert="horz" lIns="91440" tIns="45720" rIns="91440" bIns="45720" rtlCol="0" anchor="ctr">
-            <a:normAutofit/>
-          </a:bodyPr>
-          <a:lstStyle>
-            <a:lvl1pPr algn="ctr" defTabSz="914400" rtl="0" eaLnBrk="1" latinLnBrk="1" hangingPunct="1">
-              <a:spcBef>
-                <a:spcPct val="0"/>
-              </a:spcBef>
-              <a:buNone/>
-              <a:defRPr sz="4400" kern="1200">
-                <a:solidFill>
-                  <a:schemeClr val="tx1"/>
-                </a:solidFill>
-                <a:latin typeface="+mj-lt"/>
-                <a:ea typeface="+mj-ea"/>
-                <a:cs typeface="+mj-cs"/>
-              </a:defRPr>
-            </a:lvl1pPr>
-          </a:lstStyle>
-          <a:p>
-            <a:r>
-              <a:rPr lang="ko-KR" altLang="en-US" sz="2800" dirty="0" smtClean="0">
-                <a:latin typeface="배달의민족 주아" pitchFamily="18" charset="-127"/>
-                <a:ea typeface="배달의민족 주아" pitchFamily="18" charset="-127"/>
-              </a:rPr>
-              <a:t>실습</a:t>
-            </a:r>
-            <a:r>
-              <a:rPr lang="en-US" altLang="ko-KR" sz="2800" dirty="0" smtClean="0">
-                <a:latin typeface="배달의민족 주아" pitchFamily="18" charset="-127"/>
-                <a:ea typeface="배달의민족 주아" pitchFamily="18" charset="-127"/>
-              </a:rPr>
-              <a:t>) </a:t>
-            </a:r>
-            <a:r>
-              <a:rPr lang="ko-KR" altLang="en-US" sz="2800" dirty="0" err="1" smtClean="0">
-                <a:solidFill>
-                  <a:schemeClr val="accent6"/>
-                </a:solidFill>
-                <a:latin typeface="배달의민족 주아" pitchFamily="18" charset="-127"/>
-                <a:ea typeface="배달의민족 주아" pitchFamily="18" charset="-127"/>
-              </a:rPr>
-              <a:t>스크롤해도</a:t>
-            </a:r>
-            <a:r>
-              <a:rPr lang="ko-KR" altLang="en-US" sz="2800" dirty="0" smtClean="0">
-                <a:solidFill>
-                  <a:schemeClr val="accent6"/>
-                </a:solidFill>
-                <a:latin typeface="배달의민족 주아" pitchFamily="18" charset="-127"/>
-                <a:ea typeface="배달의민족 주아" pitchFamily="18" charset="-127"/>
-              </a:rPr>
-              <a:t> 위치가 고정되는 박스 만들기</a:t>
-            </a:r>
-            <a:endParaRPr lang="en-US" altLang="ko-KR" sz="2800" dirty="0" smtClean="0">
-              <a:solidFill>
-                <a:schemeClr val="accent6"/>
-              </a:solidFill>
-              <a:latin typeface="배달의민족 주아" pitchFamily="18" charset="-127"/>
-              <a:ea typeface="배달의민족 주아" pitchFamily="18" charset="-127"/>
-            </a:endParaRPr>
-          </a:p>
-        </p:txBody>
-      </p:sp>
-    </p:spTree>
-    <p:extLst>
-      <p:ext uri="{BB962C8B-B14F-4D97-AF65-F5344CB8AC3E}">
-        <p14:creationId xmlns:p14="http://schemas.microsoft.com/office/powerpoint/2010/main" val="4074780532"/>
-      </p:ext>
-    </p:extLst>
-  </p:cSld>
-  <p:clrMapOvr>
-    <a:masterClrMapping/>
-  </p:clrMapOvr>
-  <p:timing>
-    <p:tnLst>
-      <p:par>
-        <p:cTn id="1" dur="indefinite" restart="never" nodeType="tmRoot">
-          <p:childTnLst>
-            <p:seq concurrent="1" nextAc="seek">
-              <p:cTn id="2" dur="indefinite" nodeType="mainSeq">
-                <p:childTnLst>
-                  <p:par>
-                    <p:cTn id="3" fill="hold">
-                      <p:stCondLst>
-                        <p:cond delay="indefinite"/>
-                      </p:stCondLst>
-                      <p:childTnLst>
-                        <p:par>
-                          <p:cTn id="4" fill="hold">
-                            <p:stCondLst>
-                              <p:cond delay="0"/>
-                            </p:stCondLst>
-                            <p:childTnLst>
-                              <p:par>
-                                <p:cTn id="5" presetID="10" presetClass="entr" presetSubtype="0" fill="hold" grpId="0" nodeType="clickEffect">
-                                  <p:stCondLst>
-                                    <p:cond delay="0"/>
-                                  </p:stCondLst>
-                                  <p:childTnLst>
-                                    <p:set>
-                                      <p:cBhvr>
-                                        <p:cTn id="6" dur="1" fill="hold">
-                                          <p:stCondLst>
-                                            <p:cond delay="0"/>
-                                          </p:stCondLst>
-                                        </p:cTn>
-                                        <p:tgtEl>
-                                          <p:spTgt spid="4"/>
-                                        </p:tgtEl>
-                                        <p:attrNameLst>
-                                          <p:attrName>style.visibility</p:attrName>
-                                        </p:attrNameLst>
-                                      </p:cBhvr>
-                                      <p:to>
-                                        <p:strVal val="visible"/>
-                                      </p:to>
-                                    </p:set>
-                                    <p:animEffect transition="in" filter="fade">
-                                      <p:cBhvr>
-                                        <p:cTn id="7" dur="500"/>
-                                        <p:tgtEl>
-                                          <p:spTgt spid="4"/>
-                                        </p:tgtEl>
-                                      </p:cBhvr>
-                                    </p:animEffect>
-                                  </p:childTnLst>
-                                </p:cTn>
-                              </p:par>
-                            </p:childTnLst>
-                          </p:cTn>
-                        </p:par>
-                      </p:childTnLst>
-                    </p:cTn>
-                  </p:par>
-                </p:childTnLst>
-              </p:cTn>
-              <p:prevCondLst>
-                <p:cond evt="onPrev" delay="0">
-                  <p:tgtEl>
-                    <p:sldTgt/>
-                  </p:tgtEl>
-                </p:cond>
-              </p:prevCondLst>
-              <p:nextCondLst>
-                <p:cond evt="onNext" delay="0">
-                  <p:tgtEl>
-                    <p:sldTgt/>
-                  </p:tgtEl>
-                </p:cond>
-              </p:nextCondLst>
-            </p:seq>
-          </p:childTnLst>
-        </p:cTn>
-      </p:par>
-    </p:tnLst>
-    <p:bldLst>
-      <p:bldP spid="4" grpId="0"/>
-    </p:bldLst>
-  </p:timing>
-</p:sld>
-</file>
-
-<file path=ppt/slides/slide9.xml><?xml version="1.0" encoding="utf-8"?>
-<p:sld xmlns:a="http://schemas.openxmlformats.org/drawingml/2006/main" xmlns:r="http://schemas.openxmlformats.org/officeDocument/2006/relationships" xmlns:p="http://schemas.openxmlformats.org/presentationml/2006/main">
-  <p:cSld>
-    <p:spTree>
-      <p:nvGrpSpPr>
-        <p:cNvPr id="1" name=""/>
-        <p:cNvGrpSpPr/>
-        <p:nvPr/>
-      </p:nvGrpSpPr>
-      <p:grpSpPr>
-        <a:xfrm>
-          <a:off x="0" y="0"/>
-          <a:ext cx="0" cy="0"/>
-          <a:chOff x="0" y="0"/>
-          <a:chExt cx="0" cy="0"/>
-        </a:xfrm>
-      </p:grpSpPr>
-      <p:sp>
-        <p:nvSpPr>
-          <p:cNvPr id="2" name="제목 1"/>
+          <p:cNvPr id="4" name="제목 1">
+            <a:extLst>
+              <a:ext uri="{FF2B5EF4-FFF2-40B4-BE49-F238E27FC236}">
+                <a16:creationId xmlns:a16="http://schemas.microsoft.com/office/drawing/2014/main" id="{857A5AC4-1DDC-4E5E-9E0E-A4114457B0BE}"/>
+              </a:ext>
+            </a:extLst>
+          </p:cNvPr>
           <p:cNvSpPr>
             <a:spLocks noGrp="1"/>
           </p:cNvSpPr>
@@ -6143,371 +11556,81 @@
             <p:ph type="ctrTitle"/>
           </p:nvPr>
         </p:nvSpPr>
-        <p:spPr/>
+        <p:spPr>
+          <a:xfrm>
+            <a:off x="3131840" y="17190"/>
+            <a:ext cx="2880320" cy="531490"/>
+          </a:xfrm>
+        </p:spPr>
         <p:txBody>
-          <a:bodyPr/>
+          <a:bodyPr>
+            <a:normAutofit fontScale="90000"/>
+          </a:bodyPr>
           <a:lstStyle/>
           <a:p>
             <a:r>
-              <a:rPr lang="en-US" altLang="ko-KR" dirty="0" smtClean="0">
+              <a:rPr lang="en-US" altLang="ko-KR" sz="2400" dirty="0">
                 <a:latin typeface="배달의민족 주아" pitchFamily="18" charset="-127"/>
                 <a:ea typeface="배달의민족 주아" pitchFamily="18" charset="-127"/>
               </a:rPr>
-              <a:t>position : absolute</a:t>
-            </a:r>
-            <a:endParaRPr lang="ko-KR" altLang="en-US" dirty="0">
-              <a:latin typeface="배달의민족 주아" pitchFamily="18" charset="-127"/>
-              <a:ea typeface="배달의민족 주아" pitchFamily="18" charset="-127"/>
-            </a:endParaRPr>
+              <a:t>position : relative </a:t>
+            </a:r>
+            <a:r>
+              <a:rPr lang="ko-KR" altLang="en-US" sz="2400" dirty="0">
+                <a:latin typeface="배달의민족 주아" pitchFamily="18" charset="-127"/>
+                <a:ea typeface="배달의민족 주아" pitchFamily="18" charset="-127"/>
+              </a:rPr>
+              <a:t>예제</a:t>
+            </a:r>
           </a:p>
         </p:txBody>
       </p:sp>
-      <p:sp>
-        <p:nvSpPr>
-          <p:cNvPr id="3" name="TextBox 2"/>
-          <p:cNvSpPr txBox="1"/>
+      <p:pic>
+        <p:nvPicPr>
+          <p:cNvPr id="6" name="그림 5">
+            <a:extLst>
+              <a:ext uri="{FF2B5EF4-FFF2-40B4-BE49-F238E27FC236}">
+                <a16:creationId xmlns:a16="http://schemas.microsoft.com/office/drawing/2014/main" id="{EE0DAFB0-E45B-4469-B27F-92968B9289C5}"/>
+              </a:ext>
+            </a:extLst>
+          </p:cNvPr>
+          <p:cNvPicPr>
+            <a:picLocks noChangeAspect="1"/>
+          </p:cNvPicPr>
           <p:nvPr/>
-        </p:nvSpPr>
+        </p:nvPicPr>
+        <p:blipFill>
+          <a:blip r:embed="rId2">
+            <a:extLst>
+              <a:ext uri="{28A0092B-C50C-407E-A947-70E740481C1C}">
+                <a14:useLocalDpi xmlns:a14="http://schemas.microsoft.com/office/drawing/2010/main" val="0"/>
+              </a:ext>
+            </a:extLst>
+          </a:blip>
+          <a:stretch>
+            <a:fillRect/>
+          </a:stretch>
+        </p:blipFill>
         <p:spPr>
           <a:xfrm>
-            <a:off x="6948264" y="6093296"/>
-            <a:ext cx="1838965" cy="369332"/>
-          </a:xfrm>
-          <a:prstGeom prst="rect">
-            <a:avLst/>
-          </a:prstGeom>
-          <a:noFill/>
-        </p:spPr>
-        <p:txBody>
-          <a:bodyPr wrap="none" rtlCol="0">
-            <a:spAutoFit/>
-          </a:bodyPr>
-          <a:lstStyle>
-            <a:defPPr>
-              <a:defRPr lang="ko-KR"/>
-            </a:defPPr>
-            <a:lvl1pPr marL="0" algn="l" defTabSz="914400" rtl="0" eaLnBrk="1" latinLnBrk="1" hangingPunct="1">
-              <a:defRPr sz="1800" kern="1200">
-                <a:solidFill>
-                  <a:schemeClr val="tx1"/>
-                </a:solidFill>
-                <a:latin typeface="+mn-lt"/>
-                <a:ea typeface="+mn-ea"/>
-                <a:cs typeface="+mn-cs"/>
-              </a:defRPr>
-            </a:lvl1pPr>
-            <a:lvl2pPr marL="457200" algn="l" defTabSz="914400" rtl="0" eaLnBrk="1" latinLnBrk="1" hangingPunct="1">
-              <a:defRPr sz="1800" kern="1200">
-                <a:solidFill>
-                  <a:schemeClr val="tx1"/>
-                </a:solidFill>
-                <a:latin typeface="+mn-lt"/>
-                <a:ea typeface="+mn-ea"/>
-                <a:cs typeface="+mn-cs"/>
-              </a:defRPr>
-            </a:lvl2pPr>
-            <a:lvl3pPr marL="914400" algn="l" defTabSz="914400" rtl="0" eaLnBrk="1" latinLnBrk="1" hangingPunct="1">
-              <a:defRPr sz="1800" kern="1200">
-                <a:solidFill>
-                  <a:schemeClr val="tx1"/>
-                </a:solidFill>
-                <a:latin typeface="+mn-lt"/>
-                <a:ea typeface="+mn-ea"/>
-                <a:cs typeface="+mn-cs"/>
-              </a:defRPr>
-            </a:lvl3pPr>
-            <a:lvl4pPr marL="1371600" algn="l" defTabSz="914400" rtl="0" eaLnBrk="1" latinLnBrk="1" hangingPunct="1">
-              <a:defRPr sz="1800" kern="1200">
-                <a:solidFill>
-                  <a:schemeClr val="tx1"/>
-                </a:solidFill>
-                <a:latin typeface="+mn-lt"/>
-                <a:ea typeface="+mn-ea"/>
-                <a:cs typeface="+mn-cs"/>
-              </a:defRPr>
-            </a:lvl4pPr>
-            <a:lvl5pPr marL="1828800" algn="l" defTabSz="914400" rtl="0" eaLnBrk="1" latinLnBrk="1" hangingPunct="1">
-              <a:defRPr sz="1800" kern="1200">
-                <a:solidFill>
-                  <a:schemeClr val="tx1"/>
-                </a:solidFill>
-                <a:latin typeface="+mn-lt"/>
-                <a:ea typeface="+mn-ea"/>
-                <a:cs typeface="+mn-cs"/>
-              </a:defRPr>
-            </a:lvl5pPr>
-            <a:lvl6pPr marL="2286000" algn="l" defTabSz="914400" rtl="0" eaLnBrk="1" latinLnBrk="1" hangingPunct="1">
-              <a:defRPr sz="1800" kern="1200">
-                <a:solidFill>
-                  <a:schemeClr val="tx1"/>
-                </a:solidFill>
-                <a:latin typeface="+mn-lt"/>
-                <a:ea typeface="+mn-ea"/>
-                <a:cs typeface="+mn-cs"/>
-              </a:defRPr>
-            </a:lvl6pPr>
-            <a:lvl7pPr marL="2743200" algn="l" defTabSz="914400" rtl="0" eaLnBrk="1" latinLnBrk="1" hangingPunct="1">
-              <a:defRPr sz="1800" kern="1200">
-                <a:solidFill>
-                  <a:schemeClr val="tx1"/>
-                </a:solidFill>
-                <a:latin typeface="+mn-lt"/>
-                <a:ea typeface="+mn-ea"/>
-                <a:cs typeface="+mn-cs"/>
-              </a:defRPr>
-            </a:lvl7pPr>
-            <a:lvl8pPr marL="3200400" algn="l" defTabSz="914400" rtl="0" eaLnBrk="1" latinLnBrk="1" hangingPunct="1">
-              <a:defRPr sz="1800" kern="1200">
-                <a:solidFill>
-                  <a:schemeClr val="tx1"/>
-                </a:solidFill>
-                <a:latin typeface="+mn-lt"/>
-                <a:ea typeface="+mn-ea"/>
-                <a:cs typeface="+mn-cs"/>
-              </a:defRPr>
-            </a:lvl8pPr>
-            <a:lvl9pPr marL="3657600" algn="l" defTabSz="914400" rtl="0" eaLnBrk="1" latinLnBrk="1" hangingPunct="1">
-              <a:defRPr sz="1800" kern="1200">
-                <a:solidFill>
-                  <a:schemeClr val="tx1"/>
-                </a:solidFill>
-                <a:latin typeface="+mn-lt"/>
-                <a:ea typeface="+mn-ea"/>
-                <a:cs typeface="+mn-cs"/>
-              </a:defRPr>
-            </a:lvl9pPr>
-          </a:lstStyle>
-          <a:p>
-            <a:r>
-              <a:rPr lang="en-US" altLang="ko-KR" dirty="0" smtClean="0">
-                <a:solidFill>
-                  <a:schemeClr val="accent5"/>
-                </a:solidFill>
-                <a:latin typeface="배달의민족 도현" pitchFamily="50" charset="-127"/>
-                <a:ea typeface="배달의민족 도현" pitchFamily="50" charset="-127"/>
-              </a:rPr>
-              <a:t>S</a:t>
-            </a:r>
-            <a:r>
-              <a:rPr lang="en-US" altLang="ko-KR" dirty="0" smtClean="0">
-                <a:latin typeface="배달의민족 도현" pitchFamily="50" charset="-127"/>
-                <a:ea typeface="배달의민족 도현" pitchFamily="50" charset="-127"/>
-              </a:rPr>
-              <a:t>TART</a:t>
-            </a:r>
-            <a:r>
-              <a:rPr lang="en-US" altLang="ko-KR" dirty="0" smtClean="0">
-                <a:solidFill>
-                  <a:schemeClr val="accent5"/>
-                </a:solidFill>
-                <a:latin typeface="배달의민족 도현" pitchFamily="50" charset="-127"/>
-                <a:ea typeface="배달의민족 도현" pitchFamily="50" charset="-127"/>
-              </a:rPr>
-              <a:t>C</a:t>
-            </a:r>
-            <a:r>
-              <a:rPr lang="en-US" altLang="ko-KR" dirty="0" smtClean="0">
-                <a:latin typeface="배달의민족 도현" pitchFamily="50" charset="-127"/>
-                <a:ea typeface="배달의민족 도현" pitchFamily="50" charset="-127"/>
-              </a:rPr>
-              <a:t>ODING</a:t>
-            </a:r>
-            <a:endParaRPr lang="ko-KR" altLang="en-US" dirty="0">
-              <a:latin typeface="배달의민족 도현" pitchFamily="50" charset="-127"/>
-              <a:ea typeface="배달의민족 도현" pitchFamily="50" charset="-127"/>
-            </a:endParaRPr>
-          </a:p>
-        </p:txBody>
-      </p:sp>
-      <p:sp>
-        <p:nvSpPr>
-          <p:cNvPr id="4" name="제목 1"/>
-          <p:cNvSpPr txBox="1">
-            <a:spLocks/>
-          </p:cNvSpPr>
-          <p:nvPr/>
-        </p:nvSpPr>
-        <p:spPr>
-          <a:xfrm>
-            <a:off x="755575" y="3573016"/>
-            <a:ext cx="8031653" cy="1080120"/>
+            <a:off x="2667577" y="902502"/>
+            <a:ext cx="3808846" cy="5052996"/>
           </a:xfrm>
           <a:prstGeom prst="rect">
             <a:avLst/>
           </a:prstGeom>
         </p:spPr>
-        <p:txBody>
-          <a:bodyPr vert="horz" lIns="91440" tIns="45720" rIns="91440" bIns="45720" rtlCol="0" anchor="ctr">
-            <a:normAutofit fontScale="85000" lnSpcReduction="10000"/>
-          </a:bodyPr>
-          <a:lstStyle>
-            <a:lvl1pPr algn="ctr" defTabSz="914400" rtl="0" eaLnBrk="1" latinLnBrk="1" hangingPunct="1">
-              <a:spcBef>
-                <a:spcPct val="0"/>
-              </a:spcBef>
-              <a:buNone/>
-              <a:defRPr sz="4400" kern="1200">
-                <a:solidFill>
-                  <a:schemeClr val="tx1"/>
-                </a:solidFill>
-                <a:latin typeface="+mj-lt"/>
-                <a:ea typeface="+mj-ea"/>
-                <a:cs typeface="+mj-cs"/>
-              </a:defRPr>
-            </a:lvl1pPr>
-          </a:lstStyle>
-          <a:p>
-            <a:r>
-              <a:rPr lang="en-US" altLang="ko-KR" sz="2800" dirty="0" smtClean="0">
-                <a:solidFill>
-                  <a:schemeClr val="accent5"/>
-                </a:solidFill>
-                <a:latin typeface="배달의민족 주아" pitchFamily="18" charset="-127"/>
-                <a:ea typeface="배달의민족 주아" pitchFamily="18" charset="-127"/>
-              </a:rPr>
-              <a:t>relative, absolute, fixed </a:t>
-            </a:r>
-            <a:r>
-              <a:rPr lang="ko-KR" altLang="en-US" sz="2800" dirty="0" smtClean="0">
-                <a:solidFill>
-                  <a:schemeClr val="accent5"/>
-                </a:solidFill>
-                <a:latin typeface="배달의민족 주아" pitchFamily="18" charset="-127"/>
-                <a:ea typeface="배달의민족 주아" pitchFamily="18" charset="-127"/>
-              </a:rPr>
-              <a:t>가 선언되어 있는 상위태그를 기준으로 </a:t>
-            </a:r>
-            <a:endParaRPr lang="en-US" altLang="ko-KR" sz="2800" dirty="0">
-              <a:solidFill>
-                <a:schemeClr val="accent5"/>
-              </a:solidFill>
-              <a:latin typeface="배달의민족 주아" pitchFamily="18" charset="-127"/>
-              <a:ea typeface="배달의민족 주아" pitchFamily="18" charset="-127"/>
-            </a:endParaRPr>
-          </a:p>
-          <a:p>
-            <a:r>
-              <a:rPr lang="ko-KR" altLang="en-US" sz="2800" dirty="0" smtClean="0">
-                <a:latin typeface="배달의민족 주아" pitchFamily="18" charset="-127"/>
-                <a:ea typeface="배달의민족 주아" pitchFamily="18" charset="-127"/>
-              </a:rPr>
-              <a:t>좌표속성을 사용하여 위치를 이동시킨다</a:t>
-            </a:r>
-            <a:r>
-              <a:rPr lang="en-US" altLang="ko-KR" sz="2800" dirty="0" smtClean="0">
-                <a:latin typeface="배달의민족 주아" pitchFamily="18" charset="-127"/>
-                <a:ea typeface="배달의민족 주아" pitchFamily="18" charset="-127"/>
-              </a:rPr>
-              <a:t>. </a:t>
-            </a:r>
-          </a:p>
-          <a:p>
-            <a:r>
-              <a:rPr lang="en-US" altLang="ko-KR" sz="2800" dirty="0" smtClean="0">
-                <a:latin typeface="배달의민족 주아" pitchFamily="18" charset="-127"/>
-                <a:ea typeface="배달의민족 주아" pitchFamily="18" charset="-127"/>
-              </a:rPr>
-              <a:t>(top, bottom, left, right)</a:t>
-            </a:r>
-          </a:p>
-        </p:txBody>
-      </p:sp>
+      </p:pic>
     </p:spTree>
     <p:extLst>
       <p:ext uri="{BB962C8B-B14F-4D97-AF65-F5344CB8AC3E}">
-        <p14:creationId xmlns:p14="http://schemas.microsoft.com/office/powerpoint/2010/main" val="577416600"/>
+        <p14:creationId xmlns:p14="http://schemas.microsoft.com/office/powerpoint/2010/main" val="810692855"/>
       </p:ext>
     </p:extLst>
   </p:cSld>
   <p:clrMapOvr>
     <a:masterClrMapping/>
   </p:clrMapOvr>
-  <p:timing>
-    <p:tnLst>
-      <p:par>
-        <p:cTn id="1" dur="indefinite" restart="never" nodeType="tmRoot">
-          <p:childTnLst>
-            <p:seq concurrent="1" nextAc="seek">
-              <p:cTn id="2" dur="indefinite" nodeType="mainSeq">
-                <p:childTnLst>
-                  <p:par>
-                    <p:cTn id="3" fill="hold">
-                      <p:stCondLst>
-                        <p:cond delay="indefinite"/>
-                      </p:stCondLst>
-                      <p:childTnLst>
-                        <p:par>
-                          <p:cTn id="4" fill="hold">
-                            <p:stCondLst>
-                              <p:cond delay="0"/>
-                            </p:stCondLst>
-                            <p:childTnLst>
-                              <p:par>
-                                <p:cTn id="5" presetID="10" presetClass="entr" presetSubtype="0" fill="hold" grpId="0" nodeType="clickEffect">
-                                  <p:stCondLst>
-                                    <p:cond delay="0"/>
-                                  </p:stCondLst>
-                                  <p:childTnLst>
-                                    <p:set>
-                                      <p:cBhvr>
-                                        <p:cTn id="6" dur="1" fill="hold">
-                                          <p:stCondLst>
-                                            <p:cond delay="0"/>
-                                          </p:stCondLst>
-                                        </p:cTn>
-                                        <p:tgtEl>
-                                          <p:spTgt spid="4"/>
-                                        </p:tgtEl>
-                                        <p:attrNameLst>
-                                          <p:attrName>style.visibility</p:attrName>
-                                        </p:attrNameLst>
-                                      </p:cBhvr>
-                                      <p:to>
-                                        <p:strVal val="visible"/>
-                                      </p:to>
-                                    </p:set>
-                                    <p:animEffect transition="in" filter="fade">
-                                      <p:cBhvr>
-                                        <p:cTn id="7" dur="500"/>
-                                        <p:tgtEl>
-                                          <p:spTgt spid="4"/>
-                                        </p:tgtEl>
-                                      </p:cBhvr>
-                                    </p:animEffect>
-                                  </p:childTnLst>
-                                </p:cTn>
-                              </p:par>
-                            </p:childTnLst>
-                          </p:cTn>
-                        </p:par>
-                      </p:childTnLst>
-                    </p:cTn>
-                  </p:par>
-                </p:childTnLst>
-              </p:cTn>
-              <p:prevCondLst>
-                <p:cond evt="onPrev" delay="0">
-                  <p:tgtEl>
-                    <p:sldTgt/>
-                  </p:tgtEl>
-                </p:cond>
-              </p:prevCondLst>
-              <p:nextCondLst>
-                <p:cond evt="onNext" delay="0">
-                  <p:tgtEl>
-                    <p:sldTgt/>
-                  </p:tgtEl>
-                </p:cond>
-              </p:nextCondLst>
-            </p:seq>
-          </p:childTnLst>
-        </p:cTn>
-      </p:par>
-    </p:tnLst>
-    <p:bldLst>
-      <p:bldP spid="4" grpId="0"/>
-    </p:bldLst>
-  </p:timing>
 </p:sld>
 </file>
 
